--- a/hw01.pptx
+++ b/hw01.pptx
@@ -2,18 +2,28 @@
 <file path=ppt/presentation.xml><?xml version="1.0" encoding="utf-8"?>
 <p:presentation xmlns:a="http://schemas.openxmlformats.org/drawingml/2006/main" xmlns:r="http://schemas.openxmlformats.org/officeDocument/2006/relationships" xmlns:p="http://schemas.openxmlformats.org/presentationml/2006/main" saveSubsetFonts="1">
   <p:sldMasterIdLst>
-    <p:sldMasterId id="2147483648" r:id="rId1"/>
+    <p:sldMasterId id="2147484404" r:id="rId4"/>
   </p:sldMasterIdLst>
+  <p:notesMasterIdLst>
+    <p:notesMasterId r:id="rId13"/>
+  </p:notesMasterIdLst>
   <p:sldIdLst>
-    <p:sldId id="256" r:id="rId2"/>
+    <p:sldId id="256" r:id="rId5"/>
+    <p:sldId id="257" r:id="rId6"/>
+    <p:sldId id="259" r:id="rId7"/>
+    <p:sldId id="260" r:id="rId8"/>
+    <p:sldId id="261" r:id="rId9"/>
+    <p:sldId id="262" r:id="rId10"/>
+    <p:sldId id="263" r:id="rId11"/>
+    <p:sldId id="264" r:id="rId12"/>
   </p:sldIdLst>
   <p:sldSz cx="12192000" cy="6858000"/>
   <p:notesSz cx="6858000" cy="9144000"/>
   <p:defaultTextStyle>
     <a:defPPr>
-      <a:defRPr lang="zh-TW"/>
+      <a:defRPr lang="en-US"/>
     </a:defPPr>
-    <a:lvl1pPr marL="0" algn="l" defTabSz="914400" rtl="0" eaLnBrk="1" latinLnBrk="0" hangingPunct="1">
+    <a:lvl1pPr marL="0" algn="l" defTabSz="457200" rtl="0" eaLnBrk="1" latinLnBrk="0" hangingPunct="1">
       <a:defRPr sz="1800" kern="1200">
         <a:solidFill>
           <a:schemeClr val="tx1"/>
@@ -23,7 +33,7 @@
         <a:cs typeface="+mn-cs"/>
       </a:defRPr>
     </a:lvl1pPr>
-    <a:lvl2pPr marL="457200" algn="l" defTabSz="914400" rtl="0" eaLnBrk="1" latinLnBrk="0" hangingPunct="1">
+    <a:lvl2pPr marL="457200" algn="l" defTabSz="457200" rtl="0" eaLnBrk="1" latinLnBrk="0" hangingPunct="1">
       <a:defRPr sz="1800" kern="1200">
         <a:solidFill>
           <a:schemeClr val="tx1"/>
@@ -33,7 +43,7 @@
         <a:cs typeface="+mn-cs"/>
       </a:defRPr>
     </a:lvl2pPr>
-    <a:lvl3pPr marL="914400" algn="l" defTabSz="914400" rtl="0" eaLnBrk="1" latinLnBrk="0" hangingPunct="1">
+    <a:lvl3pPr marL="914400" algn="l" defTabSz="457200" rtl="0" eaLnBrk="1" latinLnBrk="0" hangingPunct="1">
       <a:defRPr sz="1800" kern="1200">
         <a:solidFill>
           <a:schemeClr val="tx1"/>
@@ -43,7 +53,7 @@
         <a:cs typeface="+mn-cs"/>
       </a:defRPr>
     </a:lvl3pPr>
-    <a:lvl4pPr marL="1371600" algn="l" defTabSz="914400" rtl="0" eaLnBrk="1" latinLnBrk="0" hangingPunct="1">
+    <a:lvl4pPr marL="1371600" algn="l" defTabSz="457200" rtl="0" eaLnBrk="1" latinLnBrk="0" hangingPunct="1">
       <a:defRPr sz="1800" kern="1200">
         <a:solidFill>
           <a:schemeClr val="tx1"/>
@@ -53,7 +63,7 @@
         <a:cs typeface="+mn-cs"/>
       </a:defRPr>
     </a:lvl4pPr>
-    <a:lvl5pPr marL="1828800" algn="l" defTabSz="914400" rtl="0" eaLnBrk="1" latinLnBrk="0" hangingPunct="1">
+    <a:lvl5pPr marL="1828800" algn="l" defTabSz="457200" rtl="0" eaLnBrk="1" latinLnBrk="0" hangingPunct="1">
       <a:defRPr sz="1800" kern="1200">
         <a:solidFill>
           <a:schemeClr val="tx1"/>
@@ -63,7 +73,7 @@
         <a:cs typeface="+mn-cs"/>
       </a:defRPr>
     </a:lvl5pPr>
-    <a:lvl6pPr marL="2286000" algn="l" defTabSz="914400" rtl="0" eaLnBrk="1" latinLnBrk="0" hangingPunct="1">
+    <a:lvl6pPr marL="2286000" algn="l" defTabSz="457200" rtl="0" eaLnBrk="1" latinLnBrk="0" hangingPunct="1">
       <a:defRPr sz="1800" kern="1200">
         <a:solidFill>
           <a:schemeClr val="tx1"/>
@@ -73,7 +83,7 @@
         <a:cs typeface="+mn-cs"/>
       </a:defRPr>
     </a:lvl6pPr>
-    <a:lvl7pPr marL="2743200" algn="l" defTabSz="914400" rtl="0" eaLnBrk="1" latinLnBrk="0" hangingPunct="1">
+    <a:lvl7pPr marL="2743200" algn="l" defTabSz="457200" rtl="0" eaLnBrk="1" latinLnBrk="0" hangingPunct="1">
       <a:defRPr sz="1800" kern="1200">
         <a:solidFill>
           <a:schemeClr val="tx1"/>
@@ -83,7 +93,7 @@
         <a:cs typeface="+mn-cs"/>
       </a:defRPr>
     </a:lvl7pPr>
-    <a:lvl8pPr marL="3200400" algn="l" defTabSz="914400" rtl="0" eaLnBrk="1" latinLnBrk="0" hangingPunct="1">
+    <a:lvl8pPr marL="3200400" algn="l" defTabSz="457200" rtl="0" eaLnBrk="1" latinLnBrk="0" hangingPunct="1">
       <a:defRPr sz="1800" kern="1200">
         <a:solidFill>
           <a:schemeClr val="tx1"/>
@@ -93,7 +103,7 @@
         <a:cs typeface="+mn-cs"/>
       </a:defRPr>
     </a:lvl8pPr>
-    <a:lvl9pPr marL="3657600" algn="l" defTabSz="914400" rtl="0" eaLnBrk="1" latinLnBrk="0" hangingPunct="1">
+    <a:lvl9pPr marL="3657600" algn="l" defTabSz="457200" rtl="0" eaLnBrk="1" latinLnBrk="0" hangingPunct="1">
       <a:defRPr sz="1800" kern="1200">
         <a:solidFill>
           <a:schemeClr val="tx1"/>
@@ -104,7 +114,1243 @@
       </a:defRPr>
     </a:lvl9pPr>
   </p:defaultTextStyle>
+  <p:extLst>
+    <p:ext uri="{EFAFB233-063F-42B5-8137-9DF3F51BA10A}">
+      <p15:sldGuideLst xmlns:p15="http://schemas.microsoft.com/office/powerpoint/2012/main"/>
+    </p:ext>
+  </p:extLst>
 </p:presentation>
+</file>
+
+<file path=ppt/notesMasters/notesMaster1.xml><?xml version="1.0" encoding="utf-8"?>
+<p:notesMaster xmlns:a="http://schemas.openxmlformats.org/drawingml/2006/main" xmlns:r="http://schemas.openxmlformats.org/officeDocument/2006/relationships" xmlns:p="http://schemas.openxmlformats.org/presentationml/2006/main">
+  <p:cSld>
+    <p:bg>
+      <p:bgRef idx="1001">
+        <a:schemeClr val="bg1"/>
+      </p:bgRef>
+    </p:bg>
+    <p:spTree>
+      <p:nvGrpSpPr>
+        <p:cNvPr id="1" name=""/>
+        <p:cNvGrpSpPr/>
+        <p:nvPr/>
+      </p:nvGrpSpPr>
+      <p:grpSpPr>
+        <a:xfrm>
+          <a:off x="0" y="0"/>
+          <a:ext cx="0" cy="0"/>
+          <a:chOff x="0" y="0"/>
+          <a:chExt cx="0" cy="0"/>
+        </a:xfrm>
+      </p:grpSpPr>
+      <p:sp>
+        <p:nvSpPr>
+          <p:cNvPr id="2" name="頁首版面配置區 1"/>
+          <p:cNvSpPr>
+            <a:spLocks noGrp="1"/>
+          </p:cNvSpPr>
+          <p:nvPr>
+            <p:ph type="hdr" sz="quarter"/>
+          </p:nvPr>
+        </p:nvSpPr>
+        <p:spPr>
+          <a:xfrm>
+            <a:off x="0" y="0"/>
+            <a:ext cx="2971800" cy="458788"/>
+          </a:xfrm>
+          <a:prstGeom prst="rect">
+            <a:avLst/>
+          </a:prstGeom>
+        </p:spPr>
+        <p:txBody>
+          <a:bodyPr vert="horz" lIns="91440" tIns="45720" rIns="91440" bIns="45720" rtlCol="0"/>
+          <a:lstStyle>
+            <a:lvl1pPr algn="l">
+              <a:defRPr sz="1200"/>
+            </a:lvl1pPr>
+          </a:lstStyle>
+          <a:p>
+            <a:endParaRPr lang="zh-TW" altLang="en-US"/>
+          </a:p>
+        </p:txBody>
+      </p:sp>
+      <p:sp>
+        <p:nvSpPr>
+          <p:cNvPr id="3" name="日期版面配置區 2"/>
+          <p:cNvSpPr>
+            <a:spLocks noGrp="1"/>
+          </p:cNvSpPr>
+          <p:nvPr>
+            <p:ph type="dt" idx="1"/>
+          </p:nvPr>
+        </p:nvSpPr>
+        <p:spPr>
+          <a:xfrm>
+            <a:off x="3884613" y="0"/>
+            <a:ext cx="2971800" cy="458788"/>
+          </a:xfrm>
+          <a:prstGeom prst="rect">
+            <a:avLst/>
+          </a:prstGeom>
+        </p:spPr>
+        <p:txBody>
+          <a:bodyPr vert="horz" lIns="91440" tIns="45720" rIns="91440" bIns="45720" rtlCol="0"/>
+          <a:lstStyle>
+            <a:lvl1pPr algn="r">
+              <a:defRPr sz="1200"/>
+            </a:lvl1pPr>
+          </a:lstStyle>
+          <a:p>
+            <a:fld id="{5410A98E-BECE-4893-9D9D-8FFAF61A1C5D}" type="datetimeFigureOut">
+              <a:rPr lang="zh-TW" altLang="en-US" smtClean="0"/>
+              <a:t>2024/10/23</a:t>
+            </a:fld>
+            <a:endParaRPr lang="zh-TW" altLang="en-US"/>
+          </a:p>
+        </p:txBody>
+      </p:sp>
+      <p:sp>
+        <p:nvSpPr>
+          <p:cNvPr id="4" name="投影片影像版面配置區 3"/>
+          <p:cNvSpPr>
+            <a:spLocks noGrp="1" noRot="1" noChangeAspect="1"/>
+          </p:cNvSpPr>
+          <p:nvPr>
+            <p:ph type="sldImg" idx="2"/>
+          </p:nvPr>
+        </p:nvSpPr>
+        <p:spPr>
+          <a:xfrm>
+            <a:off x="685800" y="1143000"/>
+            <a:ext cx="5486400" cy="3086100"/>
+          </a:xfrm>
+          <a:prstGeom prst="rect">
+            <a:avLst/>
+          </a:prstGeom>
+          <a:noFill/>
+          <a:ln w="12700">
+            <a:solidFill>
+              <a:prstClr val="black"/>
+            </a:solidFill>
+          </a:ln>
+        </p:spPr>
+        <p:txBody>
+          <a:bodyPr vert="horz" lIns="91440" tIns="45720" rIns="91440" bIns="45720" rtlCol="0" anchor="ctr"/>
+          <a:lstStyle/>
+          <a:p>
+            <a:endParaRPr lang="zh-TW" altLang="en-US"/>
+          </a:p>
+        </p:txBody>
+      </p:sp>
+      <p:sp>
+        <p:nvSpPr>
+          <p:cNvPr id="5" name="備忘稿版面配置區 4"/>
+          <p:cNvSpPr>
+            <a:spLocks noGrp="1"/>
+          </p:cNvSpPr>
+          <p:nvPr>
+            <p:ph type="body" sz="quarter" idx="3"/>
+          </p:nvPr>
+        </p:nvSpPr>
+        <p:spPr>
+          <a:xfrm>
+            <a:off x="685800" y="4400550"/>
+            <a:ext cx="5486400" cy="3600450"/>
+          </a:xfrm>
+          <a:prstGeom prst="rect">
+            <a:avLst/>
+          </a:prstGeom>
+        </p:spPr>
+        <p:txBody>
+          <a:bodyPr vert="horz" lIns="91440" tIns="45720" rIns="91440" bIns="45720" rtlCol="0"/>
+          <a:lstStyle/>
+          <a:p>
+            <a:pPr lvl="0"/>
+            <a:r>
+              <a:rPr lang="zh-TW" altLang="en-US"/>
+              <a:t>按一下以編輯母片文字樣式</a:t>
+            </a:r>
+          </a:p>
+          <a:p>
+            <a:pPr lvl="1"/>
+            <a:r>
+              <a:rPr lang="zh-TW" altLang="en-US"/>
+              <a:t>第二層</a:t>
+            </a:r>
+          </a:p>
+          <a:p>
+            <a:pPr lvl="2"/>
+            <a:r>
+              <a:rPr lang="zh-TW" altLang="en-US"/>
+              <a:t>第三層</a:t>
+            </a:r>
+          </a:p>
+          <a:p>
+            <a:pPr lvl="3"/>
+            <a:r>
+              <a:rPr lang="zh-TW" altLang="en-US"/>
+              <a:t>第四層</a:t>
+            </a:r>
+          </a:p>
+          <a:p>
+            <a:pPr lvl="4"/>
+            <a:r>
+              <a:rPr lang="zh-TW" altLang="en-US"/>
+              <a:t>第五層</a:t>
+            </a:r>
+          </a:p>
+        </p:txBody>
+      </p:sp>
+      <p:sp>
+        <p:nvSpPr>
+          <p:cNvPr id="6" name="頁尾版面配置區 5"/>
+          <p:cNvSpPr>
+            <a:spLocks noGrp="1"/>
+          </p:cNvSpPr>
+          <p:nvPr>
+            <p:ph type="ftr" sz="quarter" idx="4"/>
+          </p:nvPr>
+        </p:nvSpPr>
+        <p:spPr>
+          <a:xfrm>
+            <a:off x="0" y="8685213"/>
+            <a:ext cx="2971800" cy="458787"/>
+          </a:xfrm>
+          <a:prstGeom prst="rect">
+            <a:avLst/>
+          </a:prstGeom>
+        </p:spPr>
+        <p:txBody>
+          <a:bodyPr vert="horz" lIns="91440" tIns="45720" rIns="91440" bIns="45720" rtlCol="0" anchor="b"/>
+          <a:lstStyle>
+            <a:lvl1pPr algn="l">
+              <a:defRPr sz="1200"/>
+            </a:lvl1pPr>
+          </a:lstStyle>
+          <a:p>
+            <a:endParaRPr lang="zh-TW" altLang="en-US"/>
+          </a:p>
+        </p:txBody>
+      </p:sp>
+      <p:sp>
+        <p:nvSpPr>
+          <p:cNvPr id="7" name="投影片編號版面配置區 6"/>
+          <p:cNvSpPr>
+            <a:spLocks noGrp="1"/>
+          </p:cNvSpPr>
+          <p:nvPr>
+            <p:ph type="sldNum" sz="quarter" idx="5"/>
+          </p:nvPr>
+        </p:nvSpPr>
+        <p:spPr>
+          <a:xfrm>
+            <a:off x="3884613" y="8685213"/>
+            <a:ext cx="2971800" cy="458787"/>
+          </a:xfrm>
+          <a:prstGeom prst="rect">
+            <a:avLst/>
+          </a:prstGeom>
+        </p:spPr>
+        <p:txBody>
+          <a:bodyPr vert="horz" lIns="91440" tIns="45720" rIns="91440" bIns="45720" rtlCol="0" anchor="b"/>
+          <a:lstStyle>
+            <a:lvl1pPr algn="r">
+              <a:defRPr sz="1200"/>
+            </a:lvl1pPr>
+          </a:lstStyle>
+          <a:p>
+            <a:fld id="{97C8D66C-2F5F-47E1-BB9F-661526B0A827}" type="slidenum">
+              <a:rPr lang="zh-TW" altLang="en-US" smtClean="0"/>
+              <a:t>‹#›</a:t>
+            </a:fld>
+            <a:endParaRPr lang="zh-TW" altLang="en-US"/>
+          </a:p>
+        </p:txBody>
+      </p:sp>
+    </p:spTree>
+    <p:extLst>
+      <p:ext uri="{BB962C8B-B14F-4D97-AF65-F5344CB8AC3E}">
+        <p14:creationId xmlns:p14="http://schemas.microsoft.com/office/powerpoint/2010/main" val="2058243814"/>
+      </p:ext>
+    </p:extLst>
+  </p:cSld>
+  <p:clrMap bg1="lt1" tx1="dk1" bg2="lt2" tx2="dk2" accent1="accent1" accent2="accent2" accent3="accent3" accent4="accent4" accent5="accent5" accent6="accent6" hlink="hlink" folHlink="folHlink"/>
+  <p:notesStyle>
+    <a:lvl1pPr marL="0" algn="l" defTabSz="914400" rtl="0" eaLnBrk="1" latinLnBrk="0" hangingPunct="1">
+      <a:defRPr sz="1200" kern="1200">
+        <a:solidFill>
+          <a:schemeClr val="tx1"/>
+        </a:solidFill>
+        <a:latin typeface="+mn-lt"/>
+        <a:ea typeface="+mn-ea"/>
+        <a:cs typeface="+mn-cs"/>
+      </a:defRPr>
+    </a:lvl1pPr>
+    <a:lvl2pPr marL="457200" algn="l" defTabSz="914400" rtl="0" eaLnBrk="1" latinLnBrk="0" hangingPunct="1">
+      <a:defRPr sz="1200" kern="1200">
+        <a:solidFill>
+          <a:schemeClr val="tx1"/>
+        </a:solidFill>
+        <a:latin typeface="+mn-lt"/>
+        <a:ea typeface="+mn-ea"/>
+        <a:cs typeface="+mn-cs"/>
+      </a:defRPr>
+    </a:lvl2pPr>
+    <a:lvl3pPr marL="914400" algn="l" defTabSz="914400" rtl="0" eaLnBrk="1" latinLnBrk="0" hangingPunct="1">
+      <a:defRPr sz="1200" kern="1200">
+        <a:solidFill>
+          <a:schemeClr val="tx1"/>
+        </a:solidFill>
+        <a:latin typeface="+mn-lt"/>
+        <a:ea typeface="+mn-ea"/>
+        <a:cs typeface="+mn-cs"/>
+      </a:defRPr>
+    </a:lvl3pPr>
+    <a:lvl4pPr marL="1371600" algn="l" defTabSz="914400" rtl="0" eaLnBrk="1" latinLnBrk="0" hangingPunct="1">
+      <a:defRPr sz="1200" kern="1200">
+        <a:solidFill>
+          <a:schemeClr val="tx1"/>
+        </a:solidFill>
+        <a:latin typeface="+mn-lt"/>
+        <a:ea typeface="+mn-ea"/>
+        <a:cs typeface="+mn-cs"/>
+      </a:defRPr>
+    </a:lvl4pPr>
+    <a:lvl5pPr marL="1828800" algn="l" defTabSz="914400" rtl="0" eaLnBrk="1" latinLnBrk="0" hangingPunct="1">
+      <a:defRPr sz="1200" kern="1200">
+        <a:solidFill>
+          <a:schemeClr val="tx1"/>
+        </a:solidFill>
+        <a:latin typeface="+mn-lt"/>
+        <a:ea typeface="+mn-ea"/>
+        <a:cs typeface="+mn-cs"/>
+      </a:defRPr>
+    </a:lvl5pPr>
+    <a:lvl6pPr marL="2286000" algn="l" defTabSz="914400" rtl="0" eaLnBrk="1" latinLnBrk="0" hangingPunct="1">
+      <a:defRPr sz="1200" kern="1200">
+        <a:solidFill>
+          <a:schemeClr val="tx1"/>
+        </a:solidFill>
+        <a:latin typeface="+mn-lt"/>
+        <a:ea typeface="+mn-ea"/>
+        <a:cs typeface="+mn-cs"/>
+      </a:defRPr>
+    </a:lvl6pPr>
+    <a:lvl7pPr marL="2743200" algn="l" defTabSz="914400" rtl="0" eaLnBrk="1" latinLnBrk="0" hangingPunct="1">
+      <a:defRPr sz="1200" kern="1200">
+        <a:solidFill>
+          <a:schemeClr val="tx1"/>
+        </a:solidFill>
+        <a:latin typeface="+mn-lt"/>
+        <a:ea typeface="+mn-ea"/>
+        <a:cs typeface="+mn-cs"/>
+      </a:defRPr>
+    </a:lvl7pPr>
+    <a:lvl8pPr marL="3200400" algn="l" defTabSz="914400" rtl="0" eaLnBrk="1" latinLnBrk="0" hangingPunct="1">
+      <a:defRPr sz="1200" kern="1200">
+        <a:solidFill>
+          <a:schemeClr val="tx1"/>
+        </a:solidFill>
+        <a:latin typeface="+mn-lt"/>
+        <a:ea typeface="+mn-ea"/>
+        <a:cs typeface="+mn-cs"/>
+      </a:defRPr>
+    </a:lvl8pPr>
+    <a:lvl9pPr marL="3657600" algn="l" defTabSz="914400" rtl="0" eaLnBrk="1" latinLnBrk="0" hangingPunct="1">
+      <a:defRPr sz="1200" kern="1200">
+        <a:solidFill>
+          <a:schemeClr val="tx1"/>
+        </a:solidFill>
+        <a:latin typeface="+mn-lt"/>
+        <a:ea typeface="+mn-ea"/>
+        <a:cs typeface="+mn-cs"/>
+      </a:defRPr>
+    </a:lvl9pPr>
+  </p:notesStyle>
+</p:notesMaster>
+</file>
+
+<file path=ppt/notesSlides/notesSlide1.xml><?xml version="1.0" encoding="utf-8"?>
+<p:notes xmlns:a="http://schemas.openxmlformats.org/drawingml/2006/main" xmlns:r="http://schemas.openxmlformats.org/officeDocument/2006/relationships" xmlns:p="http://schemas.openxmlformats.org/presentationml/2006/main">
+  <p:cSld>
+    <p:spTree>
+      <p:nvGrpSpPr>
+        <p:cNvPr id="1" name=""/>
+        <p:cNvGrpSpPr/>
+        <p:nvPr/>
+      </p:nvGrpSpPr>
+      <p:grpSpPr>
+        <a:xfrm>
+          <a:off x="0" y="0"/>
+          <a:ext cx="0" cy="0"/>
+          <a:chOff x="0" y="0"/>
+          <a:chExt cx="0" cy="0"/>
+        </a:xfrm>
+      </p:grpSpPr>
+      <p:sp>
+        <p:nvSpPr>
+          <p:cNvPr id="2" name="投影片影像版面配置區 1"/>
+          <p:cNvSpPr>
+            <a:spLocks noGrp="1" noRot="1" noChangeAspect="1"/>
+          </p:cNvSpPr>
+          <p:nvPr>
+            <p:ph type="sldImg"/>
+          </p:nvPr>
+        </p:nvSpPr>
+        <p:spPr/>
+      </p:sp>
+      <p:sp>
+        <p:nvSpPr>
+          <p:cNvPr id="3" name="備忘稿版面配置區 2"/>
+          <p:cNvSpPr>
+            <a:spLocks noGrp="1"/>
+          </p:cNvSpPr>
+          <p:nvPr>
+            <p:ph type="body" idx="1"/>
+          </p:nvPr>
+        </p:nvSpPr>
+        <p:spPr/>
+        <p:txBody>
+          <a:bodyPr/>
+          <a:lstStyle/>
+          <a:p>
+            <a:endParaRPr lang="zh-TW" altLang="en-US" dirty="0"/>
+          </a:p>
+        </p:txBody>
+      </p:sp>
+      <p:sp>
+        <p:nvSpPr>
+          <p:cNvPr id="4" name="投影片編號版面配置區 3"/>
+          <p:cNvSpPr>
+            <a:spLocks noGrp="1"/>
+          </p:cNvSpPr>
+          <p:nvPr>
+            <p:ph type="sldNum" sz="quarter" idx="5"/>
+          </p:nvPr>
+        </p:nvSpPr>
+        <p:spPr/>
+        <p:txBody>
+          <a:bodyPr/>
+          <a:lstStyle/>
+          <a:p>
+            <a:fld id="{97C8D66C-2F5F-47E1-BB9F-661526B0A827}" type="slidenum">
+              <a:rPr lang="zh-TW" altLang="en-US" smtClean="0"/>
+              <a:t>1</a:t>
+            </a:fld>
+            <a:endParaRPr lang="zh-TW" altLang="en-US"/>
+          </a:p>
+        </p:txBody>
+      </p:sp>
+    </p:spTree>
+    <p:extLst>
+      <p:ext uri="{BB962C8B-B14F-4D97-AF65-F5344CB8AC3E}">
+        <p14:creationId xmlns:p14="http://schemas.microsoft.com/office/powerpoint/2010/main" val="2180077499"/>
+      </p:ext>
+    </p:extLst>
+  </p:cSld>
+  <p:clrMapOvr>
+    <a:masterClrMapping/>
+  </p:clrMapOvr>
+</p:notes>
+</file>
+
+<file path=ppt/notesSlides/notesSlide2.xml><?xml version="1.0" encoding="utf-8"?>
+<p:notes xmlns:a="http://schemas.openxmlformats.org/drawingml/2006/main" xmlns:r="http://schemas.openxmlformats.org/officeDocument/2006/relationships" xmlns:p="http://schemas.openxmlformats.org/presentationml/2006/main">
+  <p:cSld>
+    <p:spTree>
+      <p:nvGrpSpPr>
+        <p:cNvPr id="1" name=""/>
+        <p:cNvGrpSpPr/>
+        <p:nvPr/>
+      </p:nvGrpSpPr>
+      <p:grpSpPr>
+        <a:xfrm>
+          <a:off x="0" y="0"/>
+          <a:ext cx="0" cy="0"/>
+          <a:chOff x="0" y="0"/>
+          <a:chExt cx="0" cy="0"/>
+        </a:xfrm>
+      </p:grpSpPr>
+      <p:sp>
+        <p:nvSpPr>
+          <p:cNvPr id="2" name="投影片影像版面配置區 1"/>
+          <p:cNvSpPr>
+            <a:spLocks noGrp="1" noRot="1" noChangeAspect="1"/>
+          </p:cNvSpPr>
+          <p:nvPr>
+            <p:ph type="sldImg"/>
+          </p:nvPr>
+        </p:nvSpPr>
+        <p:spPr/>
+      </p:sp>
+      <p:sp>
+        <p:nvSpPr>
+          <p:cNvPr id="3" name="備忘稿版面配置區 2"/>
+          <p:cNvSpPr>
+            <a:spLocks noGrp="1"/>
+          </p:cNvSpPr>
+          <p:nvPr>
+            <p:ph type="body" idx="1"/>
+          </p:nvPr>
+        </p:nvSpPr>
+        <p:spPr/>
+        <p:txBody>
+          <a:bodyPr/>
+          <a:lstStyle/>
+          <a:p>
+            <a:r>
+              <a:rPr lang="zh-TW" altLang="en-US" b="0" i="0" dirty="0">
+                <a:solidFill>
+                  <a:srgbClr val="111111"/>
+                </a:solidFill>
+                <a:effectLst/>
+                <a:latin typeface="-apple-system"/>
+              </a:rPr>
+              <a:t>短髮 然後上衣穿白色襯衫 手拿一個外套 褲子灰色牛仔褲 衣服要紮進去 日本動畫風格 人物大概</a:t>
+            </a:r>
+            <a:r>
+              <a:rPr lang="en-US" altLang="zh-TW" b="0" i="0" dirty="0">
+                <a:solidFill>
+                  <a:srgbClr val="111111"/>
+                </a:solidFill>
+                <a:effectLst/>
+                <a:latin typeface="-apple-system"/>
+              </a:rPr>
+              <a:t>20</a:t>
+            </a:r>
+            <a:r>
+              <a:rPr lang="zh-TW" altLang="en-US" b="0" i="0" dirty="0">
+                <a:solidFill>
+                  <a:srgbClr val="111111"/>
+                </a:solidFill>
+                <a:effectLst/>
+                <a:latin typeface="-apple-system"/>
+              </a:rPr>
+              <a:t>歲左右 在健身中</a:t>
+            </a:r>
+            <a:endParaRPr lang="zh-TW" altLang="en-US" dirty="0"/>
+          </a:p>
+        </p:txBody>
+      </p:sp>
+      <p:sp>
+        <p:nvSpPr>
+          <p:cNvPr id="4" name="投影片編號版面配置區 3"/>
+          <p:cNvSpPr>
+            <a:spLocks noGrp="1"/>
+          </p:cNvSpPr>
+          <p:nvPr>
+            <p:ph type="sldNum" sz="quarter" idx="5"/>
+          </p:nvPr>
+        </p:nvSpPr>
+        <p:spPr/>
+        <p:txBody>
+          <a:bodyPr/>
+          <a:lstStyle/>
+          <a:p>
+            <a:fld id="{97C8D66C-2F5F-47E1-BB9F-661526B0A827}" type="slidenum">
+              <a:rPr lang="zh-TW" altLang="en-US" smtClean="0"/>
+              <a:t>2</a:t>
+            </a:fld>
+            <a:endParaRPr lang="zh-TW" altLang="en-US"/>
+          </a:p>
+        </p:txBody>
+      </p:sp>
+    </p:spTree>
+    <p:extLst>
+      <p:ext uri="{BB962C8B-B14F-4D97-AF65-F5344CB8AC3E}">
+        <p14:creationId xmlns:p14="http://schemas.microsoft.com/office/powerpoint/2010/main" val="3809559250"/>
+      </p:ext>
+    </p:extLst>
+  </p:cSld>
+  <p:clrMapOvr>
+    <a:masterClrMapping/>
+  </p:clrMapOvr>
+</p:notes>
+</file>
+
+<file path=ppt/notesSlides/notesSlide3.xml><?xml version="1.0" encoding="utf-8"?>
+<p:notes xmlns:a="http://schemas.openxmlformats.org/drawingml/2006/main" xmlns:r="http://schemas.openxmlformats.org/officeDocument/2006/relationships" xmlns:p="http://schemas.openxmlformats.org/presentationml/2006/main">
+  <p:cSld>
+    <p:spTree>
+      <p:nvGrpSpPr>
+        <p:cNvPr id="1" name=""/>
+        <p:cNvGrpSpPr/>
+        <p:nvPr/>
+      </p:nvGrpSpPr>
+      <p:grpSpPr>
+        <a:xfrm>
+          <a:off x="0" y="0"/>
+          <a:ext cx="0" cy="0"/>
+          <a:chOff x="0" y="0"/>
+          <a:chExt cx="0" cy="0"/>
+        </a:xfrm>
+      </p:grpSpPr>
+      <p:sp>
+        <p:nvSpPr>
+          <p:cNvPr id="2" name="投影片影像版面配置區 1"/>
+          <p:cNvSpPr>
+            <a:spLocks noGrp="1" noRot="1" noChangeAspect="1"/>
+          </p:cNvSpPr>
+          <p:nvPr>
+            <p:ph type="sldImg"/>
+          </p:nvPr>
+        </p:nvSpPr>
+        <p:spPr/>
+      </p:sp>
+      <p:sp>
+        <p:nvSpPr>
+          <p:cNvPr id="3" name="備忘稿版面配置區 2"/>
+          <p:cNvSpPr>
+            <a:spLocks noGrp="1"/>
+          </p:cNvSpPr>
+          <p:nvPr>
+            <p:ph type="body" idx="1"/>
+          </p:nvPr>
+        </p:nvSpPr>
+        <p:spPr/>
+        <p:txBody>
+          <a:bodyPr/>
+          <a:lstStyle/>
+          <a:p>
+            <a:r>
+              <a:rPr lang="zh-TW" altLang="en-US" b="0" i="0" dirty="0">
+                <a:solidFill>
+                  <a:srgbClr val="111111"/>
+                </a:solidFill>
+                <a:effectLst/>
+                <a:latin typeface="-apple-system"/>
+              </a:rPr>
+              <a:t>短髮棕色 然後上衣穿白色襯衫 手拿一個外套 褲子灰色牛仔褲 衣服要紮進去 日本動畫風格 人物大概</a:t>
+            </a:r>
+            <a:r>
+              <a:rPr lang="en-US" altLang="zh-TW" b="0" i="0" dirty="0">
+                <a:solidFill>
+                  <a:srgbClr val="111111"/>
+                </a:solidFill>
+                <a:effectLst/>
+                <a:latin typeface="-apple-system"/>
+              </a:rPr>
+              <a:t>20</a:t>
+            </a:r>
+            <a:r>
+              <a:rPr lang="zh-TW" altLang="en-US" b="0" i="0" dirty="0">
+                <a:solidFill>
+                  <a:srgbClr val="111111"/>
+                </a:solidFill>
+                <a:effectLst/>
+                <a:latin typeface="-apple-system"/>
+              </a:rPr>
+              <a:t>歲左右 在寫作業</a:t>
+            </a:r>
+            <a:endParaRPr lang="zh-TW" altLang="en-US" dirty="0"/>
+          </a:p>
+        </p:txBody>
+      </p:sp>
+      <p:sp>
+        <p:nvSpPr>
+          <p:cNvPr id="4" name="投影片編號版面配置區 3"/>
+          <p:cNvSpPr>
+            <a:spLocks noGrp="1"/>
+          </p:cNvSpPr>
+          <p:nvPr>
+            <p:ph type="sldNum" sz="quarter" idx="5"/>
+          </p:nvPr>
+        </p:nvSpPr>
+        <p:spPr/>
+        <p:txBody>
+          <a:bodyPr/>
+          <a:lstStyle/>
+          <a:p>
+            <a:fld id="{97C8D66C-2F5F-47E1-BB9F-661526B0A827}" type="slidenum">
+              <a:rPr lang="zh-TW" altLang="en-US" smtClean="0"/>
+              <a:t>3</a:t>
+            </a:fld>
+            <a:endParaRPr lang="zh-TW" altLang="en-US"/>
+          </a:p>
+        </p:txBody>
+      </p:sp>
+    </p:spTree>
+    <p:extLst>
+      <p:ext uri="{BB962C8B-B14F-4D97-AF65-F5344CB8AC3E}">
+        <p14:creationId xmlns:p14="http://schemas.microsoft.com/office/powerpoint/2010/main" val="1764334150"/>
+      </p:ext>
+    </p:extLst>
+  </p:cSld>
+  <p:clrMapOvr>
+    <a:masterClrMapping/>
+  </p:clrMapOvr>
+</p:notes>
+</file>
+
+<file path=ppt/notesSlides/notesSlide4.xml><?xml version="1.0" encoding="utf-8"?>
+<p:notes xmlns:a="http://schemas.openxmlformats.org/drawingml/2006/main" xmlns:r="http://schemas.openxmlformats.org/officeDocument/2006/relationships" xmlns:p="http://schemas.openxmlformats.org/presentationml/2006/main">
+  <p:cSld>
+    <p:spTree>
+      <p:nvGrpSpPr>
+        <p:cNvPr id="1" name=""/>
+        <p:cNvGrpSpPr/>
+        <p:nvPr/>
+      </p:nvGrpSpPr>
+      <p:grpSpPr>
+        <a:xfrm>
+          <a:off x="0" y="0"/>
+          <a:ext cx="0" cy="0"/>
+          <a:chOff x="0" y="0"/>
+          <a:chExt cx="0" cy="0"/>
+        </a:xfrm>
+      </p:grpSpPr>
+      <p:sp>
+        <p:nvSpPr>
+          <p:cNvPr id="2" name="投影片影像版面配置區 1"/>
+          <p:cNvSpPr>
+            <a:spLocks noGrp="1" noRot="1" noChangeAspect="1"/>
+          </p:cNvSpPr>
+          <p:nvPr>
+            <p:ph type="sldImg"/>
+          </p:nvPr>
+        </p:nvSpPr>
+        <p:spPr/>
+      </p:sp>
+      <p:sp>
+        <p:nvSpPr>
+          <p:cNvPr id="3" name="備忘稿版面配置區 2"/>
+          <p:cNvSpPr>
+            <a:spLocks noGrp="1"/>
+          </p:cNvSpPr>
+          <p:nvPr>
+            <p:ph type="body" idx="1"/>
+          </p:nvPr>
+        </p:nvSpPr>
+        <p:spPr/>
+        <p:txBody>
+          <a:bodyPr/>
+          <a:lstStyle/>
+          <a:p>
+            <a:r>
+              <a:rPr lang="zh-TW" altLang="en-US" b="0" i="0" dirty="0">
+                <a:solidFill>
+                  <a:srgbClr val="111111"/>
+                </a:solidFill>
+                <a:effectLst/>
+                <a:latin typeface="-apple-system"/>
+              </a:rPr>
+              <a:t>短髮 然後上衣穿白色襯衫 手拿一個外套 褲子灰色牛仔褲 衣服要紮進去 日本動畫風格 人物大概</a:t>
+            </a:r>
+            <a:r>
+              <a:rPr lang="en-US" altLang="zh-TW" b="0" i="0" dirty="0">
+                <a:solidFill>
+                  <a:srgbClr val="111111"/>
+                </a:solidFill>
+                <a:effectLst/>
+                <a:latin typeface="-apple-system"/>
+              </a:rPr>
+              <a:t>20</a:t>
+            </a:r>
+            <a:r>
+              <a:rPr lang="zh-TW" altLang="en-US" b="0" i="0" dirty="0">
+                <a:solidFill>
+                  <a:srgbClr val="111111"/>
+                </a:solidFill>
+                <a:effectLst/>
+                <a:latin typeface="-apple-system"/>
+              </a:rPr>
+              <a:t>歲左右 在健身房的照片</a:t>
+            </a:r>
+            <a:endParaRPr lang="zh-TW" altLang="en-US" dirty="0"/>
+          </a:p>
+        </p:txBody>
+      </p:sp>
+      <p:sp>
+        <p:nvSpPr>
+          <p:cNvPr id="4" name="投影片編號版面配置區 3"/>
+          <p:cNvSpPr>
+            <a:spLocks noGrp="1"/>
+          </p:cNvSpPr>
+          <p:nvPr>
+            <p:ph type="sldNum" sz="quarter" idx="5"/>
+          </p:nvPr>
+        </p:nvSpPr>
+        <p:spPr/>
+        <p:txBody>
+          <a:bodyPr/>
+          <a:lstStyle/>
+          <a:p>
+            <a:fld id="{97C8D66C-2F5F-47E1-BB9F-661526B0A827}" type="slidenum">
+              <a:rPr lang="zh-TW" altLang="en-US" smtClean="0"/>
+              <a:t>4</a:t>
+            </a:fld>
+            <a:endParaRPr lang="zh-TW" altLang="en-US"/>
+          </a:p>
+        </p:txBody>
+      </p:sp>
+    </p:spTree>
+    <p:extLst>
+      <p:ext uri="{BB962C8B-B14F-4D97-AF65-F5344CB8AC3E}">
+        <p14:creationId xmlns:p14="http://schemas.microsoft.com/office/powerpoint/2010/main" val="459877953"/>
+      </p:ext>
+    </p:extLst>
+  </p:cSld>
+  <p:clrMapOvr>
+    <a:masterClrMapping/>
+  </p:clrMapOvr>
+</p:notes>
+</file>
+
+<file path=ppt/notesSlides/notesSlide5.xml><?xml version="1.0" encoding="utf-8"?>
+<p:notes xmlns:a="http://schemas.openxmlformats.org/drawingml/2006/main" xmlns:r="http://schemas.openxmlformats.org/officeDocument/2006/relationships" xmlns:p="http://schemas.openxmlformats.org/presentationml/2006/main">
+  <p:cSld>
+    <p:spTree>
+      <p:nvGrpSpPr>
+        <p:cNvPr id="1" name=""/>
+        <p:cNvGrpSpPr/>
+        <p:nvPr/>
+      </p:nvGrpSpPr>
+      <p:grpSpPr>
+        <a:xfrm>
+          <a:off x="0" y="0"/>
+          <a:ext cx="0" cy="0"/>
+          <a:chOff x="0" y="0"/>
+          <a:chExt cx="0" cy="0"/>
+        </a:xfrm>
+      </p:grpSpPr>
+      <p:sp>
+        <p:nvSpPr>
+          <p:cNvPr id="2" name="投影片影像版面配置區 1"/>
+          <p:cNvSpPr>
+            <a:spLocks noGrp="1" noRot="1" noChangeAspect="1"/>
+          </p:cNvSpPr>
+          <p:nvPr>
+            <p:ph type="sldImg"/>
+          </p:nvPr>
+        </p:nvSpPr>
+        <p:spPr/>
+      </p:sp>
+      <p:sp>
+        <p:nvSpPr>
+          <p:cNvPr id="3" name="備忘稿版面配置區 2"/>
+          <p:cNvSpPr>
+            <a:spLocks noGrp="1"/>
+          </p:cNvSpPr>
+          <p:nvPr>
+            <p:ph type="body" idx="1"/>
+          </p:nvPr>
+        </p:nvSpPr>
+        <p:spPr/>
+        <p:txBody>
+          <a:bodyPr/>
+          <a:lstStyle/>
+          <a:p>
+            <a:r>
+              <a:rPr lang="zh-TW" altLang="en-US" b="0" i="0" dirty="0">
+                <a:solidFill>
+                  <a:srgbClr val="111111"/>
+                </a:solidFill>
+                <a:effectLst/>
+                <a:latin typeface="-apple-system"/>
+              </a:rPr>
+              <a:t>短髮棕色 然後上衣穿白色襯衫 手拿一個外套 褲子灰色牛仔褲 衣服要紮進去 日本動畫風格 人物大概</a:t>
+            </a:r>
+            <a:r>
+              <a:rPr lang="en-US" altLang="zh-TW" b="0" i="0" dirty="0">
+                <a:solidFill>
+                  <a:srgbClr val="111111"/>
+                </a:solidFill>
+                <a:effectLst/>
+                <a:latin typeface="-apple-system"/>
+              </a:rPr>
+              <a:t>20</a:t>
+            </a:r>
+            <a:r>
+              <a:rPr lang="zh-TW" altLang="en-US" b="0" i="0" dirty="0">
+                <a:solidFill>
+                  <a:srgbClr val="111111"/>
+                </a:solidFill>
+                <a:effectLst/>
+                <a:latin typeface="-apple-system"/>
+              </a:rPr>
+              <a:t>歲左右 成熟一點 然後手上有繃帶</a:t>
+            </a:r>
+            <a:endParaRPr lang="zh-TW" altLang="en-US" dirty="0"/>
+          </a:p>
+        </p:txBody>
+      </p:sp>
+      <p:sp>
+        <p:nvSpPr>
+          <p:cNvPr id="4" name="投影片編號版面配置區 3"/>
+          <p:cNvSpPr>
+            <a:spLocks noGrp="1"/>
+          </p:cNvSpPr>
+          <p:nvPr>
+            <p:ph type="sldNum" sz="quarter" idx="5"/>
+          </p:nvPr>
+        </p:nvSpPr>
+        <p:spPr/>
+        <p:txBody>
+          <a:bodyPr/>
+          <a:lstStyle/>
+          <a:p>
+            <a:fld id="{97C8D66C-2F5F-47E1-BB9F-661526B0A827}" type="slidenum">
+              <a:rPr lang="zh-TW" altLang="en-US" smtClean="0"/>
+              <a:t>5</a:t>
+            </a:fld>
+            <a:endParaRPr lang="zh-TW" altLang="en-US"/>
+          </a:p>
+        </p:txBody>
+      </p:sp>
+    </p:spTree>
+    <p:extLst>
+      <p:ext uri="{BB962C8B-B14F-4D97-AF65-F5344CB8AC3E}">
+        <p14:creationId xmlns:p14="http://schemas.microsoft.com/office/powerpoint/2010/main" val="240068985"/>
+      </p:ext>
+    </p:extLst>
+  </p:cSld>
+  <p:clrMapOvr>
+    <a:masterClrMapping/>
+  </p:clrMapOvr>
+</p:notes>
+</file>
+
+<file path=ppt/notesSlides/notesSlide6.xml><?xml version="1.0" encoding="utf-8"?>
+<p:notes xmlns:a="http://schemas.openxmlformats.org/drawingml/2006/main" xmlns:r="http://schemas.openxmlformats.org/officeDocument/2006/relationships" xmlns:p="http://schemas.openxmlformats.org/presentationml/2006/main">
+  <p:cSld>
+    <p:spTree>
+      <p:nvGrpSpPr>
+        <p:cNvPr id="1" name=""/>
+        <p:cNvGrpSpPr/>
+        <p:nvPr/>
+      </p:nvGrpSpPr>
+      <p:grpSpPr>
+        <a:xfrm>
+          <a:off x="0" y="0"/>
+          <a:ext cx="0" cy="0"/>
+          <a:chOff x="0" y="0"/>
+          <a:chExt cx="0" cy="0"/>
+        </a:xfrm>
+      </p:grpSpPr>
+      <p:sp>
+        <p:nvSpPr>
+          <p:cNvPr id="2" name="投影片影像版面配置區 1"/>
+          <p:cNvSpPr>
+            <a:spLocks noGrp="1" noRot="1" noChangeAspect="1"/>
+          </p:cNvSpPr>
+          <p:nvPr>
+            <p:ph type="sldImg"/>
+          </p:nvPr>
+        </p:nvSpPr>
+        <p:spPr/>
+      </p:sp>
+      <p:sp>
+        <p:nvSpPr>
+          <p:cNvPr id="3" name="備忘稿版面配置區 2"/>
+          <p:cNvSpPr>
+            <a:spLocks noGrp="1"/>
+          </p:cNvSpPr>
+          <p:nvPr>
+            <p:ph type="body" idx="1"/>
+          </p:nvPr>
+        </p:nvSpPr>
+        <p:spPr/>
+        <p:txBody>
+          <a:bodyPr/>
+          <a:lstStyle/>
+          <a:p>
+            <a:r>
+              <a:rPr lang="zh-TW" altLang="en-US" b="0" i="0" dirty="0">
+                <a:solidFill>
+                  <a:srgbClr val="111111"/>
+                </a:solidFill>
+                <a:effectLst/>
+                <a:latin typeface="-apple-system"/>
+              </a:rPr>
+              <a:t>短髮棕色 然後上衣穿白色襯衫 手拿一個外套 褲子灰色牛仔褲 衣服要紮進去 日本動畫風格 人物大概</a:t>
+            </a:r>
+            <a:r>
+              <a:rPr lang="en-US" altLang="zh-TW" b="0" i="0" dirty="0">
+                <a:solidFill>
+                  <a:srgbClr val="111111"/>
+                </a:solidFill>
+                <a:effectLst/>
+                <a:latin typeface="-apple-system"/>
+              </a:rPr>
+              <a:t>20</a:t>
+            </a:r>
+            <a:r>
+              <a:rPr lang="zh-TW" altLang="en-US" b="0" i="0" dirty="0">
+                <a:solidFill>
+                  <a:srgbClr val="111111"/>
+                </a:solidFill>
+                <a:effectLst/>
+                <a:latin typeface="-apple-system"/>
+              </a:rPr>
+              <a:t>歲左右 手拿一個健身房宣傳單</a:t>
+            </a:r>
+            <a:endParaRPr lang="zh-TW" altLang="en-US" dirty="0"/>
+          </a:p>
+        </p:txBody>
+      </p:sp>
+      <p:sp>
+        <p:nvSpPr>
+          <p:cNvPr id="4" name="投影片編號版面配置區 3"/>
+          <p:cNvSpPr>
+            <a:spLocks noGrp="1"/>
+          </p:cNvSpPr>
+          <p:nvPr>
+            <p:ph type="sldNum" sz="quarter" idx="5"/>
+          </p:nvPr>
+        </p:nvSpPr>
+        <p:spPr/>
+        <p:txBody>
+          <a:bodyPr/>
+          <a:lstStyle/>
+          <a:p>
+            <a:fld id="{97C8D66C-2F5F-47E1-BB9F-661526B0A827}" type="slidenum">
+              <a:rPr lang="zh-TW" altLang="en-US" smtClean="0"/>
+              <a:t>6</a:t>
+            </a:fld>
+            <a:endParaRPr lang="zh-TW" altLang="en-US"/>
+          </a:p>
+        </p:txBody>
+      </p:sp>
+    </p:spTree>
+    <p:extLst>
+      <p:ext uri="{BB962C8B-B14F-4D97-AF65-F5344CB8AC3E}">
+        <p14:creationId xmlns:p14="http://schemas.microsoft.com/office/powerpoint/2010/main" val="19370917"/>
+      </p:ext>
+    </p:extLst>
+  </p:cSld>
+  <p:clrMapOvr>
+    <a:masterClrMapping/>
+  </p:clrMapOvr>
+</p:notes>
+</file>
+
+<file path=ppt/notesSlides/notesSlide7.xml><?xml version="1.0" encoding="utf-8"?>
+<p:notes xmlns:a="http://schemas.openxmlformats.org/drawingml/2006/main" xmlns:r="http://schemas.openxmlformats.org/officeDocument/2006/relationships" xmlns:p="http://schemas.openxmlformats.org/presentationml/2006/main">
+  <p:cSld>
+    <p:spTree>
+      <p:nvGrpSpPr>
+        <p:cNvPr id="1" name=""/>
+        <p:cNvGrpSpPr/>
+        <p:nvPr/>
+      </p:nvGrpSpPr>
+      <p:grpSpPr>
+        <a:xfrm>
+          <a:off x="0" y="0"/>
+          <a:ext cx="0" cy="0"/>
+          <a:chOff x="0" y="0"/>
+          <a:chExt cx="0" cy="0"/>
+        </a:xfrm>
+      </p:grpSpPr>
+      <p:sp>
+        <p:nvSpPr>
+          <p:cNvPr id="2" name="投影片影像版面配置區 1"/>
+          <p:cNvSpPr>
+            <a:spLocks noGrp="1" noRot="1" noChangeAspect="1"/>
+          </p:cNvSpPr>
+          <p:nvPr>
+            <p:ph type="sldImg"/>
+          </p:nvPr>
+        </p:nvSpPr>
+        <p:spPr/>
+      </p:sp>
+      <p:sp>
+        <p:nvSpPr>
+          <p:cNvPr id="3" name="備忘稿版面配置區 2"/>
+          <p:cNvSpPr>
+            <a:spLocks noGrp="1"/>
+          </p:cNvSpPr>
+          <p:nvPr>
+            <p:ph type="body" idx="1"/>
+          </p:nvPr>
+        </p:nvSpPr>
+        <p:spPr/>
+        <p:txBody>
+          <a:bodyPr/>
+          <a:lstStyle/>
+          <a:p>
+            <a:r>
+              <a:rPr lang="zh-TW" altLang="en-US" b="0" i="0" dirty="0">
+                <a:solidFill>
+                  <a:srgbClr val="111111"/>
+                </a:solidFill>
+                <a:effectLst/>
+                <a:latin typeface="-apple-system"/>
+              </a:rPr>
+              <a:t>短髮棕色 然後上衣穿白色襯衫 手拿一個外套 褲子灰色牛仔褲 衣服要紮進去 日本動畫風格 人物大概</a:t>
+            </a:r>
+            <a:r>
+              <a:rPr lang="en-US" altLang="zh-TW" b="0" i="0" dirty="0">
+                <a:solidFill>
+                  <a:srgbClr val="111111"/>
+                </a:solidFill>
+                <a:effectLst/>
+                <a:latin typeface="-apple-system"/>
+              </a:rPr>
+              <a:t>20</a:t>
+            </a:r>
+            <a:r>
+              <a:rPr lang="zh-TW" altLang="en-US" b="0" i="0" dirty="0">
+                <a:solidFill>
+                  <a:srgbClr val="111111"/>
+                </a:solidFill>
+                <a:effectLst/>
+                <a:latin typeface="-apple-system"/>
+              </a:rPr>
+              <a:t>歲左右 成熟一點 健身比賽的照片</a:t>
+            </a:r>
+            <a:endParaRPr lang="zh-TW" altLang="en-US" dirty="0"/>
+          </a:p>
+        </p:txBody>
+      </p:sp>
+      <p:sp>
+        <p:nvSpPr>
+          <p:cNvPr id="4" name="投影片編號版面配置區 3"/>
+          <p:cNvSpPr>
+            <a:spLocks noGrp="1"/>
+          </p:cNvSpPr>
+          <p:nvPr>
+            <p:ph type="sldNum" sz="quarter" idx="5"/>
+          </p:nvPr>
+        </p:nvSpPr>
+        <p:spPr/>
+        <p:txBody>
+          <a:bodyPr/>
+          <a:lstStyle/>
+          <a:p>
+            <a:fld id="{97C8D66C-2F5F-47E1-BB9F-661526B0A827}" type="slidenum">
+              <a:rPr lang="zh-TW" altLang="en-US" smtClean="0"/>
+              <a:t>7</a:t>
+            </a:fld>
+            <a:endParaRPr lang="zh-TW" altLang="en-US"/>
+          </a:p>
+        </p:txBody>
+      </p:sp>
+    </p:spTree>
+    <p:extLst>
+      <p:ext uri="{BB962C8B-B14F-4D97-AF65-F5344CB8AC3E}">
+        <p14:creationId xmlns:p14="http://schemas.microsoft.com/office/powerpoint/2010/main" val="518345709"/>
+      </p:ext>
+    </p:extLst>
+  </p:cSld>
+  <p:clrMapOvr>
+    <a:masterClrMapping/>
+  </p:clrMapOvr>
+</p:notes>
+</file>
+
+<file path=ppt/notesSlides/notesSlide8.xml><?xml version="1.0" encoding="utf-8"?>
+<p:notes xmlns:a="http://schemas.openxmlformats.org/drawingml/2006/main" xmlns:r="http://schemas.openxmlformats.org/officeDocument/2006/relationships" xmlns:p="http://schemas.openxmlformats.org/presentationml/2006/main">
+  <p:cSld>
+    <p:spTree>
+      <p:nvGrpSpPr>
+        <p:cNvPr id="1" name=""/>
+        <p:cNvGrpSpPr/>
+        <p:nvPr/>
+      </p:nvGrpSpPr>
+      <p:grpSpPr>
+        <a:xfrm>
+          <a:off x="0" y="0"/>
+          <a:ext cx="0" cy="0"/>
+          <a:chOff x="0" y="0"/>
+          <a:chExt cx="0" cy="0"/>
+        </a:xfrm>
+      </p:grpSpPr>
+      <p:sp>
+        <p:nvSpPr>
+          <p:cNvPr id="2" name="投影片影像版面配置區 1"/>
+          <p:cNvSpPr>
+            <a:spLocks noGrp="1" noRot="1" noChangeAspect="1"/>
+          </p:cNvSpPr>
+          <p:nvPr>
+            <p:ph type="sldImg"/>
+          </p:nvPr>
+        </p:nvSpPr>
+        <p:spPr/>
+      </p:sp>
+      <p:sp>
+        <p:nvSpPr>
+          <p:cNvPr id="3" name="備忘稿版面配置區 2"/>
+          <p:cNvSpPr>
+            <a:spLocks noGrp="1"/>
+          </p:cNvSpPr>
+          <p:nvPr>
+            <p:ph type="body" idx="1"/>
+          </p:nvPr>
+        </p:nvSpPr>
+        <p:spPr/>
+        <p:txBody>
+          <a:bodyPr/>
+          <a:lstStyle/>
+          <a:p>
+            <a:r>
+              <a:rPr lang="zh-TW" altLang="en-US" b="0" i="0" dirty="0">
+                <a:solidFill>
+                  <a:srgbClr val="111111"/>
+                </a:solidFill>
+                <a:effectLst/>
+                <a:latin typeface="-apple-system"/>
+              </a:rPr>
+              <a:t>短髮 然後上衣穿白色襯衫 手拿一個外套 褲子灰色牛仔褲 衣服要紮進去 日本動畫風格 人物大概</a:t>
+            </a:r>
+            <a:r>
+              <a:rPr lang="en-US" altLang="zh-TW" b="0" i="0" dirty="0">
+                <a:solidFill>
+                  <a:srgbClr val="111111"/>
+                </a:solidFill>
+                <a:effectLst/>
+                <a:latin typeface="-apple-system"/>
+              </a:rPr>
+              <a:t>20</a:t>
+            </a:r>
+            <a:r>
+              <a:rPr lang="zh-TW" altLang="en-US" b="0" i="0" dirty="0">
+                <a:solidFill>
+                  <a:srgbClr val="111111"/>
+                </a:solidFill>
+                <a:effectLst/>
+                <a:latin typeface="-apple-system"/>
+              </a:rPr>
+              <a:t>歲左右 身材壯碩</a:t>
+            </a:r>
+            <a:endParaRPr lang="zh-TW" altLang="en-US" dirty="0"/>
+          </a:p>
+        </p:txBody>
+      </p:sp>
+      <p:sp>
+        <p:nvSpPr>
+          <p:cNvPr id="4" name="投影片編號版面配置區 3"/>
+          <p:cNvSpPr>
+            <a:spLocks noGrp="1"/>
+          </p:cNvSpPr>
+          <p:nvPr>
+            <p:ph type="sldNum" sz="quarter" idx="5"/>
+          </p:nvPr>
+        </p:nvSpPr>
+        <p:spPr/>
+        <p:txBody>
+          <a:bodyPr/>
+          <a:lstStyle/>
+          <a:p>
+            <a:fld id="{97C8D66C-2F5F-47E1-BB9F-661526B0A827}" type="slidenum">
+              <a:rPr lang="zh-TW" altLang="en-US" smtClean="0"/>
+              <a:t>8</a:t>
+            </a:fld>
+            <a:endParaRPr lang="zh-TW" altLang="en-US"/>
+          </a:p>
+        </p:txBody>
+      </p:sp>
+    </p:spTree>
+    <p:extLst>
+      <p:ext uri="{BB962C8B-B14F-4D97-AF65-F5344CB8AC3E}">
+        <p14:creationId xmlns:p14="http://schemas.microsoft.com/office/powerpoint/2010/main" val="1628055625"/>
+      </p:ext>
+    </p:extLst>
+  </p:cSld>
+  <p:clrMapOvr>
+    <a:masterClrMapping/>
+  </p:clrMapOvr>
+</p:notes>
 </file>
 
 <file path=ppt/slideLayouts/slideLayout1.xml><?xml version="1.0" encoding="utf-8"?>
@@ -126,13 +1372,7 @@
       </p:grpSpPr>
       <p:sp>
         <p:nvSpPr>
-          <p:cNvPr id="2" name="標題 1">
-            <a:extLst>
-              <a:ext uri="{FF2B5EF4-FFF2-40B4-BE49-F238E27FC236}">
-                <a16:creationId xmlns:a16="http://schemas.microsoft.com/office/drawing/2014/main" id="{EB5CC918-B447-434E-B98E-5847BB49C259}"/>
-              </a:ext>
-            </a:extLst>
-          </p:cNvPr>
+          <p:cNvPr id="2" name="Title 1"/>
           <p:cNvSpPr>
             <a:spLocks noGrp="1"/>
           </p:cNvSpPr>
@@ -158,18 +1398,13 @@
               <a:rPr lang="zh-TW" altLang="en-US"/>
               <a:t>按一下以編輯母片標題樣式</a:t>
             </a:r>
-          </a:p>
-        </p:txBody>
-      </p:sp>
-      <p:sp>
-        <p:nvSpPr>
-          <p:cNvPr id="3" name="副標題 2">
-            <a:extLst>
-              <a:ext uri="{FF2B5EF4-FFF2-40B4-BE49-F238E27FC236}">
-                <a16:creationId xmlns:a16="http://schemas.microsoft.com/office/drawing/2014/main" id="{817FCC70-CC4E-4CB6-B2CF-9FDA5AC4D346}"/>
-              </a:ext>
-            </a:extLst>
-          </p:cNvPr>
+            <a:endParaRPr lang="en-US" dirty="0"/>
+          </a:p>
+        </p:txBody>
+      </p:sp>
+      <p:sp>
+        <p:nvSpPr>
+          <p:cNvPr id="3" name="Subtitle 2"/>
           <p:cNvSpPr>
             <a:spLocks noGrp="1"/>
           </p:cNvSpPr>
@@ -228,18 +1463,13 @@
               <a:rPr lang="zh-TW" altLang="en-US"/>
               <a:t>按一下以編輯母片子標題樣式</a:t>
             </a:r>
-          </a:p>
-        </p:txBody>
-      </p:sp>
-      <p:sp>
-        <p:nvSpPr>
-          <p:cNvPr id="4" name="日期版面配置區 3">
-            <a:extLst>
-              <a:ext uri="{FF2B5EF4-FFF2-40B4-BE49-F238E27FC236}">
-                <a16:creationId xmlns:a16="http://schemas.microsoft.com/office/drawing/2014/main" id="{BD08F018-0004-4322-AD0F-E6E740964233}"/>
-              </a:ext>
-            </a:extLst>
-          </p:cNvPr>
+            <a:endParaRPr lang="en-US" dirty="0"/>
+          </a:p>
+        </p:txBody>
+      </p:sp>
+      <p:sp>
+        <p:nvSpPr>
+          <p:cNvPr id="4" name="Date Placeholder 3"/>
           <p:cNvSpPr>
             <a:spLocks noGrp="1"/>
           </p:cNvSpPr>
@@ -252,9 +1482,9 @@
           <a:bodyPr/>
           <a:lstStyle/>
           <a:p>
-            <a:fld id="{C3C90D7E-32D6-4894-AE08-7BBB3E610FC9}" type="datetimeFigureOut">
+            <a:fld id="{7F259119-2509-4684-92B3-6DD0996DF213}" type="datetimeFigureOut">
               <a:rPr lang="zh-TW" altLang="en-US" smtClean="0"/>
-              <a:t>2024/9/16</a:t>
+              <a:t>2024/10/23</a:t>
             </a:fld>
             <a:endParaRPr lang="zh-TW" altLang="en-US"/>
           </a:p>
@@ -262,13 +1492,7 @@
       </p:sp>
       <p:sp>
         <p:nvSpPr>
-          <p:cNvPr id="5" name="頁尾版面配置區 4">
-            <a:extLst>
-              <a:ext uri="{FF2B5EF4-FFF2-40B4-BE49-F238E27FC236}">
-                <a16:creationId xmlns:a16="http://schemas.microsoft.com/office/drawing/2014/main" id="{30427B34-CB13-41C7-B2F2-CED9BDC5B595}"/>
-              </a:ext>
-            </a:extLst>
-          </p:cNvPr>
+          <p:cNvPr id="5" name="Footer Placeholder 4"/>
           <p:cNvSpPr>
             <a:spLocks noGrp="1"/>
           </p:cNvSpPr>
@@ -287,13 +1511,7 @@
       </p:sp>
       <p:sp>
         <p:nvSpPr>
-          <p:cNvPr id="6" name="投影片編號版面配置區 5">
-            <a:extLst>
-              <a:ext uri="{FF2B5EF4-FFF2-40B4-BE49-F238E27FC236}">
-                <a16:creationId xmlns:a16="http://schemas.microsoft.com/office/drawing/2014/main" id="{76FA962E-5B03-439A-928C-87366876542D}"/>
-              </a:ext>
-            </a:extLst>
-          </p:cNvPr>
+          <p:cNvPr id="6" name="Slide Number Placeholder 5"/>
           <p:cNvSpPr>
             <a:spLocks noGrp="1"/>
           </p:cNvSpPr>
@@ -306,7 +1524,7 @@
           <a:bodyPr/>
           <a:lstStyle/>
           <a:p>
-            <a:fld id="{E31EC408-072F-4346-BD0A-D6AA5788A305}" type="slidenum">
+            <a:fld id="{B1D9542A-5483-441E-9155-8CEDB4DFAC2B}" type="slidenum">
               <a:rPr lang="zh-TW" altLang="en-US" smtClean="0"/>
               <a:t>‹#›</a:t>
             </a:fld>
@@ -317,7 +1535,7 @@
     </p:spTree>
     <p:extLst>
       <p:ext uri="{BB962C8B-B14F-4D97-AF65-F5344CB8AC3E}">
-        <p14:creationId xmlns:p14="http://schemas.microsoft.com/office/powerpoint/2010/main" val="2963035110"/>
+        <p14:creationId xmlns:p14="http://schemas.microsoft.com/office/powerpoint/2010/main" val="2890790625"/>
       </p:ext>
     </p:extLst>
   </p:cSld>
@@ -346,13 +1564,7 @@
       </p:grpSpPr>
       <p:sp>
         <p:nvSpPr>
-          <p:cNvPr id="2" name="標題 1">
-            <a:extLst>
-              <a:ext uri="{FF2B5EF4-FFF2-40B4-BE49-F238E27FC236}">
-                <a16:creationId xmlns:a16="http://schemas.microsoft.com/office/drawing/2014/main" id="{A02F0018-7F8E-4206-A929-07CDC6B5F34A}"/>
-              </a:ext>
-            </a:extLst>
-          </p:cNvPr>
+          <p:cNvPr id="2" name="Title 1"/>
           <p:cNvSpPr>
             <a:spLocks noGrp="1"/>
           </p:cNvSpPr>
@@ -369,18 +1581,13 @@
               <a:rPr lang="zh-TW" altLang="en-US"/>
               <a:t>按一下以編輯母片標題樣式</a:t>
             </a:r>
-          </a:p>
-        </p:txBody>
-      </p:sp>
-      <p:sp>
-        <p:nvSpPr>
-          <p:cNvPr id="3" name="直排文字版面配置區 2">
-            <a:extLst>
-              <a:ext uri="{FF2B5EF4-FFF2-40B4-BE49-F238E27FC236}">
-                <a16:creationId xmlns:a16="http://schemas.microsoft.com/office/drawing/2014/main" id="{9B801E88-34C3-4545-A358-81F5614FED64}"/>
-              </a:ext>
-            </a:extLst>
-          </p:cNvPr>
+            <a:endParaRPr lang="en-US" dirty="0"/>
+          </a:p>
+        </p:txBody>
+      </p:sp>
+      <p:sp>
+        <p:nvSpPr>
+          <p:cNvPr id="3" name="Vertical Text Placeholder 2"/>
           <p:cNvSpPr>
             <a:spLocks noGrp="1"/>
           </p:cNvSpPr>
@@ -426,18 +1633,13 @@
               <a:rPr lang="zh-TW" altLang="en-US"/>
               <a:t>第五層</a:t>
             </a:r>
-          </a:p>
-        </p:txBody>
-      </p:sp>
-      <p:sp>
-        <p:nvSpPr>
-          <p:cNvPr id="4" name="日期版面配置區 3">
-            <a:extLst>
-              <a:ext uri="{FF2B5EF4-FFF2-40B4-BE49-F238E27FC236}">
-                <a16:creationId xmlns:a16="http://schemas.microsoft.com/office/drawing/2014/main" id="{60AFD716-8B99-4230-B55F-C8B88ECBB171}"/>
-              </a:ext>
-            </a:extLst>
-          </p:cNvPr>
+            <a:endParaRPr lang="en-US" dirty="0"/>
+          </a:p>
+        </p:txBody>
+      </p:sp>
+      <p:sp>
+        <p:nvSpPr>
+          <p:cNvPr id="4" name="Date Placeholder 3"/>
           <p:cNvSpPr>
             <a:spLocks noGrp="1"/>
           </p:cNvSpPr>
@@ -450,9 +1652,9 @@
           <a:bodyPr/>
           <a:lstStyle/>
           <a:p>
-            <a:fld id="{C3C90D7E-32D6-4894-AE08-7BBB3E610FC9}" type="datetimeFigureOut">
+            <a:fld id="{7F259119-2509-4684-92B3-6DD0996DF213}" type="datetimeFigureOut">
               <a:rPr lang="zh-TW" altLang="en-US" smtClean="0"/>
-              <a:t>2024/9/16</a:t>
+              <a:t>2024/10/23</a:t>
             </a:fld>
             <a:endParaRPr lang="zh-TW" altLang="en-US"/>
           </a:p>
@@ -460,13 +1662,7 @@
       </p:sp>
       <p:sp>
         <p:nvSpPr>
-          <p:cNvPr id="5" name="頁尾版面配置區 4">
-            <a:extLst>
-              <a:ext uri="{FF2B5EF4-FFF2-40B4-BE49-F238E27FC236}">
-                <a16:creationId xmlns:a16="http://schemas.microsoft.com/office/drawing/2014/main" id="{EA374743-76D9-4BF8-A60C-2F50B2636A8A}"/>
-              </a:ext>
-            </a:extLst>
-          </p:cNvPr>
+          <p:cNvPr id="5" name="Footer Placeholder 4"/>
           <p:cNvSpPr>
             <a:spLocks noGrp="1"/>
           </p:cNvSpPr>
@@ -485,13 +1681,7 @@
       </p:sp>
       <p:sp>
         <p:nvSpPr>
-          <p:cNvPr id="6" name="投影片編號版面配置區 5">
-            <a:extLst>
-              <a:ext uri="{FF2B5EF4-FFF2-40B4-BE49-F238E27FC236}">
-                <a16:creationId xmlns:a16="http://schemas.microsoft.com/office/drawing/2014/main" id="{00454594-6C11-4013-A666-A151E960EC9B}"/>
-              </a:ext>
-            </a:extLst>
-          </p:cNvPr>
+          <p:cNvPr id="6" name="Slide Number Placeholder 5"/>
           <p:cNvSpPr>
             <a:spLocks noGrp="1"/>
           </p:cNvSpPr>
@@ -504,7 +1694,7 @@
           <a:bodyPr/>
           <a:lstStyle/>
           <a:p>
-            <a:fld id="{E31EC408-072F-4346-BD0A-D6AA5788A305}" type="slidenum">
+            <a:fld id="{B1D9542A-5483-441E-9155-8CEDB4DFAC2B}" type="slidenum">
               <a:rPr lang="zh-TW" altLang="en-US" smtClean="0"/>
               <a:t>‹#›</a:t>
             </a:fld>
@@ -515,7 +1705,7 @@
     </p:spTree>
     <p:extLst>
       <p:ext uri="{BB962C8B-B14F-4D97-AF65-F5344CB8AC3E}">
-        <p14:creationId xmlns:p14="http://schemas.microsoft.com/office/powerpoint/2010/main" val="188953001"/>
+        <p14:creationId xmlns:p14="http://schemas.microsoft.com/office/powerpoint/2010/main" val="509576114"/>
       </p:ext>
     </p:extLst>
   </p:cSld>
@@ -544,13 +1734,7 @@
       </p:grpSpPr>
       <p:sp>
         <p:nvSpPr>
-          <p:cNvPr id="2" name="直排標題 1">
-            <a:extLst>
-              <a:ext uri="{FF2B5EF4-FFF2-40B4-BE49-F238E27FC236}">
-                <a16:creationId xmlns:a16="http://schemas.microsoft.com/office/drawing/2014/main" id="{70F760AC-E708-4605-85E2-7D0F424B3E29}"/>
-              </a:ext>
-            </a:extLst>
-          </p:cNvPr>
+          <p:cNvPr id="2" name="Vertical Title 1"/>
           <p:cNvSpPr>
             <a:spLocks noGrp="1"/>
           </p:cNvSpPr>
@@ -572,18 +1756,13 @@
               <a:rPr lang="zh-TW" altLang="en-US"/>
               <a:t>按一下以編輯母片標題樣式</a:t>
             </a:r>
-          </a:p>
-        </p:txBody>
-      </p:sp>
-      <p:sp>
-        <p:nvSpPr>
-          <p:cNvPr id="3" name="直排文字版面配置區 2">
-            <a:extLst>
-              <a:ext uri="{FF2B5EF4-FFF2-40B4-BE49-F238E27FC236}">
-                <a16:creationId xmlns:a16="http://schemas.microsoft.com/office/drawing/2014/main" id="{84BECF48-F3B6-4D47-82A8-C6AE92EDC2F0}"/>
-              </a:ext>
-            </a:extLst>
-          </p:cNvPr>
+            <a:endParaRPr lang="en-US" dirty="0"/>
+          </a:p>
+        </p:txBody>
+      </p:sp>
+      <p:sp>
+        <p:nvSpPr>
+          <p:cNvPr id="3" name="Vertical Text Placeholder 2"/>
           <p:cNvSpPr>
             <a:spLocks noGrp="1"/>
           </p:cNvSpPr>
@@ -634,18 +1813,13 @@
               <a:rPr lang="zh-TW" altLang="en-US"/>
               <a:t>第五層</a:t>
             </a:r>
-          </a:p>
-        </p:txBody>
-      </p:sp>
-      <p:sp>
-        <p:nvSpPr>
-          <p:cNvPr id="4" name="日期版面配置區 3">
-            <a:extLst>
-              <a:ext uri="{FF2B5EF4-FFF2-40B4-BE49-F238E27FC236}">
-                <a16:creationId xmlns:a16="http://schemas.microsoft.com/office/drawing/2014/main" id="{215DE52A-093E-4116-A2FE-F61BA999B89F}"/>
-              </a:ext>
-            </a:extLst>
-          </p:cNvPr>
+            <a:endParaRPr lang="en-US" dirty="0"/>
+          </a:p>
+        </p:txBody>
+      </p:sp>
+      <p:sp>
+        <p:nvSpPr>
+          <p:cNvPr id="4" name="Date Placeholder 3"/>
           <p:cNvSpPr>
             <a:spLocks noGrp="1"/>
           </p:cNvSpPr>
@@ -658,9 +1832,9 @@
           <a:bodyPr/>
           <a:lstStyle/>
           <a:p>
-            <a:fld id="{C3C90D7E-32D6-4894-AE08-7BBB3E610FC9}" type="datetimeFigureOut">
+            <a:fld id="{7F259119-2509-4684-92B3-6DD0996DF213}" type="datetimeFigureOut">
               <a:rPr lang="zh-TW" altLang="en-US" smtClean="0"/>
-              <a:t>2024/9/16</a:t>
+              <a:t>2024/10/23</a:t>
             </a:fld>
             <a:endParaRPr lang="zh-TW" altLang="en-US"/>
           </a:p>
@@ -668,13 +1842,7 @@
       </p:sp>
       <p:sp>
         <p:nvSpPr>
-          <p:cNvPr id="5" name="頁尾版面配置區 4">
-            <a:extLst>
-              <a:ext uri="{FF2B5EF4-FFF2-40B4-BE49-F238E27FC236}">
-                <a16:creationId xmlns:a16="http://schemas.microsoft.com/office/drawing/2014/main" id="{34553FE1-A5D9-4070-AA9C-378F491D4677}"/>
-              </a:ext>
-            </a:extLst>
-          </p:cNvPr>
+          <p:cNvPr id="5" name="Footer Placeholder 4"/>
           <p:cNvSpPr>
             <a:spLocks noGrp="1"/>
           </p:cNvSpPr>
@@ -693,13 +1861,7 @@
       </p:sp>
       <p:sp>
         <p:nvSpPr>
-          <p:cNvPr id="6" name="投影片編號版面配置區 5">
-            <a:extLst>
-              <a:ext uri="{FF2B5EF4-FFF2-40B4-BE49-F238E27FC236}">
-                <a16:creationId xmlns:a16="http://schemas.microsoft.com/office/drawing/2014/main" id="{928EFDDC-5B11-4543-8144-518625EDA57F}"/>
-              </a:ext>
-            </a:extLst>
-          </p:cNvPr>
+          <p:cNvPr id="6" name="Slide Number Placeholder 5"/>
           <p:cNvSpPr>
             <a:spLocks noGrp="1"/>
           </p:cNvSpPr>
@@ -712,7 +1874,7 @@
           <a:bodyPr/>
           <a:lstStyle/>
           <a:p>
-            <a:fld id="{E31EC408-072F-4346-BD0A-D6AA5788A305}" type="slidenum">
+            <a:fld id="{B1D9542A-5483-441E-9155-8CEDB4DFAC2B}" type="slidenum">
               <a:rPr lang="zh-TW" altLang="en-US" smtClean="0"/>
               <a:t>‹#›</a:t>
             </a:fld>
@@ -723,7 +1885,7 @@
     </p:spTree>
     <p:extLst>
       <p:ext uri="{BB962C8B-B14F-4D97-AF65-F5344CB8AC3E}">
-        <p14:creationId xmlns:p14="http://schemas.microsoft.com/office/powerpoint/2010/main" val="2483123943"/>
+        <p14:creationId xmlns:p14="http://schemas.microsoft.com/office/powerpoint/2010/main" val="1921919766"/>
       </p:ext>
     </p:extLst>
   </p:cSld>
@@ -752,13 +1914,7 @@
       </p:grpSpPr>
       <p:sp>
         <p:nvSpPr>
-          <p:cNvPr id="2" name="標題 1">
-            <a:extLst>
-              <a:ext uri="{FF2B5EF4-FFF2-40B4-BE49-F238E27FC236}">
-                <a16:creationId xmlns:a16="http://schemas.microsoft.com/office/drawing/2014/main" id="{A1BFCF4C-FB58-444C-B754-A594851E4C7B}"/>
-              </a:ext>
-            </a:extLst>
-          </p:cNvPr>
+          <p:cNvPr id="2" name="Title 1"/>
           <p:cNvSpPr>
             <a:spLocks noGrp="1"/>
           </p:cNvSpPr>
@@ -775,18 +1931,13 @@
               <a:rPr lang="zh-TW" altLang="en-US"/>
               <a:t>按一下以編輯母片標題樣式</a:t>
             </a:r>
-          </a:p>
-        </p:txBody>
-      </p:sp>
-      <p:sp>
-        <p:nvSpPr>
-          <p:cNvPr id="3" name="內容版面配置區 2">
-            <a:extLst>
-              <a:ext uri="{FF2B5EF4-FFF2-40B4-BE49-F238E27FC236}">
-                <a16:creationId xmlns:a16="http://schemas.microsoft.com/office/drawing/2014/main" id="{987C475D-648F-4511-A6FE-04B04F755F93}"/>
-              </a:ext>
-            </a:extLst>
-          </p:cNvPr>
+            <a:endParaRPr lang="en-US" dirty="0"/>
+          </a:p>
+        </p:txBody>
+      </p:sp>
+      <p:sp>
+        <p:nvSpPr>
+          <p:cNvPr id="3" name="Content Placeholder 2"/>
           <p:cNvSpPr>
             <a:spLocks noGrp="1"/>
           </p:cNvSpPr>
@@ -832,18 +1983,13 @@
               <a:rPr lang="zh-TW" altLang="en-US"/>
               <a:t>第五層</a:t>
             </a:r>
-          </a:p>
-        </p:txBody>
-      </p:sp>
-      <p:sp>
-        <p:nvSpPr>
-          <p:cNvPr id="4" name="日期版面配置區 3">
-            <a:extLst>
-              <a:ext uri="{FF2B5EF4-FFF2-40B4-BE49-F238E27FC236}">
-                <a16:creationId xmlns:a16="http://schemas.microsoft.com/office/drawing/2014/main" id="{F511FCF8-D8F7-4914-920F-D63F2D97F713}"/>
-              </a:ext>
-            </a:extLst>
-          </p:cNvPr>
+            <a:endParaRPr lang="en-US" dirty="0"/>
+          </a:p>
+        </p:txBody>
+      </p:sp>
+      <p:sp>
+        <p:nvSpPr>
+          <p:cNvPr id="4" name="Date Placeholder 3"/>
           <p:cNvSpPr>
             <a:spLocks noGrp="1"/>
           </p:cNvSpPr>
@@ -856,9 +2002,9 @@
           <a:bodyPr/>
           <a:lstStyle/>
           <a:p>
-            <a:fld id="{C3C90D7E-32D6-4894-AE08-7BBB3E610FC9}" type="datetimeFigureOut">
+            <a:fld id="{7F259119-2509-4684-92B3-6DD0996DF213}" type="datetimeFigureOut">
               <a:rPr lang="zh-TW" altLang="en-US" smtClean="0"/>
-              <a:t>2024/9/16</a:t>
+              <a:t>2024/10/23</a:t>
             </a:fld>
             <a:endParaRPr lang="zh-TW" altLang="en-US"/>
           </a:p>
@@ -866,13 +2012,7 @@
       </p:sp>
       <p:sp>
         <p:nvSpPr>
-          <p:cNvPr id="5" name="頁尾版面配置區 4">
-            <a:extLst>
-              <a:ext uri="{FF2B5EF4-FFF2-40B4-BE49-F238E27FC236}">
-                <a16:creationId xmlns:a16="http://schemas.microsoft.com/office/drawing/2014/main" id="{7E1D3E8F-338D-4B4D-B411-5282866FF95D}"/>
-              </a:ext>
-            </a:extLst>
-          </p:cNvPr>
+          <p:cNvPr id="5" name="Footer Placeholder 4"/>
           <p:cNvSpPr>
             <a:spLocks noGrp="1"/>
           </p:cNvSpPr>
@@ -891,13 +2031,7 @@
       </p:sp>
       <p:sp>
         <p:nvSpPr>
-          <p:cNvPr id="6" name="投影片編號版面配置區 5">
-            <a:extLst>
-              <a:ext uri="{FF2B5EF4-FFF2-40B4-BE49-F238E27FC236}">
-                <a16:creationId xmlns:a16="http://schemas.microsoft.com/office/drawing/2014/main" id="{F7DF3AD5-06B6-42D8-AEDF-66CCE6582524}"/>
-              </a:ext>
-            </a:extLst>
-          </p:cNvPr>
+          <p:cNvPr id="6" name="Slide Number Placeholder 5"/>
           <p:cNvSpPr>
             <a:spLocks noGrp="1"/>
           </p:cNvSpPr>
@@ -910,7 +2044,7 @@
           <a:bodyPr/>
           <a:lstStyle/>
           <a:p>
-            <a:fld id="{E31EC408-072F-4346-BD0A-D6AA5788A305}" type="slidenum">
+            <a:fld id="{B1D9542A-5483-441E-9155-8CEDB4DFAC2B}" type="slidenum">
               <a:rPr lang="zh-TW" altLang="en-US" smtClean="0"/>
               <a:t>‹#›</a:t>
             </a:fld>
@@ -921,7 +2055,7 @@
     </p:spTree>
     <p:extLst>
       <p:ext uri="{BB962C8B-B14F-4D97-AF65-F5344CB8AC3E}">
-        <p14:creationId xmlns:p14="http://schemas.microsoft.com/office/powerpoint/2010/main" val="4198509733"/>
+        <p14:creationId xmlns:p14="http://schemas.microsoft.com/office/powerpoint/2010/main" val="1591246196"/>
       </p:ext>
     </p:extLst>
   </p:cSld>
@@ -950,13 +2084,7 @@
       </p:grpSpPr>
       <p:sp>
         <p:nvSpPr>
-          <p:cNvPr id="2" name="標題 1">
-            <a:extLst>
-              <a:ext uri="{FF2B5EF4-FFF2-40B4-BE49-F238E27FC236}">
-                <a16:creationId xmlns:a16="http://schemas.microsoft.com/office/drawing/2014/main" id="{5986B870-2B24-4658-9AEB-3C92E8E40B41}"/>
-              </a:ext>
-            </a:extLst>
-          </p:cNvPr>
+          <p:cNvPr id="2" name="Title 1"/>
           <p:cNvSpPr>
             <a:spLocks noGrp="1"/>
           </p:cNvSpPr>
@@ -982,18 +2110,13 @@
               <a:rPr lang="zh-TW" altLang="en-US"/>
               <a:t>按一下以編輯母片標題樣式</a:t>
             </a:r>
-          </a:p>
-        </p:txBody>
-      </p:sp>
-      <p:sp>
-        <p:nvSpPr>
-          <p:cNvPr id="3" name="文字版面配置區 2">
-            <a:extLst>
-              <a:ext uri="{FF2B5EF4-FFF2-40B4-BE49-F238E27FC236}">
-                <a16:creationId xmlns:a16="http://schemas.microsoft.com/office/drawing/2014/main" id="{90235018-E757-4630-8511-F466B919268F}"/>
-              </a:ext>
-            </a:extLst>
-          </p:cNvPr>
+            <a:endParaRPr lang="en-US" dirty="0"/>
+          </a:p>
+        </p:txBody>
+      </p:sp>
+      <p:sp>
+        <p:nvSpPr>
+          <p:cNvPr id="3" name="Text Placeholder 2"/>
           <p:cNvSpPr>
             <a:spLocks noGrp="1"/>
           </p:cNvSpPr>
@@ -1112,13 +2235,7 @@
       </p:sp>
       <p:sp>
         <p:nvSpPr>
-          <p:cNvPr id="4" name="日期版面配置區 3">
-            <a:extLst>
-              <a:ext uri="{FF2B5EF4-FFF2-40B4-BE49-F238E27FC236}">
-                <a16:creationId xmlns:a16="http://schemas.microsoft.com/office/drawing/2014/main" id="{37546C76-CF19-433D-9070-0A54A149F1B2}"/>
-              </a:ext>
-            </a:extLst>
-          </p:cNvPr>
+          <p:cNvPr id="4" name="Date Placeholder 3"/>
           <p:cNvSpPr>
             <a:spLocks noGrp="1"/>
           </p:cNvSpPr>
@@ -1131,9 +2248,9 @@
           <a:bodyPr/>
           <a:lstStyle/>
           <a:p>
-            <a:fld id="{C3C90D7E-32D6-4894-AE08-7BBB3E610FC9}" type="datetimeFigureOut">
+            <a:fld id="{7F259119-2509-4684-92B3-6DD0996DF213}" type="datetimeFigureOut">
               <a:rPr lang="zh-TW" altLang="en-US" smtClean="0"/>
-              <a:t>2024/9/16</a:t>
+              <a:t>2024/10/23</a:t>
             </a:fld>
             <a:endParaRPr lang="zh-TW" altLang="en-US"/>
           </a:p>
@@ -1141,13 +2258,7 @@
       </p:sp>
       <p:sp>
         <p:nvSpPr>
-          <p:cNvPr id="5" name="頁尾版面配置區 4">
-            <a:extLst>
-              <a:ext uri="{FF2B5EF4-FFF2-40B4-BE49-F238E27FC236}">
-                <a16:creationId xmlns:a16="http://schemas.microsoft.com/office/drawing/2014/main" id="{9C9DC25F-827C-4564-AD0E-7FD815D53AF7}"/>
-              </a:ext>
-            </a:extLst>
-          </p:cNvPr>
+          <p:cNvPr id="5" name="Footer Placeholder 4"/>
           <p:cNvSpPr>
             <a:spLocks noGrp="1"/>
           </p:cNvSpPr>
@@ -1166,13 +2277,7 @@
       </p:sp>
       <p:sp>
         <p:nvSpPr>
-          <p:cNvPr id="6" name="投影片編號版面配置區 5">
-            <a:extLst>
-              <a:ext uri="{FF2B5EF4-FFF2-40B4-BE49-F238E27FC236}">
-                <a16:creationId xmlns:a16="http://schemas.microsoft.com/office/drawing/2014/main" id="{8C0653A6-68AA-4213-8D62-EAF9243D6998}"/>
-              </a:ext>
-            </a:extLst>
-          </p:cNvPr>
+          <p:cNvPr id="6" name="Slide Number Placeholder 5"/>
           <p:cNvSpPr>
             <a:spLocks noGrp="1"/>
           </p:cNvSpPr>
@@ -1185,7 +2290,7 @@
           <a:bodyPr/>
           <a:lstStyle/>
           <a:p>
-            <a:fld id="{E31EC408-072F-4346-BD0A-D6AA5788A305}" type="slidenum">
+            <a:fld id="{B1D9542A-5483-441E-9155-8CEDB4DFAC2B}" type="slidenum">
               <a:rPr lang="zh-TW" altLang="en-US" smtClean="0"/>
               <a:t>‹#›</a:t>
             </a:fld>
@@ -1196,7 +2301,7 @@
     </p:spTree>
     <p:extLst>
       <p:ext uri="{BB962C8B-B14F-4D97-AF65-F5344CB8AC3E}">
-        <p14:creationId xmlns:p14="http://schemas.microsoft.com/office/powerpoint/2010/main" val="3126775509"/>
+        <p14:creationId xmlns:p14="http://schemas.microsoft.com/office/powerpoint/2010/main" val="3404598842"/>
       </p:ext>
     </p:extLst>
   </p:cSld>
@@ -1225,13 +2330,7 @@
       </p:grpSpPr>
       <p:sp>
         <p:nvSpPr>
-          <p:cNvPr id="2" name="標題 1">
-            <a:extLst>
-              <a:ext uri="{FF2B5EF4-FFF2-40B4-BE49-F238E27FC236}">
-                <a16:creationId xmlns:a16="http://schemas.microsoft.com/office/drawing/2014/main" id="{F8A74D77-9E6E-4FD1-97AD-0ADC1228B6AF}"/>
-              </a:ext>
-            </a:extLst>
-          </p:cNvPr>
+          <p:cNvPr id="2" name="Title 1"/>
           <p:cNvSpPr>
             <a:spLocks noGrp="1"/>
           </p:cNvSpPr>
@@ -1248,18 +2347,13 @@
               <a:rPr lang="zh-TW" altLang="en-US"/>
               <a:t>按一下以編輯母片標題樣式</a:t>
             </a:r>
-          </a:p>
-        </p:txBody>
-      </p:sp>
-      <p:sp>
-        <p:nvSpPr>
-          <p:cNvPr id="3" name="內容版面配置區 2">
-            <a:extLst>
-              <a:ext uri="{FF2B5EF4-FFF2-40B4-BE49-F238E27FC236}">
-                <a16:creationId xmlns:a16="http://schemas.microsoft.com/office/drawing/2014/main" id="{9FDE4E9B-689C-4373-B281-9636BE211982}"/>
-              </a:ext>
-            </a:extLst>
-          </p:cNvPr>
+            <a:endParaRPr lang="en-US" dirty="0"/>
+          </a:p>
+        </p:txBody>
+      </p:sp>
+      <p:sp>
+        <p:nvSpPr>
+          <p:cNvPr id="3" name="Content Placeholder 2"/>
           <p:cNvSpPr>
             <a:spLocks noGrp="1"/>
           </p:cNvSpPr>
@@ -1310,18 +2404,13 @@
               <a:rPr lang="zh-TW" altLang="en-US"/>
               <a:t>第五層</a:t>
             </a:r>
-          </a:p>
-        </p:txBody>
-      </p:sp>
-      <p:sp>
-        <p:nvSpPr>
-          <p:cNvPr id="4" name="內容版面配置區 3">
-            <a:extLst>
-              <a:ext uri="{FF2B5EF4-FFF2-40B4-BE49-F238E27FC236}">
-                <a16:creationId xmlns:a16="http://schemas.microsoft.com/office/drawing/2014/main" id="{CD25EC10-0BDA-4ECA-AB8E-059AC3378E22}"/>
-              </a:ext>
-            </a:extLst>
-          </p:cNvPr>
+            <a:endParaRPr lang="en-US" dirty="0"/>
+          </a:p>
+        </p:txBody>
+      </p:sp>
+      <p:sp>
+        <p:nvSpPr>
+          <p:cNvPr id="4" name="Content Placeholder 3"/>
           <p:cNvSpPr>
             <a:spLocks noGrp="1"/>
           </p:cNvSpPr>
@@ -1372,18 +2461,13 @@
               <a:rPr lang="zh-TW" altLang="en-US"/>
               <a:t>第五層</a:t>
             </a:r>
-          </a:p>
-        </p:txBody>
-      </p:sp>
-      <p:sp>
-        <p:nvSpPr>
-          <p:cNvPr id="5" name="日期版面配置區 4">
-            <a:extLst>
-              <a:ext uri="{FF2B5EF4-FFF2-40B4-BE49-F238E27FC236}">
-                <a16:creationId xmlns:a16="http://schemas.microsoft.com/office/drawing/2014/main" id="{63DAF127-0983-4C38-869C-C0A513FA9147}"/>
-              </a:ext>
-            </a:extLst>
-          </p:cNvPr>
+            <a:endParaRPr lang="en-US" dirty="0"/>
+          </a:p>
+        </p:txBody>
+      </p:sp>
+      <p:sp>
+        <p:nvSpPr>
+          <p:cNvPr id="5" name="Date Placeholder 4"/>
           <p:cNvSpPr>
             <a:spLocks noGrp="1"/>
           </p:cNvSpPr>
@@ -1396,9 +2480,9 @@
           <a:bodyPr/>
           <a:lstStyle/>
           <a:p>
-            <a:fld id="{C3C90D7E-32D6-4894-AE08-7BBB3E610FC9}" type="datetimeFigureOut">
+            <a:fld id="{7F259119-2509-4684-92B3-6DD0996DF213}" type="datetimeFigureOut">
               <a:rPr lang="zh-TW" altLang="en-US" smtClean="0"/>
-              <a:t>2024/9/16</a:t>
+              <a:t>2024/10/23</a:t>
             </a:fld>
             <a:endParaRPr lang="zh-TW" altLang="en-US"/>
           </a:p>
@@ -1406,13 +2490,7 @@
       </p:sp>
       <p:sp>
         <p:nvSpPr>
-          <p:cNvPr id="6" name="頁尾版面配置區 5">
-            <a:extLst>
-              <a:ext uri="{FF2B5EF4-FFF2-40B4-BE49-F238E27FC236}">
-                <a16:creationId xmlns:a16="http://schemas.microsoft.com/office/drawing/2014/main" id="{E014CBA6-CCE3-4CF4-8E13-D895EDBD8F25}"/>
-              </a:ext>
-            </a:extLst>
-          </p:cNvPr>
+          <p:cNvPr id="6" name="Footer Placeholder 5"/>
           <p:cNvSpPr>
             <a:spLocks noGrp="1"/>
           </p:cNvSpPr>
@@ -1431,13 +2509,7 @@
       </p:sp>
       <p:sp>
         <p:nvSpPr>
-          <p:cNvPr id="7" name="投影片編號版面配置區 6">
-            <a:extLst>
-              <a:ext uri="{FF2B5EF4-FFF2-40B4-BE49-F238E27FC236}">
-                <a16:creationId xmlns:a16="http://schemas.microsoft.com/office/drawing/2014/main" id="{5CEAA8E5-79B3-445E-B8C3-29BD56CE6D7A}"/>
-              </a:ext>
-            </a:extLst>
-          </p:cNvPr>
+          <p:cNvPr id="7" name="Slide Number Placeholder 6"/>
           <p:cNvSpPr>
             <a:spLocks noGrp="1"/>
           </p:cNvSpPr>
@@ -1450,7 +2522,7 @@
           <a:bodyPr/>
           <a:lstStyle/>
           <a:p>
-            <a:fld id="{E31EC408-072F-4346-BD0A-D6AA5788A305}" type="slidenum">
+            <a:fld id="{B1D9542A-5483-441E-9155-8CEDB4DFAC2B}" type="slidenum">
               <a:rPr lang="zh-TW" altLang="en-US" smtClean="0"/>
               <a:t>‹#›</a:t>
             </a:fld>
@@ -1461,7 +2533,7 @@
     </p:spTree>
     <p:extLst>
       <p:ext uri="{BB962C8B-B14F-4D97-AF65-F5344CB8AC3E}">
-        <p14:creationId xmlns:p14="http://schemas.microsoft.com/office/powerpoint/2010/main" val="3858213488"/>
+        <p14:creationId xmlns:p14="http://schemas.microsoft.com/office/powerpoint/2010/main" val="3922759391"/>
       </p:ext>
     </p:extLst>
   </p:cSld>
@@ -1490,13 +2562,7 @@
       </p:grpSpPr>
       <p:sp>
         <p:nvSpPr>
-          <p:cNvPr id="2" name="標題 1">
-            <a:extLst>
-              <a:ext uri="{FF2B5EF4-FFF2-40B4-BE49-F238E27FC236}">
-                <a16:creationId xmlns:a16="http://schemas.microsoft.com/office/drawing/2014/main" id="{A00F76B6-8DEC-4A74-A06A-BA0146321CD8}"/>
-              </a:ext>
-            </a:extLst>
-          </p:cNvPr>
+          <p:cNvPr id="2" name="Title 1"/>
           <p:cNvSpPr>
             <a:spLocks noGrp="1"/>
           </p:cNvSpPr>
@@ -1518,18 +2584,13 @@
               <a:rPr lang="zh-TW" altLang="en-US"/>
               <a:t>按一下以編輯母片標題樣式</a:t>
             </a:r>
-          </a:p>
-        </p:txBody>
-      </p:sp>
-      <p:sp>
-        <p:nvSpPr>
-          <p:cNvPr id="3" name="文字版面配置區 2">
-            <a:extLst>
-              <a:ext uri="{FF2B5EF4-FFF2-40B4-BE49-F238E27FC236}">
-                <a16:creationId xmlns:a16="http://schemas.microsoft.com/office/drawing/2014/main" id="{EF00F5C5-99A7-4F16-855A-F170362659F7}"/>
-              </a:ext>
-            </a:extLst>
-          </p:cNvPr>
+            <a:endParaRPr lang="en-US" dirty="0"/>
+          </a:p>
+        </p:txBody>
+      </p:sp>
+      <p:sp>
+        <p:nvSpPr>
+          <p:cNvPr id="3" name="Text Placeholder 2"/>
           <p:cNvSpPr>
             <a:spLocks noGrp="1"/>
           </p:cNvSpPr>
@@ -1594,13 +2655,7 @@
       </p:sp>
       <p:sp>
         <p:nvSpPr>
-          <p:cNvPr id="4" name="內容版面配置區 3">
-            <a:extLst>
-              <a:ext uri="{FF2B5EF4-FFF2-40B4-BE49-F238E27FC236}">
-                <a16:creationId xmlns:a16="http://schemas.microsoft.com/office/drawing/2014/main" id="{6722BEB2-C9B4-4C14-8234-D17E84349984}"/>
-              </a:ext>
-            </a:extLst>
-          </p:cNvPr>
+          <p:cNvPr id="4" name="Content Placeholder 3"/>
           <p:cNvSpPr>
             <a:spLocks noGrp="1"/>
           </p:cNvSpPr>
@@ -1651,18 +2706,13 @@
               <a:rPr lang="zh-TW" altLang="en-US"/>
               <a:t>第五層</a:t>
             </a:r>
-          </a:p>
-        </p:txBody>
-      </p:sp>
-      <p:sp>
-        <p:nvSpPr>
-          <p:cNvPr id="5" name="文字版面配置區 4">
-            <a:extLst>
-              <a:ext uri="{FF2B5EF4-FFF2-40B4-BE49-F238E27FC236}">
-                <a16:creationId xmlns:a16="http://schemas.microsoft.com/office/drawing/2014/main" id="{E4A41162-A0AC-4211-940F-4B92208F9B0E}"/>
-              </a:ext>
-            </a:extLst>
-          </p:cNvPr>
+            <a:endParaRPr lang="en-US" dirty="0"/>
+          </a:p>
+        </p:txBody>
+      </p:sp>
+      <p:sp>
+        <p:nvSpPr>
+          <p:cNvPr id="5" name="Text Placeholder 4"/>
           <p:cNvSpPr>
             <a:spLocks noGrp="1"/>
           </p:cNvSpPr>
@@ -1727,13 +2777,7 @@
       </p:sp>
       <p:sp>
         <p:nvSpPr>
-          <p:cNvPr id="6" name="內容版面配置區 5">
-            <a:extLst>
-              <a:ext uri="{FF2B5EF4-FFF2-40B4-BE49-F238E27FC236}">
-                <a16:creationId xmlns:a16="http://schemas.microsoft.com/office/drawing/2014/main" id="{E8EA159A-F9D7-4F58-A7C3-6E5B65E42266}"/>
-              </a:ext>
-            </a:extLst>
-          </p:cNvPr>
+          <p:cNvPr id="6" name="Content Placeholder 5"/>
           <p:cNvSpPr>
             <a:spLocks noGrp="1"/>
           </p:cNvSpPr>
@@ -1784,18 +2828,13 @@
               <a:rPr lang="zh-TW" altLang="en-US"/>
               <a:t>第五層</a:t>
             </a:r>
-          </a:p>
-        </p:txBody>
-      </p:sp>
-      <p:sp>
-        <p:nvSpPr>
-          <p:cNvPr id="7" name="日期版面配置區 6">
-            <a:extLst>
-              <a:ext uri="{FF2B5EF4-FFF2-40B4-BE49-F238E27FC236}">
-                <a16:creationId xmlns:a16="http://schemas.microsoft.com/office/drawing/2014/main" id="{AE973E80-9141-48B7-A9D7-605A4541768F}"/>
-              </a:ext>
-            </a:extLst>
-          </p:cNvPr>
+            <a:endParaRPr lang="en-US" dirty="0"/>
+          </a:p>
+        </p:txBody>
+      </p:sp>
+      <p:sp>
+        <p:nvSpPr>
+          <p:cNvPr id="7" name="Date Placeholder 6"/>
           <p:cNvSpPr>
             <a:spLocks noGrp="1"/>
           </p:cNvSpPr>
@@ -1808,9 +2847,9 @@
           <a:bodyPr/>
           <a:lstStyle/>
           <a:p>
-            <a:fld id="{C3C90D7E-32D6-4894-AE08-7BBB3E610FC9}" type="datetimeFigureOut">
+            <a:fld id="{7F259119-2509-4684-92B3-6DD0996DF213}" type="datetimeFigureOut">
               <a:rPr lang="zh-TW" altLang="en-US" smtClean="0"/>
-              <a:t>2024/9/16</a:t>
+              <a:t>2024/10/23</a:t>
             </a:fld>
             <a:endParaRPr lang="zh-TW" altLang="en-US"/>
           </a:p>
@@ -1818,13 +2857,7 @@
       </p:sp>
       <p:sp>
         <p:nvSpPr>
-          <p:cNvPr id="8" name="頁尾版面配置區 7">
-            <a:extLst>
-              <a:ext uri="{FF2B5EF4-FFF2-40B4-BE49-F238E27FC236}">
-                <a16:creationId xmlns:a16="http://schemas.microsoft.com/office/drawing/2014/main" id="{6520B07A-79F8-43E7-8013-632DD2AED223}"/>
-              </a:ext>
-            </a:extLst>
-          </p:cNvPr>
+          <p:cNvPr id="8" name="Footer Placeholder 7"/>
           <p:cNvSpPr>
             <a:spLocks noGrp="1"/>
           </p:cNvSpPr>
@@ -1843,13 +2876,7 @@
       </p:sp>
       <p:sp>
         <p:nvSpPr>
-          <p:cNvPr id="9" name="投影片編號版面配置區 8">
-            <a:extLst>
-              <a:ext uri="{FF2B5EF4-FFF2-40B4-BE49-F238E27FC236}">
-                <a16:creationId xmlns:a16="http://schemas.microsoft.com/office/drawing/2014/main" id="{3B997D8F-4F1C-4DE6-A82C-3E0C38ACAE96}"/>
-              </a:ext>
-            </a:extLst>
-          </p:cNvPr>
+          <p:cNvPr id="9" name="Slide Number Placeholder 8"/>
           <p:cNvSpPr>
             <a:spLocks noGrp="1"/>
           </p:cNvSpPr>
@@ -1862,7 +2889,7 @@
           <a:bodyPr/>
           <a:lstStyle/>
           <a:p>
-            <a:fld id="{E31EC408-072F-4346-BD0A-D6AA5788A305}" type="slidenum">
+            <a:fld id="{B1D9542A-5483-441E-9155-8CEDB4DFAC2B}" type="slidenum">
               <a:rPr lang="zh-TW" altLang="en-US" smtClean="0"/>
               <a:t>‹#›</a:t>
             </a:fld>
@@ -1873,7 +2900,7 @@
     </p:spTree>
     <p:extLst>
       <p:ext uri="{BB962C8B-B14F-4D97-AF65-F5344CB8AC3E}">
-        <p14:creationId xmlns:p14="http://schemas.microsoft.com/office/powerpoint/2010/main" val="3379995638"/>
+        <p14:creationId xmlns:p14="http://schemas.microsoft.com/office/powerpoint/2010/main" val="52161874"/>
       </p:ext>
     </p:extLst>
   </p:cSld>
@@ -1902,13 +2929,7 @@
       </p:grpSpPr>
       <p:sp>
         <p:nvSpPr>
-          <p:cNvPr id="2" name="標題 1">
-            <a:extLst>
-              <a:ext uri="{FF2B5EF4-FFF2-40B4-BE49-F238E27FC236}">
-                <a16:creationId xmlns:a16="http://schemas.microsoft.com/office/drawing/2014/main" id="{6CE04611-FD10-429D-89AA-73C259B64293}"/>
-              </a:ext>
-            </a:extLst>
-          </p:cNvPr>
+          <p:cNvPr id="2" name="Title 1"/>
           <p:cNvSpPr>
             <a:spLocks noGrp="1"/>
           </p:cNvSpPr>
@@ -1925,18 +2946,13 @@
               <a:rPr lang="zh-TW" altLang="en-US"/>
               <a:t>按一下以編輯母片標題樣式</a:t>
             </a:r>
-          </a:p>
-        </p:txBody>
-      </p:sp>
-      <p:sp>
-        <p:nvSpPr>
-          <p:cNvPr id="3" name="日期版面配置區 2">
-            <a:extLst>
-              <a:ext uri="{FF2B5EF4-FFF2-40B4-BE49-F238E27FC236}">
-                <a16:creationId xmlns:a16="http://schemas.microsoft.com/office/drawing/2014/main" id="{2D9009F3-A280-4DA8-ACC4-187DE2172BCA}"/>
-              </a:ext>
-            </a:extLst>
-          </p:cNvPr>
+            <a:endParaRPr lang="en-US" dirty="0"/>
+          </a:p>
+        </p:txBody>
+      </p:sp>
+      <p:sp>
+        <p:nvSpPr>
+          <p:cNvPr id="3" name="Date Placeholder 2"/>
           <p:cNvSpPr>
             <a:spLocks noGrp="1"/>
           </p:cNvSpPr>
@@ -1949,9 +2965,9 @@
           <a:bodyPr/>
           <a:lstStyle/>
           <a:p>
-            <a:fld id="{C3C90D7E-32D6-4894-AE08-7BBB3E610FC9}" type="datetimeFigureOut">
+            <a:fld id="{7F259119-2509-4684-92B3-6DD0996DF213}" type="datetimeFigureOut">
               <a:rPr lang="zh-TW" altLang="en-US" smtClean="0"/>
-              <a:t>2024/9/16</a:t>
+              <a:t>2024/10/23</a:t>
             </a:fld>
             <a:endParaRPr lang="zh-TW" altLang="en-US"/>
           </a:p>
@@ -1959,13 +2975,7 @@
       </p:sp>
       <p:sp>
         <p:nvSpPr>
-          <p:cNvPr id="4" name="頁尾版面配置區 3">
-            <a:extLst>
-              <a:ext uri="{FF2B5EF4-FFF2-40B4-BE49-F238E27FC236}">
-                <a16:creationId xmlns:a16="http://schemas.microsoft.com/office/drawing/2014/main" id="{F8FD791E-F627-4DDB-AD69-F7639FDD1767}"/>
-              </a:ext>
-            </a:extLst>
-          </p:cNvPr>
+          <p:cNvPr id="4" name="Footer Placeholder 3"/>
           <p:cNvSpPr>
             <a:spLocks noGrp="1"/>
           </p:cNvSpPr>
@@ -1984,13 +2994,7 @@
       </p:sp>
       <p:sp>
         <p:nvSpPr>
-          <p:cNvPr id="5" name="投影片編號版面配置區 4">
-            <a:extLst>
-              <a:ext uri="{FF2B5EF4-FFF2-40B4-BE49-F238E27FC236}">
-                <a16:creationId xmlns:a16="http://schemas.microsoft.com/office/drawing/2014/main" id="{CE9C3C73-9A1B-4A20-B40C-BF8E0726E9AE}"/>
-              </a:ext>
-            </a:extLst>
-          </p:cNvPr>
+          <p:cNvPr id="5" name="Slide Number Placeholder 4"/>
           <p:cNvSpPr>
             <a:spLocks noGrp="1"/>
           </p:cNvSpPr>
@@ -2003,7 +3007,7 @@
           <a:bodyPr/>
           <a:lstStyle/>
           <a:p>
-            <a:fld id="{E31EC408-072F-4346-BD0A-D6AA5788A305}" type="slidenum">
+            <a:fld id="{B1D9542A-5483-441E-9155-8CEDB4DFAC2B}" type="slidenum">
               <a:rPr lang="zh-TW" altLang="en-US" smtClean="0"/>
               <a:t>‹#›</a:t>
             </a:fld>
@@ -2014,7 +3018,7 @@
     </p:spTree>
     <p:extLst>
       <p:ext uri="{BB962C8B-B14F-4D97-AF65-F5344CB8AC3E}">
-        <p14:creationId xmlns:p14="http://schemas.microsoft.com/office/powerpoint/2010/main" val="3116621787"/>
+        <p14:creationId xmlns:p14="http://schemas.microsoft.com/office/powerpoint/2010/main" val="3174017787"/>
       </p:ext>
     </p:extLst>
   </p:cSld>
@@ -2043,13 +3047,7 @@
       </p:grpSpPr>
       <p:sp>
         <p:nvSpPr>
-          <p:cNvPr id="2" name="日期版面配置區 1">
-            <a:extLst>
-              <a:ext uri="{FF2B5EF4-FFF2-40B4-BE49-F238E27FC236}">
-                <a16:creationId xmlns:a16="http://schemas.microsoft.com/office/drawing/2014/main" id="{1E1D8EED-F2A7-4221-9887-0DBB62EB3F80}"/>
-              </a:ext>
-            </a:extLst>
-          </p:cNvPr>
+          <p:cNvPr id="2" name="Date Placeholder 1"/>
           <p:cNvSpPr>
             <a:spLocks noGrp="1"/>
           </p:cNvSpPr>
@@ -2062,9 +3060,9 @@
           <a:bodyPr/>
           <a:lstStyle/>
           <a:p>
-            <a:fld id="{C3C90D7E-32D6-4894-AE08-7BBB3E610FC9}" type="datetimeFigureOut">
+            <a:fld id="{7F259119-2509-4684-92B3-6DD0996DF213}" type="datetimeFigureOut">
               <a:rPr lang="zh-TW" altLang="en-US" smtClean="0"/>
-              <a:t>2024/9/16</a:t>
+              <a:t>2024/10/23</a:t>
             </a:fld>
             <a:endParaRPr lang="zh-TW" altLang="en-US"/>
           </a:p>
@@ -2072,13 +3070,7 @@
       </p:sp>
       <p:sp>
         <p:nvSpPr>
-          <p:cNvPr id="3" name="頁尾版面配置區 2">
-            <a:extLst>
-              <a:ext uri="{FF2B5EF4-FFF2-40B4-BE49-F238E27FC236}">
-                <a16:creationId xmlns:a16="http://schemas.microsoft.com/office/drawing/2014/main" id="{10593B39-DC86-45A7-85EF-B4DB9C28DC80}"/>
-              </a:ext>
-            </a:extLst>
-          </p:cNvPr>
+          <p:cNvPr id="3" name="Footer Placeholder 2"/>
           <p:cNvSpPr>
             <a:spLocks noGrp="1"/>
           </p:cNvSpPr>
@@ -2097,13 +3089,7 @@
       </p:sp>
       <p:sp>
         <p:nvSpPr>
-          <p:cNvPr id="4" name="投影片編號版面配置區 3">
-            <a:extLst>
-              <a:ext uri="{FF2B5EF4-FFF2-40B4-BE49-F238E27FC236}">
-                <a16:creationId xmlns:a16="http://schemas.microsoft.com/office/drawing/2014/main" id="{3D9056B2-6966-4CAF-94D1-2295A737E168}"/>
-              </a:ext>
-            </a:extLst>
-          </p:cNvPr>
+          <p:cNvPr id="4" name="Slide Number Placeholder 3"/>
           <p:cNvSpPr>
             <a:spLocks noGrp="1"/>
           </p:cNvSpPr>
@@ -2116,7 +3102,7 @@
           <a:bodyPr/>
           <a:lstStyle/>
           <a:p>
-            <a:fld id="{E31EC408-072F-4346-BD0A-D6AA5788A305}" type="slidenum">
+            <a:fld id="{B1D9542A-5483-441E-9155-8CEDB4DFAC2B}" type="slidenum">
               <a:rPr lang="zh-TW" altLang="en-US" smtClean="0"/>
               <a:t>‹#›</a:t>
             </a:fld>
@@ -2127,7 +3113,7 @@
     </p:spTree>
     <p:extLst>
       <p:ext uri="{BB962C8B-B14F-4D97-AF65-F5344CB8AC3E}">
-        <p14:creationId xmlns:p14="http://schemas.microsoft.com/office/powerpoint/2010/main" val="3887241942"/>
+        <p14:creationId xmlns:p14="http://schemas.microsoft.com/office/powerpoint/2010/main" val="2218236574"/>
       </p:ext>
     </p:extLst>
   </p:cSld>
@@ -2156,13 +3142,7 @@
       </p:grpSpPr>
       <p:sp>
         <p:nvSpPr>
-          <p:cNvPr id="2" name="標題 1">
-            <a:extLst>
-              <a:ext uri="{FF2B5EF4-FFF2-40B4-BE49-F238E27FC236}">
-                <a16:creationId xmlns:a16="http://schemas.microsoft.com/office/drawing/2014/main" id="{5C3076DF-D16B-4600-9550-96C6A8DD7F1A}"/>
-              </a:ext>
-            </a:extLst>
-          </p:cNvPr>
+          <p:cNvPr id="2" name="Title 1"/>
           <p:cNvSpPr>
             <a:spLocks noGrp="1"/>
           </p:cNvSpPr>
@@ -2188,18 +3168,13 @@
               <a:rPr lang="zh-TW" altLang="en-US"/>
               <a:t>按一下以編輯母片標題樣式</a:t>
             </a:r>
-          </a:p>
-        </p:txBody>
-      </p:sp>
-      <p:sp>
-        <p:nvSpPr>
-          <p:cNvPr id="3" name="內容版面配置區 2">
-            <a:extLst>
-              <a:ext uri="{FF2B5EF4-FFF2-40B4-BE49-F238E27FC236}">
-                <a16:creationId xmlns:a16="http://schemas.microsoft.com/office/drawing/2014/main" id="{9CD3D667-FDE5-4F5D-9495-588EC18912CE}"/>
-              </a:ext>
-            </a:extLst>
-          </p:cNvPr>
+            <a:endParaRPr lang="en-US" dirty="0"/>
+          </a:p>
+        </p:txBody>
+      </p:sp>
+      <p:sp>
+        <p:nvSpPr>
+          <p:cNvPr id="3" name="Content Placeholder 2"/>
           <p:cNvSpPr>
             <a:spLocks noGrp="1"/>
           </p:cNvSpPr>
@@ -2278,18 +3253,13 @@
               <a:rPr lang="zh-TW" altLang="en-US"/>
               <a:t>第五層</a:t>
             </a:r>
-          </a:p>
-        </p:txBody>
-      </p:sp>
-      <p:sp>
-        <p:nvSpPr>
-          <p:cNvPr id="4" name="文字版面配置區 3">
-            <a:extLst>
-              <a:ext uri="{FF2B5EF4-FFF2-40B4-BE49-F238E27FC236}">
-                <a16:creationId xmlns:a16="http://schemas.microsoft.com/office/drawing/2014/main" id="{22F511E7-BEEF-4F51-BA0E-52C1908D5608}"/>
-              </a:ext>
-            </a:extLst>
-          </p:cNvPr>
+            <a:endParaRPr lang="en-US" dirty="0"/>
+          </a:p>
+        </p:txBody>
+      </p:sp>
+      <p:sp>
+        <p:nvSpPr>
+          <p:cNvPr id="4" name="Text Placeholder 3"/>
           <p:cNvSpPr>
             <a:spLocks noGrp="1"/>
           </p:cNvSpPr>
@@ -2354,13 +3324,7 @@
       </p:sp>
       <p:sp>
         <p:nvSpPr>
-          <p:cNvPr id="5" name="日期版面配置區 4">
-            <a:extLst>
-              <a:ext uri="{FF2B5EF4-FFF2-40B4-BE49-F238E27FC236}">
-                <a16:creationId xmlns:a16="http://schemas.microsoft.com/office/drawing/2014/main" id="{88060697-A92E-4178-A790-FCBB90D70573}"/>
-              </a:ext>
-            </a:extLst>
-          </p:cNvPr>
+          <p:cNvPr id="5" name="Date Placeholder 4"/>
           <p:cNvSpPr>
             <a:spLocks noGrp="1"/>
           </p:cNvSpPr>
@@ -2373,9 +3337,9 @@
           <a:bodyPr/>
           <a:lstStyle/>
           <a:p>
-            <a:fld id="{C3C90D7E-32D6-4894-AE08-7BBB3E610FC9}" type="datetimeFigureOut">
+            <a:fld id="{7F259119-2509-4684-92B3-6DD0996DF213}" type="datetimeFigureOut">
               <a:rPr lang="zh-TW" altLang="en-US" smtClean="0"/>
-              <a:t>2024/9/16</a:t>
+              <a:t>2024/10/23</a:t>
             </a:fld>
             <a:endParaRPr lang="zh-TW" altLang="en-US"/>
           </a:p>
@@ -2383,13 +3347,7 @@
       </p:sp>
       <p:sp>
         <p:nvSpPr>
-          <p:cNvPr id="6" name="頁尾版面配置區 5">
-            <a:extLst>
-              <a:ext uri="{FF2B5EF4-FFF2-40B4-BE49-F238E27FC236}">
-                <a16:creationId xmlns:a16="http://schemas.microsoft.com/office/drawing/2014/main" id="{2A8E3F57-A99A-4C4C-BF14-EE42AB99CE78}"/>
-              </a:ext>
-            </a:extLst>
-          </p:cNvPr>
+          <p:cNvPr id="6" name="Footer Placeholder 5"/>
           <p:cNvSpPr>
             <a:spLocks noGrp="1"/>
           </p:cNvSpPr>
@@ -2408,13 +3366,7 @@
       </p:sp>
       <p:sp>
         <p:nvSpPr>
-          <p:cNvPr id="7" name="投影片編號版面配置區 6">
-            <a:extLst>
-              <a:ext uri="{FF2B5EF4-FFF2-40B4-BE49-F238E27FC236}">
-                <a16:creationId xmlns:a16="http://schemas.microsoft.com/office/drawing/2014/main" id="{39234440-6924-48D7-AC1A-200D5946BCA9}"/>
-              </a:ext>
-            </a:extLst>
-          </p:cNvPr>
+          <p:cNvPr id="7" name="Slide Number Placeholder 6"/>
           <p:cNvSpPr>
             <a:spLocks noGrp="1"/>
           </p:cNvSpPr>
@@ -2427,7 +3379,7 @@
           <a:bodyPr/>
           <a:lstStyle/>
           <a:p>
-            <a:fld id="{E31EC408-072F-4346-BD0A-D6AA5788A305}" type="slidenum">
+            <a:fld id="{B1D9542A-5483-441E-9155-8CEDB4DFAC2B}" type="slidenum">
               <a:rPr lang="zh-TW" altLang="en-US" smtClean="0"/>
               <a:t>‹#›</a:t>
             </a:fld>
@@ -2438,7 +3390,7 @@
     </p:spTree>
     <p:extLst>
       <p:ext uri="{BB962C8B-B14F-4D97-AF65-F5344CB8AC3E}">
-        <p14:creationId xmlns:p14="http://schemas.microsoft.com/office/powerpoint/2010/main" val="2036183199"/>
+        <p14:creationId xmlns:p14="http://schemas.microsoft.com/office/powerpoint/2010/main" val="3639193512"/>
       </p:ext>
     </p:extLst>
   </p:cSld>
@@ -2467,13 +3419,7 @@
       </p:grpSpPr>
       <p:sp>
         <p:nvSpPr>
-          <p:cNvPr id="2" name="標題 1">
-            <a:extLst>
-              <a:ext uri="{FF2B5EF4-FFF2-40B4-BE49-F238E27FC236}">
-                <a16:creationId xmlns:a16="http://schemas.microsoft.com/office/drawing/2014/main" id="{B2E81694-0B93-4D65-9DA3-21597478A96C}"/>
-              </a:ext>
-            </a:extLst>
-          </p:cNvPr>
+          <p:cNvPr id="2" name="Title 1"/>
           <p:cNvSpPr>
             <a:spLocks noGrp="1"/>
           </p:cNvSpPr>
@@ -2499,20 +3445,15 @@
               <a:rPr lang="zh-TW" altLang="en-US"/>
               <a:t>按一下以編輯母片標題樣式</a:t>
             </a:r>
-          </a:p>
-        </p:txBody>
-      </p:sp>
-      <p:sp>
-        <p:nvSpPr>
-          <p:cNvPr id="3" name="圖片版面配置區 2">
-            <a:extLst>
-              <a:ext uri="{FF2B5EF4-FFF2-40B4-BE49-F238E27FC236}">
-                <a16:creationId xmlns:a16="http://schemas.microsoft.com/office/drawing/2014/main" id="{23E4D718-8CB0-4334-BB8A-FB8B57D7CDC6}"/>
-              </a:ext>
-            </a:extLst>
-          </p:cNvPr>
-          <p:cNvSpPr>
-            <a:spLocks noGrp="1"/>
+            <a:endParaRPr lang="en-US" dirty="0"/>
+          </a:p>
+        </p:txBody>
+      </p:sp>
+      <p:sp>
+        <p:nvSpPr>
+          <p:cNvPr id="3" name="Picture Placeholder 2"/>
+          <p:cNvSpPr>
+            <a:spLocks noGrp="1" noChangeAspect="1"/>
           </p:cNvSpPr>
           <p:nvPr>
             <p:ph type="pic" idx="1"/>
@@ -2525,7 +3466,7 @@
           </a:xfrm>
         </p:spPr>
         <p:txBody>
-          <a:bodyPr/>
+          <a:bodyPr anchor="t"/>
           <a:lstStyle>
             <a:lvl1pPr marL="0" indent="0">
               <a:buNone/>
@@ -2565,19 +3506,17 @@
             </a:lvl9pPr>
           </a:lstStyle>
           <a:p>
-            <a:endParaRPr lang="zh-TW" altLang="en-US"/>
-          </a:p>
-        </p:txBody>
-      </p:sp>
-      <p:sp>
-        <p:nvSpPr>
-          <p:cNvPr id="4" name="文字版面配置區 3">
-            <a:extLst>
-              <a:ext uri="{FF2B5EF4-FFF2-40B4-BE49-F238E27FC236}">
-                <a16:creationId xmlns:a16="http://schemas.microsoft.com/office/drawing/2014/main" id="{0DC47463-53E7-4FE3-B60B-1657D11127BD}"/>
-              </a:ext>
-            </a:extLst>
-          </p:cNvPr>
+            <a:r>
+              <a:rPr lang="zh-TW" altLang="en-US"/>
+              <a:t>按一下圖示以新增圖片</a:t>
+            </a:r>
+            <a:endParaRPr lang="en-US" dirty="0"/>
+          </a:p>
+        </p:txBody>
+      </p:sp>
+      <p:sp>
+        <p:nvSpPr>
+          <p:cNvPr id="4" name="Text Placeholder 3"/>
           <p:cNvSpPr>
             <a:spLocks noGrp="1"/>
           </p:cNvSpPr>
@@ -2642,13 +3581,7 @@
       </p:sp>
       <p:sp>
         <p:nvSpPr>
-          <p:cNvPr id="5" name="日期版面配置區 4">
-            <a:extLst>
-              <a:ext uri="{FF2B5EF4-FFF2-40B4-BE49-F238E27FC236}">
-                <a16:creationId xmlns:a16="http://schemas.microsoft.com/office/drawing/2014/main" id="{28875DC5-6AFF-40C0-8C77-F81A0A3E1B0F}"/>
-              </a:ext>
-            </a:extLst>
-          </p:cNvPr>
+          <p:cNvPr id="5" name="Date Placeholder 4"/>
           <p:cNvSpPr>
             <a:spLocks noGrp="1"/>
           </p:cNvSpPr>
@@ -2661,9 +3594,9 @@
           <a:bodyPr/>
           <a:lstStyle/>
           <a:p>
-            <a:fld id="{C3C90D7E-32D6-4894-AE08-7BBB3E610FC9}" type="datetimeFigureOut">
+            <a:fld id="{7F259119-2509-4684-92B3-6DD0996DF213}" type="datetimeFigureOut">
               <a:rPr lang="zh-TW" altLang="en-US" smtClean="0"/>
-              <a:t>2024/9/16</a:t>
+              <a:t>2024/10/23</a:t>
             </a:fld>
             <a:endParaRPr lang="zh-TW" altLang="en-US"/>
           </a:p>
@@ -2671,13 +3604,7 @@
       </p:sp>
       <p:sp>
         <p:nvSpPr>
-          <p:cNvPr id="6" name="頁尾版面配置區 5">
-            <a:extLst>
-              <a:ext uri="{FF2B5EF4-FFF2-40B4-BE49-F238E27FC236}">
-                <a16:creationId xmlns:a16="http://schemas.microsoft.com/office/drawing/2014/main" id="{24F8A973-6D07-4F0C-97A0-280FEFC238E0}"/>
-              </a:ext>
-            </a:extLst>
-          </p:cNvPr>
+          <p:cNvPr id="6" name="Footer Placeholder 5"/>
           <p:cNvSpPr>
             <a:spLocks noGrp="1"/>
           </p:cNvSpPr>
@@ -2696,13 +3623,7 @@
       </p:sp>
       <p:sp>
         <p:nvSpPr>
-          <p:cNvPr id="7" name="投影片編號版面配置區 6">
-            <a:extLst>
-              <a:ext uri="{FF2B5EF4-FFF2-40B4-BE49-F238E27FC236}">
-                <a16:creationId xmlns:a16="http://schemas.microsoft.com/office/drawing/2014/main" id="{DB60BB1E-F41B-40F0-929B-5208374980BF}"/>
-              </a:ext>
-            </a:extLst>
-          </p:cNvPr>
+          <p:cNvPr id="7" name="Slide Number Placeholder 6"/>
           <p:cNvSpPr>
             <a:spLocks noGrp="1"/>
           </p:cNvSpPr>
@@ -2715,7 +3636,7 @@
           <a:bodyPr/>
           <a:lstStyle/>
           <a:p>
-            <a:fld id="{E31EC408-072F-4346-BD0A-D6AA5788A305}" type="slidenum">
+            <a:fld id="{B1D9542A-5483-441E-9155-8CEDB4DFAC2B}" type="slidenum">
               <a:rPr lang="zh-TW" altLang="en-US" smtClean="0"/>
               <a:t>‹#›</a:t>
             </a:fld>
@@ -2726,7 +3647,7 @@
     </p:spTree>
     <p:extLst>
       <p:ext uri="{BB962C8B-B14F-4D97-AF65-F5344CB8AC3E}">
-        <p14:creationId xmlns:p14="http://schemas.microsoft.com/office/powerpoint/2010/main" val="3148270851"/>
+        <p14:creationId xmlns:p14="http://schemas.microsoft.com/office/powerpoint/2010/main" val="1031682657"/>
       </p:ext>
     </p:extLst>
   </p:cSld>
@@ -2740,9 +3661,14 @@
 <p:sldMaster xmlns:a="http://schemas.openxmlformats.org/drawingml/2006/main" xmlns:r="http://schemas.openxmlformats.org/officeDocument/2006/relationships" xmlns:p="http://schemas.openxmlformats.org/presentationml/2006/main">
   <p:cSld>
     <p:bg>
-      <p:bgRef idx="1001">
-        <a:schemeClr val="bg1"/>
-      </p:bgRef>
+      <p:bgPr>
+        <a:solidFill>
+          <a:schemeClr val="tx1">
+            <a:lumMod val="65000"/>
+          </a:schemeClr>
+        </a:solidFill>
+        <a:effectLst/>
+      </p:bgPr>
     </p:bg>
     <p:spTree>
       <p:nvGrpSpPr>
@@ -2760,13 +3686,7 @@
       </p:grpSpPr>
       <p:sp>
         <p:nvSpPr>
-          <p:cNvPr id="2" name="標題版面配置區 1">
-            <a:extLst>
-              <a:ext uri="{FF2B5EF4-FFF2-40B4-BE49-F238E27FC236}">
-                <a16:creationId xmlns:a16="http://schemas.microsoft.com/office/drawing/2014/main" id="{B8575AAC-624C-4B52-ABD4-699B1E35D2CF}"/>
-              </a:ext>
-            </a:extLst>
-          </p:cNvPr>
+          <p:cNvPr id="2" name="Title Placeholder 1"/>
           <p:cNvSpPr>
             <a:spLocks noGrp="1"/>
           </p:cNvSpPr>
@@ -2793,18 +3713,13 @@
               <a:rPr lang="zh-TW" altLang="en-US"/>
               <a:t>按一下以編輯母片標題樣式</a:t>
             </a:r>
-          </a:p>
-        </p:txBody>
-      </p:sp>
-      <p:sp>
-        <p:nvSpPr>
-          <p:cNvPr id="3" name="文字版面配置區 2">
-            <a:extLst>
-              <a:ext uri="{FF2B5EF4-FFF2-40B4-BE49-F238E27FC236}">
-                <a16:creationId xmlns:a16="http://schemas.microsoft.com/office/drawing/2014/main" id="{76722991-C57D-471F-8271-C419A1CFB074}"/>
-              </a:ext>
-            </a:extLst>
-          </p:cNvPr>
+            <a:endParaRPr lang="en-US" dirty="0"/>
+          </a:p>
+        </p:txBody>
+      </p:sp>
+      <p:sp>
+        <p:nvSpPr>
+          <p:cNvPr id="3" name="Text Placeholder 2"/>
           <p:cNvSpPr>
             <a:spLocks noGrp="1"/>
           </p:cNvSpPr>
@@ -2860,18 +3775,13 @@
               <a:rPr lang="zh-TW" altLang="en-US"/>
               <a:t>第五層</a:t>
             </a:r>
-          </a:p>
-        </p:txBody>
-      </p:sp>
-      <p:sp>
-        <p:nvSpPr>
-          <p:cNvPr id="4" name="日期版面配置區 3">
-            <a:extLst>
-              <a:ext uri="{FF2B5EF4-FFF2-40B4-BE49-F238E27FC236}">
-                <a16:creationId xmlns:a16="http://schemas.microsoft.com/office/drawing/2014/main" id="{85C839DD-8CBF-4E23-A0C7-7C039E950BB8}"/>
-              </a:ext>
-            </a:extLst>
-          </p:cNvPr>
+            <a:endParaRPr lang="en-US" dirty="0"/>
+          </a:p>
+        </p:txBody>
+      </p:sp>
+      <p:sp>
+        <p:nvSpPr>
+          <p:cNvPr id="4" name="Date Placeholder 3"/>
           <p:cNvSpPr>
             <a:spLocks noGrp="1"/>
           </p:cNvSpPr>
@@ -2902,9 +3812,9 @@
             </a:lvl1pPr>
           </a:lstStyle>
           <a:p>
-            <a:fld id="{C3C90D7E-32D6-4894-AE08-7BBB3E610FC9}" type="datetimeFigureOut">
+            <a:fld id="{7F259119-2509-4684-92B3-6DD0996DF213}" type="datetimeFigureOut">
               <a:rPr lang="zh-TW" altLang="en-US" smtClean="0"/>
-              <a:t>2024/9/16</a:t>
+              <a:t>2024/10/23</a:t>
             </a:fld>
             <a:endParaRPr lang="zh-TW" altLang="en-US"/>
           </a:p>
@@ -2912,13 +3822,7 @@
       </p:sp>
       <p:sp>
         <p:nvSpPr>
-          <p:cNvPr id="5" name="頁尾版面配置區 4">
-            <a:extLst>
-              <a:ext uri="{FF2B5EF4-FFF2-40B4-BE49-F238E27FC236}">
-                <a16:creationId xmlns:a16="http://schemas.microsoft.com/office/drawing/2014/main" id="{12802D8A-77D4-418C-8190-43B6ADED2131}"/>
-              </a:ext>
-            </a:extLst>
-          </p:cNvPr>
+          <p:cNvPr id="5" name="Footer Placeholder 4"/>
           <p:cNvSpPr>
             <a:spLocks noGrp="1"/>
           </p:cNvSpPr>
@@ -2955,13 +3859,7 @@
       </p:sp>
       <p:sp>
         <p:nvSpPr>
-          <p:cNvPr id="6" name="投影片編號版面配置區 5">
-            <a:extLst>
-              <a:ext uri="{FF2B5EF4-FFF2-40B4-BE49-F238E27FC236}">
-                <a16:creationId xmlns:a16="http://schemas.microsoft.com/office/drawing/2014/main" id="{7072B55E-2BE2-4AF4-AFF8-2A716F492F1C}"/>
-              </a:ext>
-            </a:extLst>
-          </p:cNvPr>
+          <p:cNvPr id="6" name="Slide Number Placeholder 5"/>
           <p:cNvSpPr>
             <a:spLocks noGrp="1"/>
           </p:cNvSpPr>
@@ -2992,7 +3890,7 @@
             </a:lvl1pPr>
           </a:lstStyle>
           <a:p>
-            <a:fld id="{E31EC408-072F-4346-BD0A-D6AA5788A305}" type="slidenum">
+            <a:fld id="{B1D9542A-5483-441E-9155-8CEDB4DFAC2B}" type="slidenum">
               <a:rPr lang="zh-TW" altLang="en-US" smtClean="0"/>
               <a:t>‹#›</a:t>
             </a:fld>
@@ -3003,23 +3901,23 @@
     </p:spTree>
     <p:extLst>
       <p:ext uri="{BB962C8B-B14F-4D97-AF65-F5344CB8AC3E}">
-        <p14:creationId xmlns:p14="http://schemas.microsoft.com/office/powerpoint/2010/main" val="2016052060"/>
+        <p14:creationId xmlns:p14="http://schemas.microsoft.com/office/powerpoint/2010/main" val="217681278"/>
       </p:ext>
     </p:extLst>
   </p:cSld>
-  <p:clrMap bg1="lt1" tx1="dk1" bg2="lt2" tx2="dk2" accent1="accent1" accent2="accent2" accent3="accent3" accent4="accent4" accent5="accent5" accent6="accent6" hlink="hlink" folHlink="folHlink"/>
+  <p:clrMap bg1="dk1" tx1="lt1" bg2="dk2" tx2="lt2" accent1="accent1" accent2="accent2" accent3="accent3" accent4="accent4" accent5="accent5" accent6="accent6" hlink="hlink" folHlink="folHlink"/>
   <p:sldLayoutIdLst>
-    <p:sldLayoutId id="2147483649" r:id="rId1"/>
-    <p:sldLayoutId id="2147483650" r:id="rId2"/>
-    <p:sldLayoutId id="2147483651" r:id="rId3"/>
-    <p:sldLayoutId id="2147483652" r:id="rId4"/>
-    <p:sldLayoutId id="2147483653" r:id="rId5"/>
-    <p:sldLayoutId id="2147483654" r:id="rId6"/>
-    <p:sldLayoutId id="2147483655" r:id="rId7"/>
-    <p:sldLayoutId id="2147483656" r:id="rId8"/>
-    <p:sldLayoutId id="2147483657" r:id="rId9"/>
-    <p:sldLayoutId id="2147483658" r:id="rId10"/>
-    <p:sldLayoutId id="2147483659" r:id="rId11"/>
+    <p:sldLayoutId id="2147484405" r:id="rId1"/>
+    <p:sldLayoutId id="2147484406" r:id="rId2"/>
+    <p:sldLayoutId id="2147484407" r:id="rId3"/>
+    <p:sldLayoutId id="2147484408" r:id="rId4"/>
+    <p:sldLayoutId id="2147484409" r:id="rId5"/>
+    <p:sldLayoutId id="2147484410" r:id="rId6"/>
+    <p:sldLayoutId id="2147484411" r:id="rId7"/>
+    <p:sldLayoutId id="2147484412" r:id="rId8"/>
+    <p:sldLayoutId id="2147484413" r:id="rId9"/>
+    <p:sldLayoutId id="2147484414" r:id="rId10"/>
+    <p:sldLayoutId id="2147484415" r:id="rId11"/>
   </p:sldLayoutIdLst>
   <p:txStyles>
     <p:titleStyle>
@@ -3207,7 +4105,7 @@
     </p:bodyStyle>
     <p:otherStyle>
       <a:defPPr>
-        <a:defRPr lang="zh-TW"/>
+        <a:defRPr lang="en-US"/>
       </a:defPPr>
       <a:lvl1pPr marL="0" algn="l" defTabSz="914400" rtl="0" eaLnBrk="1" latinLnBrk="0" hangingPunct="1">
         <a:defRPr sz="1800" kern="1200">
@@ -3326,7 +4224,7 @@
           <p:cNvPr id="2" name="標題 1">
             <a:extLst>
               <a:ext uri="{FF2B5EF4-FFF2-40B4-BE49-F238E27FC236}">
-                <a16:creationId xmlns:a16="http://schemas.microsoft.com/office/drawing/2014/main" id="{32532283-9F93-4E44-8138-32796965361F}"/>
+                <a16:creationId xmlns:a16="http://schemas.microsoft.com/office/drawing/2014/main" id="{6552D973-C93A-4B67-97AC-3DA55638BF20}"/>
               </a:ext>
             </a:extLst>
           </p:cNvPr>
@@ -3337,54 +4235,1267 @@
             <p:ph type="ctrTitle"/>
           </p:nvPr>
         </p:nvSpPr>
-        <p:spPr/>
-        <p:txBody>
-          <a:bodyPr/>
-          <a:lstStyle/>
-          <a:p>
-            <a:endParaRPr lang="zh-TW" altLang="en-US"/>
-          </a:p>
-        </p:txBody>
-      </p:sp>
-      <p:sp>
-        <p:nvSpPr>
-          <p:cNvPr id="3" name="副標題 2">
-            <a:extLst>
-              <a:ext uri="{FF2B5EF4-FFF2-40B4-BE49-F238E27FC236}">
-                <a16:creationId xmlns:a16="http://schemas.microsoft.com/office/drawing/2014/main" id="{8C946F38-524D-4B98-B9CB-80AEE57E455A}"/>
-              </a:ext>
-            </a:extLst>
-          </p:cNvPr>
-          <p:cNvSpPr>
-            <a:spLocks noGrp="1"/>
-          </p:cNvSpPr>
-          <p:nvPr>
-            <p:ph type="subTitle" idx="1"/>
-          </p:nvPr>
-        </p:nvSpPr>
-        <p:spPr/>
-        <p:txBody>
-          <a:bodyPr/>
-          <a:lstStyle/>
-          <a:p>
-            <a:endParaRPr lang="zh-TW" altLang="en-US"/>
+        <p:spPr>
+          <a:xfrm>
+            <a:off x="1298031" y="1455173"/>
+            <a:ext cx="3992425" cy="2104456"/>
+          </a:xfrm>
+        </p:spPr>
+        <p:txBody>
+          <a:bodyPr>
+            <a:normAutofit/>
+          </a:bodyPr>
+          <a:lstStyle/>
+          <a:p>
+            <a:r>
+              <a:rPr lang="zh-TW" altLang="en-US" sz="5400" b="1" dirty="0">
+                <a:solidFill>
+                  <a:schemeClr val="bg1"/>
+                </a:solidFill>
+                <a:latin typeface="微軟正黑體" panose="020B0604030504040204" pitchFamily="34" charset="-120"/>
+                <a:ea typeface="微軟正黑體" panose="020B0604030504040204" pitchFamily="34" charset="-120"/>
+              </a:rPr>
+              <a:t>自我介紹</a:t>
+            </a:r>
+            <a:br>
+              <a:rPr lang="en-US" altLang="zh-TW" sz="5400" dirty="0">
+                <a:solidFill>
+                  <a:schemeClr val="bg1"/>
+                </a:solidFill>
+                <a:latin typeface="+mn-lt"/>
+                <a:ea typeface="+mn-ea"/>
+              </a:rPr>
+            </a:br>
+            <a:r>
+              <a:rPr lang="en-US" altLang="zh-TW" sz="5400" dirty="0">
+                <a:solidFill>
+                  <a:schemeClr val="bg1"/>
+                </a:solidFill>
+                <a:latin typeface="+mn-lt"/>
+                <a:ea typeface="+mn-ea"/>
+              </a:rPr>
+              <a:t>(</a:t>
+            </a:r>
+            <a:r>
+              <a:rPr lang="en-US" altLang="zh-TW" sz="5400" dirty="0" err="1">
+                <a:solidFill>
+                  <a:schemeClr val="bg1"/>
+                </a:solidFill>
+                <a:latin typeface="+mn-lt"/>
+                <a:ea typeface="+mn-ea"/>
+              </a:rPr>
+              <a:t>nizima</a:t>
+            </a:r>
+            <a:r>
+              <a:rPr lang="en-US" altLang="zh-TW" sz="5400" dirty="0">
+                <a:solidFill>
+                  <a:schemeClr val="bg1"/>
+                </a:solidFill>
+                <a:latin typeface="+mn-lt"/>
+                <a:ea typeface="+mn-ea"/>
+              </a:rPr>
+              <a:t> Live)</a:t>
+            </a:r>
+            <a:endParaRPr lang="zh-TW" altLang="en-US" sz="5400" dirty="0">
+              <a:solidFill>
+                <a:schemeClr val="bg1"/>
+              </a:solidFill>
+              <a:latin typeface="+mn-lt"/>
+              <a:ea typeface="+mn-ea"/>
+            </a:endParaRPr>
           </a:p>
         </p:txBody>
       </p:sp>
     </p:spTree>
     <p:extLst>
       <p:ext uri="{BB962C8B-B14F-4D97-AF65-F5344CB8AC3E}">
-        <p14:creationId xmlns:p14="http://schemas.microsoft.com/office/powerpoint/2010/main" val="1328321055"/>
+        <p14:creationId xmlns:p14="http://schemas.microsoft.com/office/powerpoint/2010/main" val="605048222"/>
       </p:ext>
     </p:extLst>
   </p:cSld>
   <p:clrMapOvr>
     <a:masterClrMapping/>
   </p:clrMapOvr>
+  <mc:AlternateContent xmlns:mc="http://schemas.openxmlformats.org/markup-compatibility/2006" xmlns:p159="http://schemas.microsoft.com/office/powerpoint/2015/09/main">
+    <mc:Choice Requires="p159">
+      <p:transition xmlns:p14="http://schemas.microsoft.com/office/powerpoint/2010/main" spd="slow" p14:dur="2000">
+        <p159:morph option="byObject"/>
+      </p:transition>
+    </mc:Choice>
+    <mc:Fallback xmlns="">
+      <p:transition spd="slow">
+        <p:fade/>
+      </p:transition>
+    </mc:Fallback>
+  </mc:AlternateContent>
+</p:sld>
+</file>
+
+<file path=ppt/slides/slide2.xml><?xml version="1.0" encoding="utf-8"?>
+<p:sld xmlns:a="http://schemas.openxmlformats.org/drawingml/2006/main" xmlns:r="http://schemas.openxmlformats.org/officeDocument/2006/relationships" xmlns:p="http://schemas.openxmlformats.org/presentationml/2006/main">
+  <p:cSld>
+    <p:spTree>
+      <p:nvGrpSpPr>
+        <p:cNvPr id="1" name=""/>
+        <p:cNvGrpSpPr/>
+        <p:nvPr/>
+      </p:nvGrpSpPr>
+      <p:grpSpPr>
+        <a:xfrm>
+          <a:off x="0" y="0"/>
+          <a:ext cx="0" cy="0"/>
+          <a:chOff x="0" y="0"/>
+          <a:chExt cx="0" cy="0"/>
+        </a:xfrm>
+      </p:grpSpPr>
+      <p:sp>
+        <p:nvSpPr>
+          <p:cNvPr id="2" name="標題 1">
+            <a:extLst>
+              <a:ext uri="{FF2B5EF4-FFF2-40B4-BE49-F238E27FC236}">
+                <a16:creationId xmlns:a16="http://schemas.microsoft.com/office/drawing/2014/main" id="{B8B5980C-6014-4E28-9346-3ACC9F99C280}"/>
+              </a:ext>
+            </a:extLst>
+          </p:cNvPr>
+          <p:cNvSpPr>
+            <a:spLocks noGrp="1"/>
+          </p:cNvSpPr>
+          <p:nvPr>
+            <p:ph type="title"/>
+          </p:nvPr>
+        </p:nvSpPr>
+        <p:spPr>
+          <a:xfrm>
+            <a:off x="691242" y="0"/>
+            <a:ext cx="10515600" cy="1325563"/>
+          </a:xfrm>
+        </p:spPr>
+        <p:txBody>
+          <a:bodyPr>
+            <a:normAutofit/>
+          </a:bodyPr>
+          <a:lstStyle/>
+          <a:p>
+            <a:r>
+              <a:rPr lang="en-US" altLang="zh-TW" sz="3600" b="1" dirty="0">
+                <a:solidFill>
+                  <a:schemeClr val="bg1"/>
+                </a:solidFill>
+                <a:latin typeface="+mn-lt"/>
+                <a:ea typeface="+mn-ea"/>
+              </a:rPr>
+              <a:t>1.</a:t>
+            </a:r>
+            <a:r>
+              <a:rPr lang="zh-TW" altLang="en-US" sz="3600" b="1" dirty="0">
+                <a:solidFill>
+                  <a:schemeClr val="bg1"/>
+                </a:solidFill>
+                <a:latin typeface="微軟正黑體" panose="020B0604030504040204" pitchFamily="34" charset="-120"/>
+                <a:ea typeface="微軟正黑體" panose="020B0604030504040204" pitchFamily="34" charset="-120"/>
+              </a:rPr>
+              <a:t>目標</a:t>
+            </a:r>
+          </a:p>
+        </p:txBody>
+      </p:sp>
+      <p:pic>
+        <p:nvPicPr>
+          <p:cNvPr id="7" name="圖片 6">
+            <a:extLst>
+              <a:ext uri="{FF2B5EF4-FFF2-40B4-BE49-F238E27FC236}">
+                <a16:creationId xmlns:a16="http://schemas.microsoft.com/office/drawing/2014/main" id="{75C8B65C-63E6-42E4-A6B9-3700EB21EE46}"/>
+              </a:ext>
+            </a:extLst>
+          </p:cNvPr>
+          <p:cNvPicPr>
+            <a:picLocks noChangeAspect="1"/>
+          </p:cNvPicPr>
+          <p:nvPr/>
+        </p:nvPicPr>
+        <p:blipFill>
+          <a:blip r:embed="rId3">
+            <a:extLst>
+              <a:ext uri="{28A0092B-C50C-407E-A947-70E740481C1C}">
+                <a14:useLocalDpi xmlns:a14="http://schemas.microsoft.com/office/drawing/2010/main" val="0"/>
+              </a:ext>
+            </a:extLst>
+          </a:blip>
+          <a:stretch>
+            <a:fillRect/>
+          </a:stretch>
+        </p:blipFill>
+        <p:spPr>
+          <a:xfrm>
+            <a:off x="691242" y="995588"/>
+            <a:ext cx="5568498" cy="5568498"/>
+          </a:xfrm>
+          <a:prstGeom prst="rect">
+            <a:avLst/>
+          </a:prstGeom>
+        </p:spPr>
+      </p:pic>
+    </p:spTree>
+    <p:extLst>
+      <p:ext uri="{BB962C8B-B14F-4D97-AF65-F5344CB8AC3E}">
+        <p14:creationId xmlns:p14="http://schemas.microsoft.com/office/powerpoint/2010/main" val="3802100576"/>
+      </p:ext>
+    </p:extLst>
+  </p:cSld>
+  <p:clrMapOvr>
+    <a:masterClrMapping/>
+  </p:clrMapOvr>
+  <mc:AlternateContent xmlns:mc="http://schemas.openxmlformats.org/markup-compatibility/2006" xmlns:p159="http://schemas.microsoft.com/office/powerpoint/2015/09/main">
+    <mc:Choice Requires="p159">
+      <p:transition xmlns:p14="http://schemas.microsoft.com/office/powerpoint/2010/main" spd="slow" p14:dur="2000">
+        <p159:morph option="byObject"/>
+      </p:transition>
+    </mc:Choice>
+    <mc:Fallback xmlns="">
+      <p:transition spd="slow">
+        <p:fade/>
+      </p:transition>
+    </mc:Fallback>
+  </mc:AlternateContent>
+</p:sld>
+</file>
+
+<file path=ppt/slides/slide3.xml><?xml version="1.0" encoding="utf-8"?>
+<p:sld xmlns:a="http://schemas.openxmlformats.org/drawingml/2006/main" xmlns:r="http://schemas.openxmlformats.org/officeDocument/2006/relationships" xmlns:p="http://schemas.openxmlformats.org/presentationml/2006/main">
+  <p:cSld>
+    <p:spTree>
+      <p:nvGrpSpPr>
+        <p:cNvPr id="1" name=""/>
+        <p:cNvGrpSpPr/>
+        <p:nvPr/>
+      </p:nvGrpSpPr>
+      <p:grpSpPr>
+        <a:xfrm>
+          <a:off x="0" y="0"/>
+          <a:ext cx="0" cy="0"/>
+          <a:chOff x="0" y="0"/>
+          <a:chExt cx="0" cy="0"/>
+        </a:xfrm>
+      </p:grpSpPr>
+      <p:sp>
+        <p:nvSpPr>
+          <p:cNvPr id="2" name="標題 1">
+            <a:extLst>
+              <a:ext uri="{FF2B5EF4-FFF2-40B4-BE49-F238E27FC236}">
+                <a16:creationId xmlns:a16="http://schemas.microsoft.com/office/drawing/2014/main" id="{B8B5980C-6014-4E28-9346-3ACC9F99C280}"/>
+              </a:ext>
+            </a:extLst>
+          </p:cNvPr>
+          <p:cNvSpPr>
+            <a:spLocks noGrp="1"/>
+          </p:cNvSpPr>
+          <p:nvPr>
+            <p:ph type="title"/>
+          </p:nvPr>
+        </p:nvSpPr>
+        <p:spPr>
+          <a:xfrm>
+            <a:off x="609599" y="174039"/>
+            <a:ext cx="10515600" cy="1325563"/>
+          </a:xfrm>
+        </p:spPr>
+        <p:txBody>
+          <a:bodyPr>
+            <a:normAutofit/>
+          </a:bodyPr>
+          <a:lstStyle/>
+          <a:p>
+            <a:r>
+              <a:rPr lang="en-US" altLang="zh-TW" sz="3600" b="1" dirty="0">
+                <a:solidFill>
+                  <a:schemeClr val="bg1"/>
+                </a:solidFill>
+                <a:latin typeface="微軟正黑體" panose="020B0604030504040204" pitchFamily="34" charset="-120"/>
+                <a:ea typeface="微軟正黑體" panose="020B0604030504040204" pitchFamily="34" charset="-120"/>
+              </a:rPr>
+              <a:t>2.</a:t>
+            </a:r>
+            <a:r>
+              <a:rPr lang="zh-TW" altLang="en-US" sz="3600" b="1" dirty="0">
+                <a:solidFill>
+                  <a:schemeClr val="bg1"/>
+                </a:solidFill>
+                <a:latin typeface="微軟正黑體" panose="020B0604030504040204" pitchFamily="34" charset="-120"/>
+                <a:ea typeface="微軟正黑體" panose="020B0604030504040204" pitchFamily="34" charset="-120"/>
+              </a:rPr>
+              <a:t>阻礙</a:t>
+            </a:r>
+          </a:p>
+        </p:txBody>
+      </p:sp>
+      <p:pic>
+        <p:nvPicPr>
+          <p:cNvPr id="4" name="圖片 3">
+            <a:extLst>
+              <a:ext uri="{FF2B5EF4-FFF2-40B4-BE49-F238E27FC236}">
+                <a16:creationId xmlns:a16="http://schemas.microsoft.com/office/drawing/2014/main" id="{026E5C6B-EBD3-46C6-9F46-F18A4E858968}"/>
+              </a:ext>
+            </a:extLst>
+          </p:cNvPr>
+          <p:cNvPicPr>
+            <a:picLocks noChangeAspect="1"/>
+          </p:cNvPicPr>
+          <p:nvPr/>
+        </p:nvPicPr>
+        <p:blipFill>
+          <a:blip r:embed="rId3">
+            <a:extLst>
+              <a:ext uri="{28A0092B-C50C-407E-A947-70E740481C1C}">
+                <a14:useLocalDpi xmlns:a14="http://schemas.microsoft.com/office/drawing/2010/main" val="0"/>
+              </a:ext>
+            </a:extLst>
+          </a:blip>
+          <a:stretch>
+            <a:fillRect/>
+          </a:stretch>
+        </p:blipFill>
+        <p:spPr>
+          <a:xfrm>
+            <a:off x="609599" y="1203004"/>
+            <a:ext cx="5344753" cy="5344753"/>
+          </a:xfrm>
+          <a:prstGeom prst="rect">
+            <a:avLst/>
+          </a:prstGeom>
+        </p:spPr>
+      </p:pic>
+    </p:spTree>
+    <p:extLst>
+      <p:ext uri="{BB962C8B-B14F-4D97-AF65-F5344CB8AC3E}">
+        <p14:creationId xmlns:p14="http://schemas.microsoft.com/office/powerpoint/2010/main" val="2852483059"/>
+      </p:ext>
+    </p:extLst>
+  </p:cSld>
+  <p:clrMapOvr>
+    <a:masterClrMapping/>
+  </p:clrMapOvr>
+  <mc:AlternateContent xmlns:mc="http://schemas.openxmlformats.org/markup-compatibility/2006" xmlns:p159="http://schemas.microsoft.com/office/powerpoint/2015/09/main">
+    <mc:Choice Requires="p159">
+      <p:transition xmlns:p14="http://schemas.microsoft.com/office/powerpoint/2010/main" spd="slow" p14:dur="2000">
+        <p159:morph option="byObject"/>
+      </p:transition>
+    </mc:Choice>
+    <mc:Fallback xmlns="">
+      <p:transition spd="slow">
+        <p:fade/>
+      </p:transition>
+    </mc:Fallback>
+  </mc:AlternateContent>
+</p:sld>
+</file>
+
+<file path=ppt/slides/slide4.xml><?xml version="1.0" encoding="utf-8"?>
+<p:sld xmlns:a="http://schemas.openxmlformats.org/drawingml/2006/main" xmlns:r="http://schemas.openxmlformats.org/officeDocument/2006/relationships" xmlns:p="http://schemas.openxmlformats.org/presentationml/2006/main">
+  <p:cSld>
+    <p:spTree>
+      <p:nvGrpSpPr>
+        <p:cNvPr id="1" name=""/>
+        <p:cNvGrpSpPr/>
+        <p:nvPr/>
+      </p:nvGrpSpPr>
+      <p:grpSpPr>
+        <a:xfrm>
+          <a:off x="0" y="0"/>
+          <a:ext cx="0" cy="0"/>
+          <a:chOff x="0" y="0"/>
+          <a:chExt cx="0" cy="0"/>
+        </a:xfrm>
+      </p:grpSpPr>
+      <p:sp>
+        <p:nvSpPr>
+          <p:cNvPr id="2" name="標題 1">
+            <a:extLst>
+              <a:ext uri="{FF2B5EF4-FFF2-40B4-BE49-F238E27FC236}">
+                <a16:creationId xmlns:a16="http://schemas.microsoft.com/office/drawing/2014/main" id="{B8B5980C-6014-4E28-9346-3ACC9F99C280}"/>
+              </a:ext>
+            </a:extLst>
+          </p:cNvPr>
+          <p:cNvSpPr>
+            <a:spLocks noGrp="1"/>
+          </p:cNvSpPr>
+          <p:nvPr>
+            <p:ph type="title"/>
+          </p:nvPr>
+        </p:nvSpPr>
+        <p:spPr>
+          <a:xfrm>
+            <a:off x="560613" y="64362"/>
+            <a:ext cx="10515600" cy="1325563"/>
+          </a:xfrm>
+        </p:spPr>
+        <p:txBody>
+          <a:bodyPr>
+            <a:normAutofit/>
+          </a:bodyPr>
+          <a:lstStyle/>
+          <a:p>
+            <a:r>
+              <a:rPr lang="en-US" altLang="zh-TW" sz="3600" b="1" dirty="0">
+                <a:solidFill>
+                  <a:schemeClr val="bg1"/>
+                </a:solidFill>
+                <a:latin typeface="微軟正黑體" panose="020B0604030504040204" pitchFamily="34" charset="-120"/>
+                <a:ea typeface="微軟正黑體" panose="020B0604030504040204" pitchFamily="34" charset="-120"/>
+              </a:rPr>
+              <a:t>3.</a:t>
+            </a:r>
+            <a:r>
+              <a:rPr lang="zh-TW" altLang="en-US" sz="3600" b="1" dirty="0">
+                <a:solidFill>
+                  <a:schemeClr val="bg1"/>
+                </a:solidFill>
+                <a:latin typeface="微軟正黑體" panose="020B0604030504040204" pitchFamily="34" charset="-120"/>
+                <a:ea typeface="微軟正黑體" panose="020B0604030504040204" pitchFamily="34" charset="-120"/>
+              </a:rPr>
+              <a:t>努力</a:t>
+            </a:r>
+          </a:p>
+        </p:txBody>
+      </p:sp>
+      <p:pic>
+        <p:nvPicPr>
+          <p:cNvPr id="4" name="圖片 3">
+            <a:extLst>
+              <a:ext uri="{FF2B5EF4-FFF2-40B4-BE49-F238E27FC236}">
+                <a16:creationId xmlns:a16="http://schemas.microsoft.com/office/drawing/2014/main" id="{BB500E0C-C745-4842-AA35-0DA250AD68CC}"/>
+              </a:ext>
+            </a:extLst>
+          </p:cNvPr>
+          <p:cNvPicPr>
+            <a:picLocks noChangeAspect="1"/>
+          </p:cNvPicPr>
+          <p:nvPr/>
+        </p:nvPicPr>
+        <p:blipFill>
+          <a:blip r:embed="rId3">
+            <a:extLst>
+              <a:ext uri="{28A0092B-C50C-407E-A947-70E740481C1C}">
+                <a14:useLocalDpi xmlns:a14="http://schemas.microsoft.com/office/drawing/2010/main" val="0"/>
+              </a:ext>
+            </a:extLst>
+          </a:blip>
+          <a:stretch>
+            <a:fillRect/>
+          </a:stretch>
+        </p:blipFill>
+        <p:spPr>
+          <a:xfrm>
+            <a:off x="560613" y="1023176"/>
+            <a:ext cx="5487352" cy="5487352"/>
+          </a:xfrm>
+          <a:prstGeom prst="rect">
+            <a:avLst/>
+          </a:prstGeom>
+        </p:spPr>
+      </p:pic>
+    </p:spTree>
+    <p:extLst>
+      <p:ext uri="{BB962C8B-B14F-4D97-AF65-F5344CB8AC3E}">
+        <p14:creationId xmlns:p14="http://schemas.microsoft.com/office/powerpoint/2010/main" val="2350366621"/>
+      </p:ext>
+    </p:extLst>
+  </p:cSld>
+  <p:clrMapOvr>
+    <a:masterClrMapping/>
+  </p:clrMapOvr>
+  <mc:AlternateContent xmlns:mc="http://schemas.openxmlformats.org/markup-compatibility/2006" xmlns:p159="http://schemas.microsoft.com/office/powerpoint/2015/09/main">
+    <mc:Choice Requires="p159">
+      <p:transition xmlns:p14="http://schemas.microsoft.com/office/powerpoint/2010/main" spd="slow" p14:dur="2000">
+        <p159:morph option="byObject"/>
+      </p:transition>
+    </mc:Choice>
+    <mc:Fallback xmlns="">
+      <p:transition spd="slow">
+        <p:fade/>
+      </p:transition>
+    </mc:Fallback>
+  </mc:AlternateContent>
+</p:sld>
+</file>
+
+<file path=ppt/slides/slide5.xml><?xml version="1.0" encoding="utf-8"?>
+<p:sld xmlns:a="http://schemas.openxmlformats.org/drawingml/2006/main" xmlns:r="http://schemas.openxmlformats.org/officeDocument/2006/relationships" xmlns:p="http://schemas.openxmlformats.org/presentationml/2006/main">
+  <p:cSld>
+    <p:spTree>
+      <p:nvGrpSpPr>
+        <p:cNvPr id="1" name=""/>
+        <p:cNvGrpSpPr/>
+        <p:nvPr/>
+      </p:nvGrpSpPr>
+      <p:grpSpPr>
+        <a:xfrm>
+          <a:off x="0" y="0"/>
+          <a:ext cx="0" cy="0"/>
+          <a:chOff x="0" y="0"/>
+          <a:chExt cx="0" cy="0"/>
+        </a:xfrm>
+      </p:grpSpPr>
+      <p:sp>
+        <p:nvSpPr>
+          <p:cNvPr id="2" name="標題 1">
+            <a:extLst>
+              <a:ext uri="{FF2B5EF4-FFF2-40B4-BE49-F238E27FC236}">
+                <a16:creationId xmlns:a16="http://schemas.microsoft.com/office/drawing/2014/main" id="{B8B5980C-6014-4E28-9346-3ACC9F99C280}"/>
+              </a:ext>
+            </a:extLst>
+          </p:cNvPr>
+          <p:cNvSpPr>
+            <a:spLocks noGrp="1"/>
+          </p:cNvSpPr>
+          <p:nvPr>
+            <p:ph type="title"/>
+          </p:nvPr>
+        </p:nvSpPr>
+        <p:spPr>
+          <a:xfrm>
+            <a:off x="555172" y="0"/>
+            <a:ext cx="10515600" cy="1325563"/>
+          </a:xfrm>
+        </p:spPr>
+        <p:txBody>
+          <a:bodyPr>
+            <a:normAutofit/>
+          </a:bodyPr>
+          <a:lstStyle/>
+          <a:p>
+            <a:r>
+              <a:rPr lang="en-US" altLang="zh-TW" sz="3600" b="1" dirty="0">
+                <a:solidFill>
+                  <a:schemeClr val="bg1"/>
+                </a:solidFill>
+                <a:latin typeface="微軟正黑體" panose="020B0604030504040204" pitchFamily="34" charset="-120"/>
+                <a:ea typeface="微軟正黑體" panose="020B0604030504040204" pitchFamily="34" charset="-120"/>
+              </a:rPr>
+              <a:t>4.</a:t>
+            </a:r>
+            <a:r>
+              <a:rPr lang="zh-TW" altLang="en-US" sz="3600" b="1" dirty="0">
+                <a:solidFill>
+                  <a:schemeClr val="bg1"/>
+                </a:solidFill>
+                <a:latin typeface="微軟正黑體" panose="020B0604030504040204" pitchFamily="34" charset="-120"/>
+                <a:ea typeface="微軟正黑體" panose="020B0604030504040204" pitchFamily="34" charset="-120"/>
+              </a:rPr>
+              <a:t>結果</a:t>
+            </a:r>
+          </a:p>
+        </p:txBody>
+      </p:sp>
+      <p:pic>
+        <p:nvPicPr>
+          <p:cNvPr id="4" name="圖片 3">
+            <a:extLst>
+              <a:ext uri="{FF2B5EF4-FFF2-40B4-BE49-F238E27FC236}">
+                <a16:creationId xmlns:a16="http://schemas.microsoft.com/office/drawing/2014/main" id="{97E115C9-BCDE-4954-9583-04EF38A1425F}"/>
+              </a:ext>
+            </a:extLst>
+          </p:cNvPr>
+          <p:cNvPicPr>
+            <a:picLocks noChangeAspect="1"/>
+          </p:cNvPicPr>
+          <p:nvPr/>
+        </p:nvPicPr>
+        <p:blipFill>
+          <a:blip r:embed="rId3">
+            <a:extLst>
+              <a:ext uri="{28A0092B-C50C-407E-A947-70E740481C1C}">
+                <a14:useLocalDpi xmlns:a14="http://schemas.microsoft.com/office/drawing/2010/main" val="0"/>
+              </a:ext>
+            </a:extLst>
+          </a:blip>
+          <a:stretch>
+            <a:fillRect/>
+          </a:stretch>
+        </p:blipFill>
+        <p:spPr>
+          <a:xfrm>
+            <a:off x="555172" y="988559"/>
+            <a:ext cx="5559198" cy="5559198"/>
+          </a:xfrm>
+          <a:prstGeom prst="rect">
+            <a:avLst/>
+          </a:prstGeom>
+        </p:spPr>
+      </p:pic>
+    </p:spTree>
+    <p:extLst>
+      <p:ext uri="{BB962C8B-B14F-4D97-AF65-F5344CB8AC3E}">
+        <p14:creationId xmlns:p14="http://schemas.microsoft.com/office/powerpoint/2010/main" val="3556285058"/>
+      </p:ext>
+    </p:extLst>
+  </p:cSld>
+  <p:clrMapOvr>
+    <a:masterClrMapping/>
+  </p:clrMapOvr>
+  <mc:AlternateContent xmlns:mc="http://schemas.openxmlformats.org/markup-compatibility/2006" xmlns:p159="http://schemas.microsoft.com/office/powerpoint/2015/09/main">
+    <mc:Choice Requires="p159">
+      <p:transition xmlns:p14="http://schemas.microsoft.com/office/powerpoint/2010/main" spd="slow" p14:dur="2000">
+        <p159:morph option="byObject"/>
+      </p:transition>
+    </mc:Choice>
+    <mc:Fallback xmlns="">
+      <p:transition spd="slow">
+        <p:fade/>
+      </p:transition>
+    </mc:Fallback>
+  </mc:AlternateContent>
+</p:sld>
+</file>
+
+<file path=ppt/slides/slide6.xml><?xml version="1.0" encoding="utf-8"?>
+<p:sld xmlns:a="http://schemas.openxmlformats.org/drawingml/2006/main" xmlns:r="http://schemas.openxmlformats.org/officeDocument/2006/relationships" xmlns:p="http://schemas.openxmlformats.org/presentationml/2006/main">
+  <p:cSld>
+    <p:spTree>
+      <p:nvGrpSpPr>
+        <p:cNvPr id="1" name=""/>
+        <p:cNvGrpSpPr/>
+        <p:nvPr/>
+      </p:nvGrpSpPr>
+      <p:grpSpPr>
+        <a:xfrm>
+          <a:off x="0" y="0"/>
+          <a:ext cx="0" cy="0"/>
+          <a:chOff x="0" y="0"/>
+          <a:chExt cx="0" cy="0"/>
+        </a:xfrm>
+      </p:grpSpPr>
+      <p:sp>
+        <p:nvSpPr>
+          <p:cNvPr id="2" name="標題 1">
+            <a:extLst>
+              <a:ext uri="{FF2B5EF4-FFF2-40B4-BE49-F238E27FC236}">
+                <a16:creationId xmlns:a16="http://schemas.microsoft.com/office/drawing/2014/main" id="{B8B5980C-6014-4E28-9346-3ACC9F99C280}"/>
+              </a:ext>
+            </a:extLst>
+          </p:cNvPr>
+          <p:cNvSpPr>
+            <a:spLocks noGrp="1"/>
+          </p:cNvSpPr>
+          <p:nvPr>
+            <p:ph type="title"/>
+          </p:nvPr>
+        </p:nvSpPr>
+        <p:spPr>
+          <a:xfrm>
+            <a:off x="609599" y="-75747"/>
+            <a:ext cx="10515600" cy="1325563"/>
+          </a:xfrm>
+        </p:spPr>
+        <p:txBody>
+          <a:bodyPr>
+            <a:normAutofit/>
+          </a:bodyPr>
+          <a:lstStyle/>
+          <a:p>
+            <a:r>
+              <a:rPr lang="en-US" altLang="zh-TW" sz="3600" b="1" dirty="0">
+                <a:solidFill>
+                  <a:schemeClr val="bg1"/>
+                </a:solidFill>
+                <a:latin typeface="微軟正黑體" panose="020B0604030504040204" pitchFamily="34" charset="-120"/>
+                <a:ea typeface="微軟正黑體" panose="020B0604030504040204" pitchFamily="34" charset="-120"/>
+              </a:rPr>
+              <a:t>5.</a:t>
+            </a:r>
+            <a:r>
+              <a:rPr lang="zh-TW" altLang="en-US" sz="3600" b="1" dirty="0">
+                <a:solidFill>
+                  <a:schemeClr val="bg1"/>
+                </a:solidFill>
+                <a:latin typeface="微軟正黑體" panose="020B0604030504040204" pitchFamily="34" charset="-120"/>
+                <a:ea typeface="微軟正黑體" panose="020B0604030504040204" pitchFamily="34" charset="-120"/>
+              </a:rPr>
+              <a:t>意外</a:t>
+            </a:r>
+          </a:p>
+        </p:txBody>
+      </p:sp>
+      <p:pic>
+        <p:nvPicPr>
+          <p:cNvPr id="4" name="圖片 3">
+            <a:extLst>
+              <a:ext uri="{FF2B5EF4-FFF2-40B4-BE49-F238E27FC236}">
+                <a16:creationId xmlns:a16="http://schemas.microsoft.com/office/drawing/2014/main" id="{FECA537D-70CE-4150-8D2B-36595D22A6AC}"/>
+              </a:ext>
+            </a:extLst>
+          </p:cNvPr>
+          <p:cNvPicPr>
+            <a:picLocks noChangeAspect="1"/>
+          </p:cNvPicPr>
+          <p:nvPr/>
+        </p:nvPicPr>
+        <p:blipFill>
+          <a:blip r:embed="rId3">
+            <a:extLst>
+              <a:ext uri="{28A0092B-C50C-407E-A947-70E740481C1C}">
+                <a14:useLocalDpi xmlns:a14="http://schemas.microsoft.com/office/drawing/2010/main" val="0"/>
+              </a:ext>
+            </a:extLst>
+          </a:blip>
+          <a:stretch>
+            <a:fillRect/>
+          </a:stretch>
+        </p:blipFill>
+        <p:spPr>
+          <a:xfrm>
+            <a:off x="609598" y="1004887"/>
+            <a:ext cx="5493883" cy="5493883"/>
+          </a:xfrm>
+          <a:prstGeom prst="rect">
+            <a:avLst/>
+          </a:prstGeom>
+        </p:spPr>
+      </p:pic>
+    </p:spTree>
+    <p:extLst>
+      <p:ext uri="{BB962C8B-B14F-4D97-AF65-F5344CB8AC3E}">
+        <p14:creationId xmlns:p14="http://schemas.microsoft.com/office/powerpoint/2010/main" val="2307363908"/>
+      </p:ext>
+    </p:extLst>
+  </p:cSld>
+  <p:clrMapOvr>
+    <a:masterClrMapping/>
+  </p:clrMapOvr>
+  <mc:AlternateContent xmlns:mc="http://schemas.openxmlformats.org/markup-compatibility/2006" xmlns:p159="http://schemas.microsoft.com/office/powerpoint/2015/09/main">
+    <mc:Choice Requires="p159">
+      <p:transition xmlns:p14="http://schemas.microsoft.com/office/powerpoint/2010/main" spd="slow" p14:dur="2000">
+        <p159:morph option="byObject"/>
+      </p:transition>
+    </mc:Choice>
+    <mc:Fallback xmlns="">
+      <p:transition spd="slow">
+        <p:fade/>
+      </p:transition>
+    </mc:Fallback>
+  </mc:AlternateContent>
+</p:sld>
+</file>
+
+<file path=ppt/slides/slide7.xml><?xml version="1.0" encoding="utf-8"?>
+<p:sld xmlns:a="http://schemas.openxmlformats.org/drawingml/2006/main" xmlns:r="http://schemas.openxmlformats.org/officeDocument/2006/relationships" xmlns:p="http://schemas.openxmlformats.org/presentationml/2006/main">
+  <p:cSld>
+    <p:spTree>
+      <p:nvGrpSpPr>
+        <p:cNvPr id="1" name=""/>
+        <p:cNvGrpSpPr/>
+        <p:nvPr/>
+      </p:nvGrpSpPr>
+      <p:grpSpPr>
+        <a:xfrm>
+          <a:off x="0" y="0"/>
+          <a:ext cx="0" cy="0"/>
+          <a:chOff x="0" y="0"/>
+          <a:chExt cx="0" cy="0"/>
+        </a:xfrm>
+      </p:grpSpPr>
+      <p:sp>
+        <p:nvSpPr>
+          <p:cNvPr id="2" name="標題 1">
+            <a:extLst>
+              <a:ext uri="{FF2B5EF4-FFF2-40B4-BE49-F238E27FC236}">
+                <a16:creationId xmlns:a16="http://schemas.microsoft.com/office/drawing/2014/main" id="{B8B5980C-6014-4E28-9346-3ACC9F99C280}"/>
+              </a:ext>
+            </a:extLst>
+          </p:cNvPr>
+          <p:cNvSpPr>
+            <a:spLocks noGrp="1"/>
+          </p:cNvSpPr>
+          <p:nvPr>
+            <p:ph type="title"/>
+          </p:nvPr>
+        </p:nvSpPr>
+        <p:spPr>
+          <a:xfrm>
+            <a:off x="487816" y="0"/>
+            <a:ext cx="10515600" cy="1325563"/>
+          </a:xfrm>
+        </p:spPr>
+        <p:txBody>
+          <a:bodyPr>
+            <a:normAutofit/>
+          </a:bodyPr>
+          <a:lstStyle/>
+          <a:p>
+            <a:r>
+              <a:rPr lang="en-US" altLang="zh-TW" sz="3600" b="1" dirty="0">
+                <a:solidFill>
+                  <a:schemeClr val="bg1"/>
+                </a:solidFill>
+                <a:latin typeface="微軟正黑體" panose="020B0604030504040204" pitchFamily="34" charset="-120"/>
+                <a:ea typeface="微軟正黑體" panose="020B0604030504040204" pitchFamily="34" charset="-120"/>
+              </a:rPr>
+              <a:t>6.</a:t>
+            </a:r>
+            <a:r>
+              <a:rPr lang="zh-TW" altLang="en-US" sz="3600" b="1" dirty="0">
+                <a:solidFill>
+                  <a:schemeClr val="bg1"/>
+                </a:solidFill>
+                <a:latin typeface="微軟正黑體" panose="020B0604030504040204" pitchFamily="34" charset="-120"/>
+                <a:ea typeface="微軟正黑體" panose="020B0604030504040204" pitchFamily="34" charset="-120"/>
+              </a:rPr>
+              <a:t>轉彎</a:t>
+            </a:r>
+          </a:p>
+        </p:txBody>
+      </p:sp>
+      <p:pic>
+        <p:nvPicPr>
+          <p:cNvPr id="4" name="圖片 3">
+            <a:extLst>
+              <a:ext uri="{FF2B5EF4-FFF2-40B4-BE49-F238E27FC236}">
+                <a16:creationId xmlns:a16="http://schemas.microsoft.com/office/drawing/2014/main" id="{3226556B-6532-42FA-B38A-0C03F8501EDD}"/>
+              </a:ext>
+            </a:extLst>
+          </p:cNvPr>
+          <p:cNvPicPr>
+            <a:picLocks noChangeAspect="1"/>
+          </p:cNvPicPr>
+          <p:nvPr/>
+        </p:nvPicPr>
+        <p:blipFill>
+          <a:blip r:embed="rId3">
+            <a:extLst>
+              <a:ext uri="{28A0092B-C50C-407E-A947-70E740481C1C}">
+                <a14:useLocalDpi xmlns:a14="http://schemas.microsoft.com/office/drawing/2010/main" val="0"/>
+              </a:ext>
+            </a:extLst>
+          </a:blip>
+          <a:stretch>
+            <a:fillRect/>
+          </a:stretch>
+        </p:blipFill>
+        <p:spPr>
+          <a:xfrm>
+            <a:off x="487816" y="939574"/>
+            <a:ext cx="5640840" cy="5640840"/>
+          </a:xfrm>
+          <a:prstGeom prst="rect">
+            <a:avLst/>
+          </a:prstGeom>
+        </p:spPr>
+      </p:pic>
+    </p:spTree>
+    <p:extLst>
+      <p:ext uri="{BB962C8B-B14F-4D97-AF65-F5344CB8AC3E}">
+        <p14:creationId xmlns:p14="http://schemas.microsoft.com/office/powerpoint/2010/main" val="4184382696"/>
+      </p:ext>
+    </p:extLst>
+  </p:cSld>
+  <p:clrMapOvr>
+    <a:masterClrMapping/>
+  </p:clrMapOvr>
+  <mc:AlternateContent xmlns:mc="http://schemas.openxmlformats.org/markup-compatibility/2006" xmlns:p159="http://schemas.microsoft.com/office/powerpoint/2015/09/main">
+    <mc:Choice Requires="p159">
+      <p:transition xmlns:p14="http://schemas.microsoft.com/office/powerpoint/2010/main" spd="slow" p14:dur="2000">
+        <p159:morph option="byObject"/>
+      </p:transition>
+    </mc:Choice>
+    <mc:Fallback xmlns="">
+      <p:transition spd="slow">
+        <p:fade/>
+      </p:transition>
+    </mc:Fallback>
+  </mc:AlternateContent>
+</p:sld>
+</file>
+
+<file path=ppt/slides/slide8.xml><?xml version="1.0" encoding="utf-8"?>
+<p:sld xmlns:a="http://schemas.openxmlformats.org/drawingml/2006/main" xmlns:r="http://schemas.openxmlformats.org/officeDocument/2006/relationships" xmlns:p="http://schemas.openxmlformats.org/presentationml/2006/main">
+  <p:cSld>
+    <p:spTree>
+      <p:nvGrpSpPr>
+        <p:cNvPr id="1" name=""/>
+        <p:cNvGrpSpPr/>
+        <p:nvPr/>
+      </p:nvGrpSpPr>
+      <p:grpSpPr>
+        <a:xfrm>
+          <a:off x="0" y="0"/>
+          <a:ext cx="0" cy="0"/>
+          <a:chOff x="0" y="0"/>
+          <a:chExt cx="0" cy="0"/>
+        </a:xfrm>
+      </p:grpSpPr>
+      <p:sp>
+        <p:nvSpPr>
+          <p:cNvPr id="2" name="標題 1">
+            <a:extLst>
+              <a:ext uri="{FF2B5EF4-FFF2-40B4-BE49-F238E27FC236}">
+                <a16:creationId xmlns:a16="http://schemas.microsoft.com/office/drawing/2014/main" id="{B8B5980C-6014-4E28-9346-3ACC9F99C280}"/>
+              </a:ext>
+            </a:extLst>
+          </p:cNvPr>
+          <p:cNvSpPr>
+            <a:spLocks noGrp="1"/>
+          </p:cNvSpPr>
+          <p:nvPr>
+            <p:ph type="title"/>
+          </p:nvPr>
+        </p:nvSpPr>
+        <p:spPr>
+          <a:xfrm>
+            <a:off x="576943" y="0"/>
+            <a:ext cx="10515600" cy="1325563"/>
+          </a:xfrm>
+        </p:spPr>
+        <p:txBody>
+          <a:bodyPr>
+            <a:normAutofit/>
+          </a:bodyPr>
+          <a:lstStyle/>
+          <a:p>
+            <a:r>
+              <a:rPr lang="en-US" altLang="zh-TW" sz="3600" b="1" dirty="0">
+                <a:solidFill>
+                  <a:schemeClr val="bg1"/>
+                </a:solidFill>
+                <a:latin typeface="微軟正黑體" panose="020B0604030504040204" pitchFamily="34" charset="-120"/>
+                <a:ea typeface="微軟正黑體" panose="020B0604030504040204" pitchFamily="34" charset="-120"/>
+              </a:rPr>
+              <a:t>7.</a:t>
+            </a:r>
+            <a:r>
+              <a:rPr lang="zh-TW" altLang="en-US" sz="3600" b="1" dirty="0">
+                <a:solidFill>
+                  <a:schemeClr val="bg1"/>
+                </a:solidFill>
+                <a:latin typeface="微軟正黑體" panose="020B0604030504040204" pitchFamily="34" charset="-120"/>
+                <a:ea typeface="微軟正黑體" panose="020B0604030504040204" pitchFamily="34" charset="-120"/>
+              </a:rPr>
+              <a:t>結局</a:t>
+            </a:r>
+          </a:p>
+        </p:txBody>
+      </p:sp>
+      <p:pic>
+        <p:nvPicPr>
+          <p:cNvPr id="4" name="圖片 3">
+            <a:extLst>
+              <a:ext uri="{FF2B5EF4-FFF2-40B4-BE49-F238E27FC236}">
+                <a16:creationId xmlns:a16="http://schemas.microsoft.com/office/drawing/2014/main" id="{3DD4B9B7-268D-4F6B-9F5C-5D4842AD5EC3}"/>
+              </a:ext>
+            </a:extLst>
+          </p:cNvPr>
+          <p:cNvPicPr>
+            <a:picLocks noChangeAspect="1"/>
+          </p:cNvPicPr>
+          <p:nvPr/>
+        </p:nvPicPr>
+        <p:blipFill>
+          <a:blip r:embed="rId3">
+            <a:extLst>
+              <a:ext uri="{28A0092B-C50C-407E-A947-70E740481C1C}">
+                <a14:useLocalDpi xmlns:a14="http://schemas.microsoft.com/office/drawing/2010/main" val="0"/>
+              </a:ext>
+            </a:extLst>
+          </a:blip>
+          <a:stretch>
+            <a:fillRect/>
+          </a:stretch>
+        </p:blipFill>
+        <p:spPr>
+          <a:xfrm>
+            <a:off x="576943" y="1070203"/>
+            <a:ext cx="5591854" cy="5591854"/>
+          </a:xfrm>
+          <a:prstGeom prst="rect">
+            <a:avLst/>
+          </a:prstGeom>
+        </p:spPr>
+      </p:pic>
+    </p:spTree>
+    <p:extLst>
+      <p:ext uri="{BB962C8B-B14F-4D97-AF65-F5344CB8AC3E}">
+        <p14:creationId xmlns:p14="http://schemas.microsoft.com/office/powerpoint/2010/main" val="3878880682"/>
+      </p:ext>
+    </p:extLst>
+  </p:cSld>
+  <p:clrMapOvr>
+    <a:masterClrMapping/>
+  </p:clrMapOvr>
+  <mc:AlternateContent xmlns:mc="http://schemas.openxmlformats.org/markup-compatibility/2006" xmlns:p159="http://schemas.microsoft.com/office/powerpoint/2015/09/main">
+    <mc:Choice Requires="p159">
+      <p:transition xmlns:p14="http://schemas.microsoft.com/office/powerpoint/2010/main" spd="slow" p14:dur="2000">
+        <p159:morph option="byObject"/>
+      </p:transition>
+    </mc:Choice>
+    <mc:Fallback xmlns="">
+      <p:transition spd="slow">
+        <p:fade/>
+      </p:transition>
+    </mc:Fallback>
+  </mc:AlternateContent>
 </p:sld>
 </file>
 
 <file path=ppt/theme/theme1.xml><?xml version="1.0" encoding="utf-8"?>
+<a:theme xmlns:a="http://schemas.openxmlformats.org/drawingml/2006/main" name="Office Theme">
+  <a:themeElements>
+    <a:clrScheme name="Office 佈景主題">
+      <a:dk1>
+        <a:sysClr val="windowText" lastClr="000000"/>
+      </a:dk1>
+      <a:lt1>
+        <a:sysClr val="window" lastClr="FFFFFF"/>
+      </a:lt1>
+      <a:dk2>
+        <a:srgbClr val="44546A"/>
+      </a:dk2>
+      <a:lt2>
+        <a:srgbClr val="E7E6E6"/>
+      </a:lt2>
+      <a:accent1>
+        <a:srgbClr val="4472C4"/>
+      </a:accent1>
+      <a:accent2>
+        <a:srgbClr val="ED7D31"/>
+      </a:accent2>
+      <a:accent3>
+        <a:srgbClr val="A5A5A5"/>
+      </a:accent3>
+      <a:accent4>
+        <a:srgbClr val="FFC000"/>
+      </a:accent4>
+      <a:accent5>
+        <a:srgbClr val="5B9BD5"/>
+      </a:accent5>
+      <a:accent6>
+        <a:srgbClr val="70AD47"/>
+      </a:accent6>
+      <a:hlink>
+        <a:srgbClr val="0563C1"/>
+      </a:hlink>
+      <a:folHlink>
+        <a:srgbClr val="954F72"/>
+      </a:folHlink>
+    </a:clrScheme>
+    <a:fontScheme name="Office 佈景主題">
+      <a:majorFont>
+        <a:latin typeface="Calibri Light" panose="020F0302020204030204"/>
+        <a:ea typeface=""/>
+        <a:cs typeface=""/>
+        <a:font script="Jpan" typeface="游ゴシック Light"/>
+        <a:font script="Hang" typeface="맑은 고딕"/>
+        <a:font script="Hans" typeface="等线 Light"/>
+        <a:font script="Hant" typeface="新細明體"/>
+        <a:font script="Arab" typeface="Times New Roman"/>
+        <a:font script="Hebr" typeface="Times New Roman"/>
+        <a:font script="Thai" typeface="Angsana New"/>
+        <a:font script="Ethi" typeface="Nyala"/>
+        <a:font script="Beng" typeface="Vrinda"/>
+        <a:font script="Gujr" typeface="Shruti"/>
+        <a:font script="Khmr" typeface="MoolBoran"/>
+        <a:font script="Knda" typeface="Tunga"/>
+        <a:font script="Guru" typeface="Raavi"/>
+        <a:font script="Cans" typeface="Euphemia"/>
+        <a:font script="Cher" typeface="Plantagenet Cherokee"/>
+        <a:font script="Yiii" typeface="Microsoft Yi Baiti"/>
+        <a:font script="Tibt" typeface="Microsoft Himalaya"/>
+        <a:font script="Thaa" typeface="MV Boli"/>
+        <a:font script="Deva" typeface="Mangal"/>
+        <a:font script="Telu" typeface="Gautami"/>
+        <a:font script="Taml" typeface="Latha"/>
+        <a:font script="Syrc" typeface="Estrangelo Edessa"/>
+        <a:font script="Orya" typeface="Kalinga"/>
+        <a:font script="Mlym" typeface="Kartika"/>
+        <a:font script="Laoo" typeface="DokChampa"/>
+        <a:font script="Sinh" typeface="Iskoola Pota"/>
+        <a:font script="Mong" typeface="Mongolian Baiti"/>
+        <a:font script="Viet" typeface="Times New Roman"/>
+        <a:font script="Uigh" typeface="Microsoft Uighur"/>
+        <a:font script="Geor" typeface="Sylfaen"/>
+      </a:majorFont>
+      <a:minorFont>
+        <a:latin typeface="Calibri" panose="020F0502020204030204"/>
+        <a:ea typeface=""/>
+        <a:cs typeface=""/>
+        <a:font script="Jpan" typeface="游ゴシック"/>
+        <a:font script="Hang" typeface="맑은 고딕"/>
+        <a:font script="Hans" typeface="等线"/>
+        <a:font script="Hant" typeface="新細明體"/>
+        <a:font script="Arab" typeface="Arial"/>
+        <a:font script="Hebr" typeface="Arial"/>
+        <a:font script="Thai" typeface="Cordia New"/>
+        <a:font script="Ethi" typeface="Nyala"/>
+        <a:font script="Beng" typeface="Vrinda"/>
+        <a:font script="Gujr" typeface="Shruti"/>
+        <a:font script="Khmr" typeface="DaunPenh"/>
+        <a:font script="Knda" typeface="Tunga"/>
+        <a:font script="Guru" typeface="Raavi"/>
+        <a:font script="Cans" typeface="Euphemia"/>
+        <a:font script="Cher" typeface="Plantagenet Cherokee"/>
+        <a:font script="Yiii" typeface="Microsoft Yi Baiti"/>
+        <a:font script="Tibt" typeface="Microsoft Himalaya"/>
+        <a:font script="Thaa" typeface="MV Boli"/>
+        <a:font script="Deva" typeface="Mangal"/>
+        <a:font script="Telu" typeface="Gautami"/>
+        <a:font script="Taml" typeface="Latha"/>
+        <a:font script="Syrc" typeface="Estrangelo Edessa"/>
+        <a:font script="Orya" typeface="Kalinga"/>
+        <a:font script="Mlym" typeface="Kartika"/>
+        <a:font script="Laoo" typeface="DokChampa"/>
+        <a:font script="Sinh" typeface="Iskoola Pota"/>
+        <a:font script="Mong" typeface="Mongolian Baiti"/>
+        <a:font script="Viet" typeface="Arial"/>
+        <a:font script="Uigh" typeface="Microsoft Uighur"/>
+        <a:font script="Geor" typeface="Sylfaen"/>
+      </a:minorFont>
+    </a:fontScheme>
+    <a:fmtScheme name="Office 佈景主題">
+      <a:fillStyleLst>
+        <a:solidFill>
+          <a:schemeClr val="phClr"/>
+        </a:solidFill>
+        <a:gradFill rotWithShape="1">
+          <a:gsLst>
+            <a:gs pos="0">
+              <a:schemeClr val="phClr">
+                <a:lumMod val="110000"/>
+                <a:satMod val="105000"/>
+                <a:tint val="67000"/>
+              </a:schemeClr>
+            </a:gs>
+            <a:gs pos="50000">
+              <a:schemeClr val="phClr">
+                <a:lumMod val="105000"/>
+                <a:satMod val="103000"/>
+                <a:tint val="73000"/>
+              </a:schemeClr>
+            </a:gs>
+            <a:gs pos="100000">
+              <a:schemeClr val="phClr">
+                <a:lumMod val="105000"/>
+                <a:satMod val="109000"/>
+                <a:tint val="81000"/>
+              </a:schemeClr>
+            </a:gs>
+          </a:gsLst>
+          <a:lin ang="5400000" scaled="0"/>
+        </a:gradFill>
+        <a:gradFill rotWithShape="1">
+          <a:gsLst>
+            <a:gs pos="0">
+              <a:schemeClr val="phClr">
+                <a:satMod val="103000"/>
+                <a:lumMod val="102000"/>
+                <a:tint val="94000"/>
+              </a:schemeClr>
+            </a:gs>
+            <a:gs pos="50000">
+              <a:schemeClr val="phClr">
+                <a:satMod val="110000"/>
+                <a:lumMod val="100000"/>
+                <a:shade val="100000"/>
+              </a:schemeClr>
+            </a:gs>
+            <a:gs pos="100000">
+              <a:schemeClr val="phClr">
+                <a:lumMod val="99000"/>
+                <a:satMod val="120000"/>
+                <a:shade val="78000"/>
+              </a:schemeClr>
+            </a:gs>
+          </a:gsLst>
+          <a:lin ang="5400000" scaled="0"/>
+        </a:gradFill>
+      </a:fillStyleLst>
+      <a:lnStyleLst>
+        <a:ln w="6350" cap="flat" cmpd="sng" algn="ctr">
+          <a:solidFill>
+            <a:schemeClr val="phClr"/>
+          </a:solidFill>
+          <a:prstDash val="solid"/>
+          <a:miter lim="800000"/>
+        </a:ln>
+        <a:ln w="12700" cap="flat" cmpd="sng" algn="ctr">
+          <a:solidFill>
+            <a:schemeClr val="phClr"/>
+          </a:solidFill>
+          <a:prstDash val="solid"/>
+          <a:miter lim="800000"/>
+        </a:ln>
+        <a:ln w="19050" cap="flat" cmpd="sng" algn="ctr">
+          <a:solidFill>
+            <a:schemeClr val="phClr"/>
+          </a:solidFill>
+          <a:prstDash val="solid"/>
+          <a:miter lim="800000"/>
+        </a:ln>
+      </a:lnStyleLst>
+      <a:effectStyleLst>
+        <a:effectStyle>
+          <a:effectLst/>
+        </a:effectStyle>
+        <a:effectStyle>
+          <a:effectLst/>
+        </a:effectStyle>
+        <a:effectStyle>
+          <a:effectLst>
+            <a:outerShdw blurRad="57150" dist="19050" dir="5400000" algn="ctr" rotWithShape="0">
+              <a:srgbClr val="000000">
+                <a:alpha val="63000"/>
+              </a:srgbClr>
+            </a:outerShdw>
+          </a:effectLst>
+        </a:effectStyle>
+      </a:effectStyleLst>
+      <a:bgFillStyleLst>
+        <a:solidFill>
+          <a:schemeClr val="phClr"/>
+        </a:solidFill>
+        <a:solidFill>
+          <a:schemeClr val="phClr">
+            <a:tint val="95000"/>
+            <a:satMod val="170000"/>
+          </a:schemeClr>
+        </a:solidFill>
+        <a:gradFill rotWithShape="1">
+          <a:gsLst>
+            <a:gs pos="0">
+              <a:schemeClr val="phClr">
+                <a:tint val="93000"/>
+                <a:satMod val="150000"/>
+                <a:shade val="98000"/>
+                <a:lumMod val="102000"/>
+              </a:schemeClr>
+            </a:gs>
+            <a:gs pos="50000">
+              <a:schemeClr val="phClr">
+                <a:tint val="98000"/>
+                <a:satMod val="130000"/>
+                <a:shade val="90000"/>
+                <a:lumMod val="103000"/>
+              </a:schemeClr>
+            </a:gs>
+            <a:gs pos="100000">
+              <a:schemeClr val="phClr">
+                <a:shade val="63000"/>
+                <a:satMod val="120000"/>
+              </a:schemeClr>
+            </a:gs>
+          </a:gsLst>
+          <a:lin ang="5400000" scaled="0"/>
+        </a:gradFill>
+      </a:bgFillStyleLst>
+    </a:fmtScheme>
+  </a:themeElements>
+  <a:objectDefaults/>
+  <a:extraClrSchemeLst/>
+  <a:extLst>
+    <a:ext uri="{05A4C25C-085E-4340-85A3-A5531E510DB2}">
+      <thm15:themeFamily xmlns:thm15="http://schemas.microsoft.com/office/thememl/2012/main" name="Office Theme" id="{62F939B6-93AF-4DB8-9C6B-D6C7DFDC589F}" vid="{4F46216B-77A9-411A-B9D3-5023FCB70208}"/>
+    </a:ext>
+  </a:extLst>
+</a:theme>
+</file>
+
+<file path=ppt/theme/theme2.xml><?xml version="1.0" encoding="utf-8"?>
 <a:theme xmlns:a="http://schemas.openxmlformats.org/drawingml/2006/main" name="Office 佈景主題">
   <a:themeElements>
     <a:clrScheme name="Office">
@@ -3677,4 +5788,286 @@
     </a:ext>
   </a:extLst>
 </a:theme>
+</file>
+
+<file path=customXml/item1.xml><?xml version="1.0" encoding="utf-8"?>
+<ct:contentTypeSchema xmlns:ct="http://schemas.microsoft.com/office/2006/metadata/contentType" xmlns:ma="http://schemas.microsoft.com/office/2006/metadata/properties/metaAttributes" ct:_="" ma:_="" ma:contentTypeName="文件" ma:contentTypeID="0x0101004EF953AA2F0E2346A4F7E2DD5ABD6396" ma:contentTypeVersion="13" ma:contentTypeDescription="建立新的文件。" ma:contentTypeScope="" ma:versionID="b7599c2e467fa58401d991b8f201c0a9">
+  <xsd:schema xmlns:xsd="http://www.w3.org/2001/XMLSchema" xmlns:xs="http://www.w3.org/2001/XMLSchema" xmlns:p="http://schemas.microsoft.com/office/2006/metadata/properties" xmlns:ns3="16d3090d-5510-419c-b2d5-4f2ae6c1f18a" xmlns:ns4="70ba9242-6892-4026-b5b7-834850ea2010" targetNamespace="http://schemas.microsoft.com/office/2006/metadata/properties" ma:root="true" ma:fieldsID="24f2fa75a34729b9841e89252491874f" ns3:_="" ns4:_="">
+    <xsd:import namespace="16d3090d-5510-419c-b2d5-4f2ae6c1f18a"/>
+    <xsd:import namespace="70ba9242-6892-4026-b5b7-834850ea2010"/>
+    <xsd:element name="properties">
+      <xsd:complexType>
+        <xsd:sequence>
+          <xsd:element name="documentManagement">
+            <xsd:complexType>
+              <xsd:all>
+                <xsd:element ref="ns3:MediaServiceMetadata" minOccurs="0"/>
+                <xsd:element ref="ns3:MediaServiceFastMetadata" minOccurs="0"/>
+                <xsd:element ref="ns3:MediaServiceObjectDetectorVersions" minOccurs="0"/>
+                <xsd:element ref="ns3:_activity" minOccurs="0"/>
+                <xsd:element ref="ns4:SharedWithUsers" minOccurs="0"/>
+                <xsd:element ref="ns4:SharedWithDetails" minOccurs="0"/>
+                <xsd:element ref="ns4:SharingHintHash" minOccurs="0"/>
+                <xsd:element ref="ns3:MediaServiceSystemTags" minOccurs="0"/>
+                <xsd:element ref="ns3:MediaServiceOCR" minOccurs="0"/>
+                <xsd:element ref="ns3:MediaServiceGenerationTime" minOccurs="0"/>
+                <xsd:element ref="ns3:MediaServiceEventHashCode" minOccurs="0"/>
+                <xsd:element ref="ns3:MediaServiceDateTaken" minOccurs="0"/>
+                <xsd:element ref="ns3:MediaServiceSearchProperties" minOccurs="0"/>
+              </xsd:all>
+            </xsd:complexType>
+          </xsd:element>
+        </xsd:sequence>
+      </xsd:complexType>
+    </xsd:element>
+  </xsd:schema>
+  <xsd:schema xmlns:xsd="http://www.w3.org/2001/XMLSchema" xmlns:xs="http://www.w3.org/2001/XMLSchema" xmlns:dms="http://schemas.microsoft.com/office/2006/documentManagement/types" xmlns:pc="http://schemas.microsoft.com/office/infopath/2007/PartnerControls" targetNamespace="16d3090d-5510-419c-b2d5-4f2ae6c1f18a" elementFormDefault="qualified">
+    <xsd:import namespace="http://schemas.microsoft.com/office/2006/documentManagement/types"/>
+    <xsd:import namespace="http://schemas.microsoft.com/office/infopath/2007/PartnerControls"/>
+    <xsd:element name="MediaServiceMetadata" ma:index="8" nillable="true" ma:displayName="MediaServiceMetadata" ma:hidden="true" ma:internalName="MediaServiceMetadata" ma:readOnly="true">
+      <xsd:simpleType>
+        <xsd:restriction base="dms:Note"/>
+      </xsd:simpleType>
+    </xsd:element>
+    <xsd:element name="MediaServiceFastMetadata" ma:index="9" nillable="true" ma:displayName="MediaServiceFastMetadata" ma:hidden="true" ma:internalName="MediaServiceFastMetadata" ma:readOnly="true">
+      <xsd:simpleType>
+        <xsd:restriction base="dms:Note"/>
+      </xsd:simpleType>
+    </xsd:element>
+    <xsd:element name="MediaServiceObjectDetectorVersions" ma:index="10" nillable="true" ma:displayName="MediaServiceObjectDetectorVersions" ma:hidden="true" ma:indexed="true" ma:internalName="MediaServiceObjectDetectorVersions" ma:readOnly="true">
+      <xsd:simpleType>
+        <xsd:restriction base="dms:Text"/>
+      </xsd:simpleType>
+    </xsd:element>
+    <xsd:element name="_activity" ma:index="11" nillable="true" ma:displayName="_activity" ma:hidden="true" ma:internalName="_activity">
+      <xsd:simpleType>
+        <xsd:restriction base="dms:Note"/>
+      </xsd:simpleType>
+    </xsd:element>
+    <xsd:element name="MediaServiceSystemTags" ma:index="15" nillable="true" ma:displayName="MediaServiceSystemTags" ma:hidden="true" ma:internalName="MediaServiceSystemTags" ma:readOnly="true">
+      <xsd:simpleType>
+        <xsd:restriction base="dms:Note"/>
+      </xsd:simpleType>
+    </xsd:element>
+    <xsd:element name="MediaServiceOCR" ma:index="16" nillable="true" ma:displayName="Extracted Text" ma:internalName="MediaServiceOCR" ma:readOnly="true">
+      <xsd:simpleType>
+        <xsd:restriction base="dms:Note">
+          <xsd:maxLength value="255"/>
+        </xsd:restriction>
+      </xsd:simpleType>
+    </xsd:element>
+    <xsd:element name="MediaServiceGenerationTime" ma:index="17" nillable="true" ma:displayName="MediaServiceGenerationTime" ma:hidden="true" ma:internalName="MediaServiceGenerationTime" ma:readOnly="true">
+      <xsd:simpleType>
+        <xsd:restriction base="dms:Text"/>
+      </xsd:simpleType>
+    </xsd:element>
+    <xsd:element name="MediaServiceEventHashCode" ma:index="18" nillable="true" ma:displayName="MediaServiceEventHashCode" ma:hidden="true" ma:internalName="MediaServiceEventHashCode" ma:readOnly="true">
+      <xsd:simpleType>
+        <xsd:restriction base="dms:Text"/>
+      </xsd:simpleType>
+    </xsd:element>
+    <xsd:element name="MediaServiceDateTaken" ma:index="19" nillable="true" ma:displayName="MediaServiceDateTaken" ma:hidden="true" ma:indexed="true" ma:internalName="MediaServiceDateTaken" ma:readOnly="true">
+      <xsd:simpleType>
+        <xsd:restriction base="dms:Text"/>
+      </xsd:simpleType>
+    </xsd:element>
+    <xsd:element name="MediaServiceSearchProperties" ma:index="20" nillable="true" ma:displayName="MediaServiceSearchProperties" ma:hidden="true" ma:internalName="MediaServiceSearchProperties" ma:readOnly="true">
+      <xsd:simpleType>
+        <xsd:restriction base="dms:Note"/>
+      </xsd:simpleType>
+    </xsd:element>
+  </xsd:schema>
+  <xsd:schema xmlns:xsd="http://www.w3.org/2001/XMLSchema" xmlns:xs="http://www.w3.org/2001/XMLSchema" xmlns:dms="http://schemas.microsoft.com/office/2006/documentManagement/types" xmlns:pc="http://schemas.microsoft.com/office/infopath/2007/PartnerControls" targetNamespace="70ba9242-6892-4026-b5b7-834850ea2010" elementFormDefault="qualified">
+    <xsd:import namespace="http://schemas.microsoft.com/office/2006/documentManagement/types"/>
+    <xsd:import namespace="http://schemas.microsoft.com/office/infopath/2007/PartnerControls"/>
+    <xsd:element name="SharedWithUsers" ma:index="12" nillable="true" ma:displayName="共用對象:" ma:internalName="SharedWithUsers" ma:readOnly="true">
+      <xsd:complexType>
+        <xsd:complexContent>
+          <xsd:extension base="dms:UserMulti">
+            <xsd:sequence>
+              <xsd:element name="UserInfo" minOccurs="0" maxOccurs="unbounded">
+                <xsd:complexType>
+                  <xsd:sequence>
+                    <xsd:element name="DisplayName" type="xsd:string" minOccurs="0"/>
+                    <xsd:element name="AccountId" type="dms:UserId" minOccurs="0" nillable="true"/>
+                    <xsd:element name="AccountType" type="xsd:string" minOccurs="0"/>
+                  </xsd:sequence>
+                </xsd:complexType>
+              </xsd:element>
+            </xsd:sequence>
+          </xsd:extension>
+        </xsd:complexContent>
+      </xsd:complexType>
+    </xsd:element>
+    <xsd:element name="SharedWithDetails" ma:index="13" nillable="true" ma:displayName="共用詳細資料" ma:internalName="SharedWithDetails" ma:readOnly="true">
+      <xsd:simpleType>
+        <xsd:restriction base="dms:Note">
+          <xsd:maxLength value="255"/>
+        </xsd:restriction>
+      </xsd:simpleType>
+    </xsd:element>
+    <xsd:element name="SharingHintHash" ma:index="14" nillable="true" ma:displayName="共用提示雜湊" ma:hidden="true" ma:internalName="SharingHintHash" ma:readOnly="true">
+      <xsd:simpleType>
+        <xsd:restriction base="dms:Text"/>
+      </xsd:simpleType>
+    </xsd:element>
+  </xsd:schema>
+  <xsd:schema xmlns="http://schemas.openxmlformats.org/package/2006/metadata/core-properties" xmlns:xsd="http://www.w3.org/2001/XMLSchema" xmlns:xsi="http://www.w3.org/2001/XMLSchema-instance" xmlns:dc="http://purl.org/dc/elements/1.1/" xmlns:dcterms="http://purl.org/dc/terms/" xmlns:odoc="http://schemas.microsoft.com/internal/obd" targetNamespace="http://schemas.openxmlformats.org/package/2006/metadata/core-properties" elementFormDefault="qualified" attributeFormDefault="unqualified" blockDefault="#all">
+    <xsd:import namespace="http://purl.org/dc/elements/1.1/" schemaLocation="http://dublincore.org/schemas/xmls/qdc/2003/04/02/dc.xsd"/>
+    <xsd:import namespace="http://purl.org/dc/terms/" schemaLocation="http://dublincore.org/schemas/xmls/qdc/2003/04/02/dcterms.xsd"/>
+    <xsd:element name="coreProperties" type="CT_coreProperties"/>
+    <xsd:complexType name="CT_coreProperties">
+      <xsd:all>
+        <xsd:element ref="dc:creator" minOccurs="0" maxOccurs="1"/>
+        <xsd:element ref="dcterms:created" minOccurs="0" maxOccurs="1"/>
+        <xsd:element ref="dc:identifier" minOccurs="0" maxOccurs="1"/>
+        <xsd:element name="contentType" minOccurs="0" maxOccurs="1" type="xsd:string" ma:index="0" ma:displayName="內容類型"/>
+        <xsd:element ref="dc:title" minOccurs="0" maxOccurs="1" ma:index="4" ma:displayName="標題"/>
+        <xsd:element ref="dc:subject" minOccurs="0" maxOccurs="1"/>
+        <xsd:element ref="dc:description" minOccurs="0" maxOccurs="1"/>
+        <xsd:element name="keywords" minOccurs="0" maxOccurs="1" type="xsd:string"/>
+        <xsd:element ref="dc:language" minOccurs="0" maxOccurs="1"/>
+        <xsd:element name="category" minOccurs="0" maxOccurs="1" type="xsd:string"/>
+        <xsd:element name="version" minOccurs="0" maxOccurs="1" type="xsd:string"/>
+        <xsd:element name="revision" minOccurs="0" maxOccurs="1" type="xsd:string">
+          <xsd:annotation>
+            <xsd:documentation>
+                        This value indicates the number of saves or revisions. The application is responsible for updating this value after each revision.
+                    </xsd:documentation>
+          </xsd:annotation>
+        </xsd:element>
+        <xsd:element name="lastModifiedBy" minOccurs="0" maxOccurs="1" type="xsd:string"/>
+        <xsd:element ref="dcterms:modified" minOccurs="0" maxOccurs="1"/>
+        <xsd:element name="contentStatus" minOccurs="0" maxOccurs="1" type="xsd:string"/>
+      </xsd:all>
+    </xsd:complexType>
+  </xsd:schema>
+  <xs:schema xmlns:pc="http://schemas.microsoft.com/office/infopath/2007/PartnerControls" xmlns:xs="http://www.w3.org/2001/XMLSchema" targetNamespace="http://schemas.microsoft.com/office/infopath/2007/PartnerControls" elementFormDefault="qualified" attributeFormDefault="unqualified">
+    <xs:element name="Person">
+      <xs:complexType>
+        <xs:sequence>
+          <xs:element ref="pc:DisplayName" minOccurs="0"/>
+          <xs:element ref="pc:AccountId" minOccurs="0"/>
+          <xs:element ref="pc:AccountType" minOccurs="0"/>
+        </xs:sequence>
+      </xs:complexType>
+    </xs:element>
+    <xs:element name="DisplayName" type="xs:string"/>
+    <xs:element name="AccountId" type="xs:string"/>
+    <xs:element name="AccountType" type="xs:string"/>
+    <xs:element name="BDCAssociatedEntity">
+      <xs:complexType>
+        <xs:sequence>
+          <xs:element ref="pc:BDCEntity" minOccurs="0" maxOccurs="unbounded"/>
+        </xs:sequence>
+        <xs:attribute ref="pc:EntityNamespace"/>
+        <xs:attribute ref="pc:EntityName"/>
+        <xs:attribute ref="pc:SystemInstanceName"/>
+        <xs:attribute ref="pc:AssociationName"/>
+      </xs:complexType>
+    </xs:element>
+    <xs:attribute name="EntityNamespace" type="xs:string"/>
+    <xs:attribute name="EntityName" type="xs:string"/>
+    <xs:attribute name="SystemInstanceName" type="xs:string"/>
+    <xs:attribute name="AssociationName" type="xs:string"/>
+    <xs:element name="BDCEntity">
+      <xs:complexType>
+        <xs:sequence>
+          <xs:element ref="pc:EntityDisplayName" minOccurs="0"/>
+          <xs:element ref="pc:EntityInstanceReference" minOccurs="0"/>
+          <xs:element ref="pc:EntityId1" minOccurs="0"/>
+          <xs:element ref="pc:EntityId2" minOccurs="0"/>
+          <xs:element ref="pc:EntityId3" minOccurs="0"/>
+          <xs:element ref="pc:EntityId4" minOccurs="0"/>
+          <xs:element ref="pc:EntityId5" minOccurs="0"/>
+        </xs:sequence>
+      </xs:complexType>
+    </xs:element>
+    <xs:element name="EntityDisplayName" type="xs:string"/>
+    <xs:element name="EntityInstanceReference" type="xs:string"/>
+    <xs:element name="EntityId1" type="xs:string"/>
+    <xs:element name="EntityId2" type="xs:string"/>
+    <xs:element name="EntityId3" type="xs:string"/>
+    <xs:element name="EntityId4" type="xs:string"/>
+    <xs:element name="EntityId5" type="xs:string"/>
+    <xs:element name="Terms">
+      <xs:complexType>
+        <xs:sequence>
+          <xs:element ref="pc:TermInfo" minOccurs="0" maxOccurs="unbounded"/>
+        </xs:sequence>
+      </xs:complexType>
+    </xs:element>
+    <xs:element name="TermInfo">
+      <xs:complexType>
+        <xs:sequence>
+          <xs:element ref="pc:TermName" minOccurs="0"/>
+          <xs:element ref="pc:TermId" minOccurs="0"/>
+        </xs:sequence>
+      </xs:complexType>
+    </xs:element>
+    <xs:element name="TermName" type="xs:string"/>
+    <xs:element name="TermId" type="xs:string"/>
+  </xs:schema>
+</ct:contentTypeSchema>
+</file>
+
+<file path=customXml/item2.xml><?xml version="1.0" encoding="utf-8"?>
+<p:properties xmlns:p="http://schemas.microsoft.com/office/2006/metadata/properties" xmlns:xsi="http://www.w3.org/2001/XMLSchema-instance" xmlns:pc="http://schemas.microsoft.com/office/infopath/2007/PartnerControls">
+  <documentManagement>
+    <_activity xmlns="16d3090d-5510-419c-b2d5-4f2ae6c1f18a" xsi:nil="true"/>
+  </documentManagement>
+</p:properties>
+</file>
+
+<file path=customXml/item3.xml><?xml version="1.0" encoding="utf-8"?>
+<?mso-contentType ?>
+<FormTemplates xmlns="http://schemas.microsoft.com/sharepoint/v3/contenttype/forms">
+  <Display>DocumentLibraryForm</Display>
+  <Edit>DocumentLibraryForm</Edit>
+  <New>DocumentLibraryForm</New>
+</FormTemplates>
+</file>
+
+<file path=customXml/itemProps1.xml><?xml version="1.0" encoding="utf-8"?>
+<ds:datastoreItem xmlns:ds="http://schemas.openxmlformats.org/officeDocument/2006/customXml" ds:itemID="{5A9AB944-8B21-4698-B56D-6863FD39B807}">
+  <ds:schemaRefs>
+    <ds:schemaRef ds:uri="http://schemas.microsoft.com/office/2006/metadata/contentType"/>
+    <ds:schemaRef ds:uri="http://schemas.microsoft.com/office/2006/metadata/properties/metaAttributes"/>
+    <ds:schemaRef ds:uri="http://www.w3.org/2001/XMLSchema"/>
+    <ds:schemaRef ds:uri="http://schemas.microsoft.com/office/2006/metadata/properties"/>
+    <ds:schemaRef ds:uri="16d3090d-5510-419c-b2d5-4f2ae6c1f18a"/>
+    <ds:schemaRef ds:uri="70ba9242-6892-4026-b5b7-834850ea2010"/>
+    <ds:schemaRef ds:uri="http://schemas.microsoft.com/office/2006/documentManagement/types"/>
+    <ds:schemaRef ds:uri="http://schemas.microsoft.com/office/infopath/2007/PartnerControls"/>
+    <ds:schemaRef ds:uri="http://schemas.openxmlformats.org/package/2006/metadata/core-properties"/>
+    <ds:schemaRef ds:uri="http://purl.org/dc/elements/1.1/"/>
+    <ds:schemaRef ds:uri="http://purl.org/dc/terms/"/>
+    <ds:schemaRef ds:uri="http://schemas.microsoft.com/internal/obd"/>
+  </ds:schemaRefs>
+</ds:datastoreItem>
+</file>
+
+<file path=customXml/itemProps2.xml><?xml version="1.0" encoding="utf-8"?>
+<ds:datastoreItem xmlns:ds="http://schemas.openxmlformats.org/officeDocument/2006/customXml" ds:itemID="{F296F464-72D1-46CD-82D4-FC816F41B8C8}">
+  <ds:schemaRefs>
+    <ds:schemaRef ds:uri="http://purl.org/dc/elements/1.1/"/>
+    <ds:schemaRef ds:uri="http://www.w3.org/XML/1998/namespace"/>
+    <ds:schemaRef ds:uri="http://schemas.microsoft.com/office/infopath/2007/PartnerControls"/>
+    <ds:schemaRef ds:uri="http://purl.org/dc/terms/"/>
+    <ds:schemaRef ds:uri="16d3090d-5510-419c-b2d5-4f2ae6c1f18a"/>
+    <ds:schemaRef ds:uri="http://schemas.openxmlformats.org/package/2006/metadata/core-properties"/>
+    <ds:schemaRef ds:uri="http://schemas.microsoft.com/office/2006/documentManagement/types"/>
+    <ds:schemaRef ds:uri="70ba9242-6892-4026-b5b7-834850ea2010"/>
+    <ds:schemaRef ds:uri="http://schemas.microsoft.com/office/2006/metadata/properties"/>
+    <ds:schemaRef ds:uri="http://purl.org/dc/dcmitype/"/>
+  </ds:schemaRefs>
+</ds:datastoreItem>
+</file>
+
+<file path=customXml/itemProps3.xml><?xml version="1.0" encoding="utf-8"?>
+<ds:datastoreItem xmlns:ds="http://schemas.openxmlformats.org/officeDocument/2006/customXml" ds:itemID="{AD2B096E-FE12-4D10-B8A0-8E23AA1E861A}">
+  <ds:schemaRefs>
+    <ds:schemaRef ds:uri="http://schemas.microsoft.com/sharepoint/v3/contenttype/forms"/>
+  </ds:schemaRefs>
+</ds:datastoreItem>
 </file>